--- a/Assignments/Assignment 1/HW1_Phoenix - screens.pptx
+++ b/Assignments/Assignment 1/HW1_Phoenix - screens.pptx
@@ -1,38 +1,38 @@
 
 <file path=ppt/presentation.xml><?xml version="1.0" encoding="utf-8"?>
-<p:presentation xmlns:a="http://schemas.openxmlformats.org/drawingml/2006/main" xmlns:r="http://schemas.openxmlformats.org/officeDocument/2006/relationships" xmlns:mc="http://schemas.openxmlformats.org/markup-compatibility/2006" xmlns:mv="urn:schemas-microsoft-com:mac:vml" xmlns:p="http://schemas.openxmlformats.org/presentationml/2006/main" xmlns:c="http://schemas.openxmlformats.org/drawingml/2006/chart" xmlns:dgm="http://schemas.openxmlformats.org/drawingml/2006/diagram" xmlns:o="urn:schemas-microsoft-com:office:office" xmlns:v="urn:schemas-microsoft-com:vml" xmlns:pvml="urn:schemas-microsoft-com:office:powerpoint" xmlns:com="http://schemas.openxmlformats.org/drawingml/2006/compatibility" xmlns:p14="http://schemas.microsoft.com/office/powerpoint/2010/main" xmlns:p15="http://schemas.microsoft.com/office/powerpoint/2012/main" xmlns:ahyp="http://schemas.microsoft.com/office/drawing/2018/hyperlinkcolor" autoCompressPictures="0" embedTrueTypeFonts="1" strictFirstAndLastChars="0" saveSubsetFonts="1">
+<p:presentation xmlns:a="http://schemas.openxmlformats.org/drawingml/2006/main" xmlns:r="http://schemas.openxmlformats.org/officeDocument/2006/relationships" xmlns:p="http://schemas.openxmlformats.org/presentationml/2006/main" strictFirstAndLastChars="0" embedTrueTypeFonts="1" saveSubsetFonts="1" autoCompressPictures="0">
   <p:sldMasterIdLst>
-    <p:sldMasterId id="2147483659" r:id="rId4"/>
+    <p:sldMasterId id="2147483659" r:id="rId1"/>
   </p:sldMasterIdLst>
   <p:notesMasterIdLst>
-    <p:notesMasterId r:id="rId5"/>
+    <p:notesMasterId r:id="rId6"/>
   </p:notesMasterIdLst>
   <p:sldIdLst>
-    <p:sldId id="256" r:id="rId6"/>
-    <p:sldId id="257" r:id="rId7"/>
-    <p:sldId id="258" r:id="rId8"/>
-    <p:sldId id="259" r:id="rId9"/>
+    <p:sldId id="256" r:id="rId2"/>
+    <p:sldId id="257" r:id="rId3"/>
+    <p:sldId id="258" r:id="rId4"/>
+    <p:sldId id="259" r:id="rId5"/>
   </p:sldIdLst>
-  <p:sldSz cy="5143500" cx="9144000"/>
+  <p:sldSz cx="9144000" cy="5143500" type="screen16x9"/>
   <p:notesSz cx="6858000" cy="9144000"/>
   <p:embeddedFontLst>
     <p:embeddedFont>
-      <p:font typeface="Montserrat"/>
-      <p:regular r:id="rId10"/>
-      <p:bold r:id="rId11"/>
-      <p:italic r:id="rId12"/>
-      <p:boldItalic r:id="rId13"/>
+      <p:font typeface="Lato" panose="020F0502020204030203" pitchFamily="34" charset="0"/>
+      <p:regular r:id="rId7"/>
+      <p:bold r:id="rId8"/>
+      <p:italic r:id="rId9"/>
+      <p:boldItalic r:id="rId10"/>
     </p:embeddedFont>
     <p:embeddedFont>
-      <p:font typeface="Lato"/>
-      <p:regular r:id="rId14"/>
-      <p:bold r:id="rId15"/>
-      <p:italic r:id="rId16"/>
-      <p:boldItalic r:id="rId17"/>
+      <p:font typeface="Montserrat" panose="020B0604020202020204" charset="0"/>
+      <p:regular r:id="rId11"/>
+      <p:bold r:id="rId12"/>
+      <p:italic r:id="rId13"/>
+      <p:boldItalic r:id="rId14"/>
     </p:embeddedFont>
   </p:embeddedFontLst>
   <p:defaultTextStyle>
-    <a:defPPr lvl="0" marR="0" rtl="0" algn="l">
+    <a:defPPr marR="0" lvl="0" algn="l" rtl="0">
       <a:lnSpc>
         <a:spcPct val="100000"/>
       </a:lnSpc>
@@ -43,7 +43,7 @@
         <a:spcPts val="0"/>
       </a:spcAft>
     </a:defPPr>
-    <a:lvl1pPr lvl="0" marR="0" rtl="0" algn="l">
+    <a:lvl1pPr marR="0" lvl="0" algn="l" rtl="0">
       <a:lnSpc>
         <a:spcPct val="100000"/>
       </a:lnSpc>
@@ -57,7 +57,7 @@
         <a:srgbClr val="000000"/>
       </a:buClr>
       <a:buFont typeface="Arial"/>
-      <a:defRPr b="0" i="0" sz="1400" u="none" cap="none" strike="noStrike">
+      <a:defRPr sz="1400" b="0" i="0" u="none" strike="noStrike" cap="none">
         <a:solidFill>
           <a:srgbClr val="000000"/>
         </a:solidFill>
@@ -67,7 +67,7 @@
         <a:sym typeface="Arial"/>
       </a:defRPr>
     </a:lvl1pPr>
-    <a:lvl2pPr lvl="1" marR="0" rtl="0" algn="l">
+    <a:lvl2pPr marR="0" lvl="1" algn="l" rtl="0">
       <a:lnSpc>
         <a:spcPct val="100000"/>
       </a:lnSpc>
@@ -81,7 +81,7 @@
         <a:srgbClr val="000000"/>
       </a:buClr>
       <a:buFont typeface="Arial"/>
-      <a:defRPr b="0" i="0" sz="1400" u="none" cap="none" strike="noStrike">
+      <a:defRPr sz="1400" b="0" i="0" u="none" strike="noStrike" cap="none">
         <a:solidFill>
           <a:srgbClr val="000000"/>
         </a:solidFill>
@@ -91,7 +91,7 @@
         <a:sym typeface="Arial"/>
       </a:defRPr>
     </a:lvl2pPr>
-    <a:lvl3pPr lvl="2" marR="0" rtl="0" algn="l">
+    <a:lvl3pPr marR="0" lvl="2" algn="l" rtl="0">
       <a:lnSpc>
         <a:spcPct val="100000"/>
       </a:lnSpc>
@@ -105,7 +105,7 @@
         <a:srgbClr val="000000"/>
       </a:buClr>
       <a:buFont typeface="Arial"/>
-      <a:defRPr b="0" i="0" sz="1400" u="none" cap="none" strike="noStrike">
+      <a:defRPr sz="1400" b="0" i="0" u="none" strike="noStrike" cap="none">
         <a:solidFill>
           <a:srgbClr val="000000"/>
         </a:solidFill>
@@ -115,7 +115,7 @@
         <a:sym typeface="Arial"/>
       </a:defRPr>
     </a:lvl3pPr>
-    <a:lvl4pPr lvl="3" marR="0" rtl="0" algn="l">
+    <a:lvl4pPr marR="0" lvl="3" algn="l" rtl="0">
       <a:lnSpc>
         <a:spcPct val="100000"/>
       </a:lnSpc>
@@ -129,7 +129,7 @@
         <a:srgbClr val="000000"/>
       </a:buClr>
       <a:buFont typeface="Arial"/>
-      <a:defRPr b="0" i="0" sz="1400" u="none" cap="none" strike="noStrike">
+      <a:defRPr sz="1400" b="0" i="0" u="none" strike="noStrike" cap="none">
         <a:solidFill>
           <a:srgbClr val="000000"/>
         </a:solidFill>
@@ -139,7 +139,7 @@
         <a:sym typeface="Arial"/>
       </a:defRPr>
     </a:lvl4pPr>
-    <a:lvl5pPr lvl="4" marR="0" rtl="0" algn="l">
+    <a:lvl5pPr marR="0" lvl="4" algn="l" rtl="0">
       <a:lnSpc>
         <a:spcPct val="100000"/>
       </a:lnSpc>
@@ -153,7 +153,7 @@
         <a:srgbClr val="000000"/>
       </a:buClr>
       <a:buFont typeface="Arial"/>
-      <a:defRPr b="0" i="0" sz="1400" u="none" cap="none" strike="noStrike">
+      <a:defRPr sz="1400" b="0" i="0" u="none" strike="noStrike" cap="none">
         <a:solidFill>
           <a:srgbClr val="000000"/>
         </a:solidFill>
@@ -163,7 +163,7 @@
         <a:sym typeface="Arial"/>
       </a:defRPr>
     </a:lvl5pPr>
-    <a:lvl6pPr lvl="5" marR="0" rtl="0" algn="l">
+    <a:lvl6pPr marR="0" lvl="5" algn="l" rtl="0">
       <a:lnSpc>
         <a:spcPct val="100000"/>
       </a:lnSpc>
@@ -177,7 +177,7 @@
         <a:srgbClr val="000000"/>
       </a:buClr>
       <a:buFont typeface="Arial"/>
-      <a:defRPr b="0" i="0" sz="1400" u="none" cap="none" strike="noStrike">
+      <a:defRPr sz="1400" b="0" i="0" u="none" strike="noStrike" cap="none">
         <a:solidFill>
           <a:srgbClr val="000000"/>
         </a:solidFill>
@@ -187,7 +187,7 @@
         <a:sym typeface="Arial"/>
       </a:defRPr>
     </a:lvl6pPr>
-    <a:lvl7pPr lvl="6" marR="0" rtl="0" algn="l">
+    <a:lvl7pPr marR="0" lvl="6" algn="l" rtl="0">
       <a:lnSpc>
         <a:spcPct val="100000"/>
       </a:lnSpc>
@@ -201,7 +201,7 @@
         <a:srgbClr val="000000"/>
       </a:buClr>
       <a:buFont typeface="Arial"/>
-      <a:defRPr b="0" i="0" sz="1400" u="none" cap="none" strike="noStrike">
+      <a:defRPr sz="1400" b="0" i="0" u="none" strike="noStrike" cap="none">
         <a:solidFill>
           <a:srgbClr val="000000"/>
         </a:solidFill>
@@ -211,7 +211,7 @@
         <a:sym typeface="Arial"/>
       </a:defRPr>
     </a:lvl7pPr>
-    <a:lvl8pPr lvl="7" marR="0" rtl="0" algn="l">
+    <a:lvl8pPr marR="0" lvl="7" algn="l" rtl="0">
       <a:lnSpc>
         <a:spcPct val="100000"/>
       </a:lnSpc>
@@ -225,7 +225,7 @@
         <a:srgbClr val="000000"/>
       </a:buClr>
       <a:buFont typeface="Arial"/>
-      <a:defRPr b="0" i="0" sz="1400" u="none" cap="none" strike="noStrike">
+      <a:defRPr sz="1400" b="0" i="0" u="none" strike="noStrike" cap="none">
         <a:solidFill>
           <a:srgbClr val="000000"/>
         </a:solidFill>
@@ -235,7 +235,7 @@
         <a:sym typeface="Arial"/>
       </a:defRPr>
     </a:lvl8pPr>
-    <a:lvl9pPr lvl="8" marR="0" rtl="0" algn="l">
+    <a:lvl9pPr marR="0" lvl="8" algn="l" rtl="0">
       <a:lnSpc>
         <a:spcPct val="100000"/>
       </a:lnSpc>
@@ -249,7 +249,7 @@
         <a:srgbClr val="000000"/>
       </a:buClr>
       <a:buFont typeface="Arial"/>
-      <a:defRPr b="0" i="0" sz="1400" u="none" cap="none" strike="noStrike">
+      <a:defRPr sz="1400" b="0" i="0" u="none" strike="noStrike" cap="none">
         <a:solidFill>
           <a:srgbClr val="000000"/>
         </a:solidFill>
@@ -262,7 +262,7 @@
   </p:defaultTextStyle>
   <p:extLst>
     <p:ext uri="{EFAFB233-063F-42B5-8137-9DF3F51BA10A}">
-      <p15:sldGuideLst>
+      <p15:sldGuideLst xmlns:p15="http://schemas.microsoft.com/office/powerpoint/2012/main">
         <p15:guide id="1" orient="horz" pos="1620">
           <p15:clr>
             <a:srgbClr val="747775"/>
@@ -280,11 +280,16 @@
 </file>
 
 <file path=ppt/notesMasters/notesMaster1.xml><?xml version="1.0" encoding="utf-8"?>
-<p:notesMaster xmlns:a="http://schemas.openxmlformats.org/drawingml/2006/main" xmlns:r="http://schemas.openxmlformats.org/officeDocument/2006/relationships" xmlns:mc="http://schemas.openxmlformats.org/markup-compatibility/2006" xmlns:mv="urn:schemas-microsoft-com:mac:vml" xmlns:p="http://schemas.openxmlformats.org/presentationml/2006/main" xmlns:c="http://schemas.openxmlformats.org/drawingml/2006/chart" xmlns:dgm="http://schemas.openxmlformats.org/drawingml/2006/diagram" xmlns:o="urn:schemas-microsoft-com:office:office" xmlns:v="urn:schemas-microsoft-com:vml" xmlns:pvml="urn:schemas-microsoft-com:office:powerpoint" xmlns:com="http://schemas.openxmlformats.org/drawingml/2006/compatibility" xmlns:p14="http://schemas.microsoft.com/office/powerpoint/2010/main" xmlns:p15="http://schemas.microsoft.com/office/powerpoint/2012/main" xmlns:ahyp="http://schemas.microsoft.com/office/drawing/2018/hyperlinkcolor">
+<p:notesMaster xmlns:a="http://schemas.openxmlformats.org/drawingml/2006/main" xmlns:r="http://schemas.openxmlformats.org/officeDocument/2006/relationships" xmlns:p="http://schemas.openxmlformats.org/presentationml/2006/main">
   <p:cSld>
+    <p:bg>
+      <p:bgRef idx="1001">
+        <a:schemeClr val="bg1"/>
+      </p:bgRef>
+    </p:bg>
     <p:spTree>
       <p:nvGrpSpPr>
-        <p:cNvPr id="2" name="Shape 2"/>
+        <p:cNvPr id="1" name="Shape 2"/>
         <p:cNvGrpSpPr/>
         <p:nvPr/>
       </p:nvGrpSpPr>
@@ -299,9 +304,11 @@
       <p:sp>
         <p:nvSpPr>
           <p:cNvPr id="3" name="Google Shape;3;n"/>
-          <p:cNvSpPr/>
+          <p:cNvSpPr>
+            <a:spLocks noGrp="1" noRot="1" noChangeAspect="1"/>
+          </p:cNvSpPr>
           <p:nvPr>
-            <p:ph idx="2" type="sldImg"/>
+            <p:ph type="sldImg" idx="2"/>
           </p:nvPr>
         </p:nvSpPr>
         <p:spPr>
@@ -310,9 +317,13 @@
             <a:ext cx="6096075" cy="3429000"/>
           </a:xfrm>
           <a:custGeom>
-            <a:rect b="b" l="l" r="r" t="t"/>
+            <a:avLst/>
+            <a:gdLst/>
+            <a:ahLst/>
+            <a:cxnLst/>
+            <a:rect l="l" t="t" r="r" b="b"/>
             <a:pathLst>
-              <a:path extrusionOk="0" h="120000" w="120000">
+              <a:path w="120000" h="120000" extrusionOk="0">
                 <a:moveTo>
                   <a:pt x="0" y="0"/>
                 </a:moveTo>
@@ -330,23 +341,25 @@
             </a:pathLst>
           </a:custGeom>
           <a:noFill/>
-          <a:ln cap="flat" cmpd="sng" w="9525">
+          <a:ln w="9525" cap="flat" cmpd="sng">
             <a:solidFill>
               <a:srgbClr val="000000"/>
             </a:solidFill>
             <a:prstDash val="solid"/>
             <a:round/>
-            <a:headEnd len="sm" w="sm" type="none"/>
-            <a:tailEnd len="sm" w="sm" type="none"/>
+            <a:headEnd type="none" w="sm" len="sm"/>
+            <a:tailEnd type="none" w="sm" len="sm"/>
           </a:ln>
         </p:spPr>
       </p:sp>
       <p:sp>
         <p:nvSpPr>
           <p:cNvPr id="4" name="Google Shape;4;n"/>
-          <p:cNvSpPr txBox="1"/>
+          <p:cNvSpPr txBox="1">
+            <a:spLocks noGrp="1"/>
+          </p:cNvSpPr>
           <p:nvPr>
-            <p:ph idx="1" type="body"/>
+            <p:ph type="body" idx="1"/>
           </p:nvPr>
         </p:nvSpPr>
         <p:spPr>
@@ -363,11 +376,11 @@
           </a:ln>
         </p:spPr>
         <p:txBody>
-          <a:bodyPr anchorCtr="0" anchor="t" bIns="91425" lIns="91425" spcFirstLastPara="1" rIns="91425" wrap="square" tIns="91425">
+          <a:bodyPr spcFirstLastPara="1" wrap="square" lIns="91425" tIns="91425" rIns="91425" bIns="91425" anchor="t" anchorCtr="0">
             <a:noAutofit/>
           </a:bodyPr>
           <a:lstStyle>
-            <a:lvl1pPr indent="-298450" lvl="0" marL="457200">
+            <a:lvl1pPr marL="457200" lvl="0" indent="-298450">
               <a:spcBef>
                 <a:spcPts val="0"/>
               </a:spcBef>
@@ -378,7 +391,7 @@
               <a:buChar char="●"/>
               <a:defRPr sz="1100"/>
             </a:lvl1pPr>
-            <a:lvl2pPr indent="-298450" lvl="1" marL="914400">
+            <a:lvl2pPr marL="914400" lvl="1" indent="-298450">
               <a:spcBef>
                 <a:spcPts val="0"/>
               </a:spcBef>
@@ -389,7 +402,7 @@
               <a:buChar char="○"/>
               <a:defRPr sz="1100"/>
             </a:lvl2pPr>
-            <a:lvl3pPr indent="-298450" lvl="2" marL="1371600">
+            <a:lvl3pPr marL="1371600" lvl="2" indent="-298450">
               <a:spcBef>
                 <a:spcPts val="0"/>
               </a:spcBef>
@@ -400,7 +413,7 @@
               <a:buChar char="■"/>
               <a:defRPr sz="1100"/>
             </a:lvl3pPr>
-            <a:lvl4pPr indent="-298450" lvl="3" marL="1828800">
+            <a:lvl4pPr marL="1828800" lvl="3" indent="-298450">
               <a:spcBef>
                 <a:spcPts val="0"/>
               </a:spcBef>
@@ -411,7 +424,7 @@
               <a:buChar char="●"/>
               <a:defRPr sz="1100"/>
             </a:lvl4pPr>
-            <a:lvl5pPr indent="-298450" lvl="4" marL="2286000">
+            <a:lvl5pPr marL="2286000" lvl="4" indent="-298450">
               <a:spcBef>
                 <a:spcPts val="0"/>
               </a:spcBef>
@@ -422,7 +435,7 @@
               <a:buChar char="○"/>
               <a:defRPr sz="1100"/>
             </a:lvl5pPr>
-            <a:lvl6pPr indent="-298450" lvl="5" marL="2743200">
+            <a:lvl6pPr marL="2743200" lvl="5" indent="-298450">
               <a:spcBef>
                 <a:spcPts val="0"/>
               </a:spcBef>
@@ -433,7 +446,7 @@
               <a:buChar char="■"/>
               <a:defRPr sz="1100"/>
             </a:lvl6pPr>
-            <a:lvl7pPr indent="-298450" lvl="6" marL="3200400">
+            <a:lvl7pPr marL="3200400" lvl="6" indent="-298450">
               <a:spcBef>
                 <a:spcPts val="0"/>
               </a:spcBef>
@@ -444,7 +457,7 @@
               <a:buChar char="●"/>
               <a:defRPr sz="1100"/>
             </a:lvl7pPr>
-            <a:lvl8pPr indent="-298450" lvl="7" marL="3657600">
+            <a:lvl8pPr marL="3657600" lvl="7" indent="-298450">
               <a:spcBef>
                 <a:spcPts val="0"/>
               </a:spcBef>
@@ -455,7 +468,7 @@
               <a:buChar char="○"/>
               <a:defRPr sz="1100"/>
             </a:lvl8pPr>
-            <a:lvl9pPr indent="-298450" lvl="8" marL="4114800">
+            <a:lvl9pPr marL="4114800" lvl="8" indent="-298450">
               <a:spcBef>
                 <a:spcPts val="0"/>
               </a:spcBef>
@@ -467,14 +480,16 @@
               <a:defRPr sz="1100"/>
             </a:lvl9pPr>
           </a:lstStyle>
-          <a:p/>
+          <a:p>
+            <a:endParaRPr/>
+          </a:p>
         </p:txBody>
       </p:sp>
     </p:spTree>
   </p:cSld>
-  <p:clrMap accent1="accent1" accent2="accent2" accent3="accent3" accent4="accent4" accent5="accent5" accent6="accent6" bg1="lt1" bg2="dk2" tx1="dk1" tx2="lt2" folHlink="folHlink" hlink="hlink"/>
+  <p:clrMap bg1="lt1" tx1="dk1" bg2="dk2" tx2="lt2" accent1="accent1" accent2="accent2" accent3="accent3" accent4="accent4" accent5="accent5" accent6="accent6" hlink="hlink" folHlink="folHlink"/>
   <p:notesStyle>
-    <a:defPPr lvl="0" marR="0" rtl="0" algn="l">
+    <a:defPPr marR="0" lvl="0" algn="l" rtl="0">
       <a:lnSpc>
         <a:spcPct val="100000"/>
       </a:lnSpc>
@@ -485,7 +500,7 @@
         <a:spcPts val="0"/>
       </a:spcAft>
     </a:defPPr>
-    <a:lvl1pPr lvl="0" marR="0" rtl="0" algn="l">
+    <a:lvl1pPr marR="0" lvl="0" algn="l" rtl="0">
       <a:lnSpc>
         <a:spcPct val="100000"/>
       </a:lnSpc>
@@ -499,7 +514,7 @@
         <a:srgbClr val="000000"/>
       </a:buClr>
       <a:buFont typeface="Arial"/>
-      <a:defRPr b="0" i="0" sz="1400" u="none" cap="none" strike="noStrike">
+      <a:defRPr sz="1400" b="0" i="0" u="none" strike="noStrike" cap="none">
         <a:solidFill>
           <a:srgbClr val="000000"/>
         </a:solidFill>
@@ -509,7 +524,7 @@
         <a:sym typeface="Arial"/>
       </a:defRPr>
     </a:lvl1pPr>
-    <a:lvl2pPr lvl="1" marR="0" rtl="0" algn="l">
+    <a:lvl2pPr marR="0" lvl="1" algn="l" rtl="0">
       <a:lnSpc>
         <a:spcPct val="100000"/>
       </a:lnSpc>
@@ -523,7 +538,7 @@
         <a:srgbClr val="000000"/>
       </a:buClr>
       <a:buFont typeface="Arial"/>
-      <a:defRPr b="0" i="0" sz="1400" u="none" cap="none" strike="noStrike">
+      <a:defRPr sz="1400" b="0" i="0" u="none" strike="noStrike" cap="none">
         <a:solidFill>
           <a:srgbClr val="000000"/>
         </a:solidFill>
@@ -533,7 +548,7 @@
         <a:sym typeface="Arial"/>
       </a:defRPr>
     </a:lvl2pPr>
-    <a:lvl3pPr lvl="2" marR="0" rtl="0" algn="l">
+    <a:lvl3pPr marR="0" lvl="2" algn="l" rtl="0">
       <a:lnSpc>
         <a:spcPct val="100000"/>
       </a:lnSpc>
@@ -547,7 +562,7 @@
         <a:srgbClr val="000000"/>
       </a:buClr>
       <a:buFont typeface="Arial"/>
-      <a:defRPr b="0" i="0" sz="1400" u="none" cap="none" strike="noStrike">
+      <a:defRPr sz="1400" b="0" i="0" u="none" strike="noStrike" cap="none">
         <a:solidFill>
           <a:srgbClr val="000000"/>
         </a:solidFill>
@@ -557,7 +572,7 @@
         <a:sym typeface="Arial"/>
       </a:defRPr>
     </a:lvl3pPr>
-    <a:lvl4pPr lvl="3" marR="0" rtl="0" algn="l">
+    <a:lvl4pPr marR="0" lvl="3" algn="l" rtl="0">
       <a:lnSpc>
         <a:spcPct val="100000"/>
       </a:lnSpc>
@@ -571,7 +586,7 @@
         <a:srgbClr val="000000"/>
       </a:buClr>
       <a:buFont typeface="Arial"/>
-      <a:defRPr b="0" i="0" sz="1400" u="none" cap="none" strike="noStrike">
+      <a:defRPr sz="1400" b="0" i="0" u="none" strike="noStrike" cap="none">
         <a:solidFill>
           <a:srgbClr val="000000"/>
         </a:solidFill>
@@ -581,7 +596,7 @@
         <a:sym typeface="Arial"/>
       </a:defRPr>
     </a:lvl4pPr>
-    <a:lvl5pPr lvl="4" marR="0" rtl="0" algn="l">
+    <a:lvl5pPr marR="0" lvl="4" algn="l" rtl="0">
       <a:lnSpc>
         <a:spcPct val="100000"/>
       </a:lnSpc>
@@ -595,7 +610,7 @@
         <a:srgbClr val="000000"/>
       </a:buClr>
       <a:buFont typeface="Arial"/>
-      <a:defRPr b="0" i="0" sz="1400" u="none" cap="none" strike="noStrike">
+      <a:defRPr sz="1400" b="0" i="0" u="none" strike="noStrike" cap="none">
         <a:solidFill>
           <a:srgbClr val="000000"/>
         </a:solidFill>
@@ -605,7 +620,7 @@
         <a:sym typeface="Arial"/>
       </a:defRPr>
     </a:lvl5pPr>
-    <a:lvl6pPr lvl="5" marR="0" rtl="0" algn="l">
+    <a:lvl6pPr marR="0" lvl="5" algn="l" rtl="0">
       <a:lnSpc>
         <a:spcPct val="100000"/>
       </a:lnSpc>
@@ -619,7 +634,7 @@
         <a:srgbClr val="000000"/>
       </a:buClr>
       <a:buFont typeface="Arial"/>
-      <a:defRPr b="0" i="0" sz="1400" u="none" cap="none" strike="noStrike">
+      <a:defRPr sz="1400" b="0" i="0" u="none" strike="noStrike" cap="none">
         <a:solidFill>
           <a:srgbClr val="000000"/>
         </a:solidFill>
@@ -629,7 +644,7 @@
         <a:sym typeface="Arial"/>
       </a:defRPr>
     </a:lvl6pPr>
-    <a:lvl7pPr lvl="6" marR="0" rtl="0" algn="l">
+    <a:lvl7pPr marR="0" lvl="6" algn="l" rtl="0">
       <a:lnSpc>
         <a:spcPct val="100000"/>
       </a:lnSpc>
@@ -643,7 +658,7 @@
         <a:srgbClr val="000000"/>
       </a:buClr>
       <a:buFont typeface="Arial"/>
-      <a:defRPr b="0" i="0" sz="1400" u="none" cap="none" strike="noStrike">
+      <a:defRPr sz="1400" b="0" i="0" u="none" strike="noStrike" cap="none">
         <a:solidFill>
           <a:srgbClr val="000000"/>
         </a:solidFill>
@@ -653,7 +668,7 @@
         <a:sym typeface="Arial"/>
       </a:defRPr>
     </a:lvl7pPr>
-    <a:lvl8pPr lvl="7" marR="0" rtl="0" algn="l">
+    <a:lvl8pPr marR="0" lvl="7" algn="l" rtl="0">
       <a:lnSpc>
         <a:spcPct val="100000"/>
       </a:lnSpc>
@@ -667,7 +682,7 @@
         <a:srgbClr val="000000"/>
       </a:buClr>
       <a:buFont typeface="Arial"/>
-      <a:defRPr b="0" i="0" sz="1400" u="none" cap="none" strike="noStrike">
+      <a:defRPr sz="1400" b="0" i="0" u="none" strike="noStrike" cap="none">
         <a:solidFill>
           <a:srgbClr val="000000"/>
         </a:solidFill>
@@ -677,7 +692,7 @@
         <a:sym typeface="Arial"/>
       </a:defRPr>
     </a:lvl8pPr>
-    <a:lvl9pPr lvl="8" marR="0" rtl="0" algn="l">
+    <a:lvl9pPr marR="0" lvl="8" algn="l" rtl="0">
       <a:lnSpc>
         <a:spcPct val="100000"/>
       </a:lnSpc>
@@ -691,7 +706,7 @@
         <a:srgbClr val="000000"/>
       </a:buClr>
       <a:buFont typeface="Arial"/>
-      <a:defRPr b="0" i="0" sz="1400" u="none" cap="none" strike="noStrike">
+      <a:defRPr sz="1400" b="0" i="0" u="none" strike="noStrike" cap="none">
         <a:solidFill>
           <a:srgbClr val="000000"/>
         </a:solidFill>
@@ -706,11 +721,11 @@
 </file>
 
 <file path=ppt/notesSlides/notesSlide1.xml><?xml version="1.0" encoding="utf-8"?>
-<p:notes xmlns:a="http://schemas.openxmlformats.org/drawingml/2006/main" xmlns:r="http://schemas.openxmlformats.org/officeDocument/2006/relationships" xmlns:mc="http://schemas.openxmlformats.org/markup-compatibility/2006" xmlns:mv="urn:schemas-microsoft-com:mac:vml" xmlns:p="http://schemas.openxmlformats.org/presentationml/2006/main" xmlns:c="http://schemas.openxmlformats.org/drawingml/2006/chart" xmlns:dgm="http://schemas.openxmlformats.org/drawingml/2006/diagram" xmlns:o="urn:schemas-microsoft-com:office:office" xmlns:v="urn:schemas-microsoft-com:vml" xmlns:pvml="urn:schemas-microsoft-com:office:powerpoint" xmlns:com="http://schemas.openxmlformats.org/drawingml/2006/compatibility" xmlns:p14="http://schemas.microsoft.com/office/powerpoint/2010/main" xmlns:p15="http://schemas.microsoft.com/office/powerpoint/2012/main" xmlns:ahyp="http://schemas.microsoft.com/office/drawing/2018/hyperlinkcolor" showMasterPhAnim="0" showMasterSp="0">
+<p:notes xmlns:a="http://schemas.openxmlformats.org/drawingml/2006/main" xmlns:r="http://schemas.openxmlformats.org/officeDocument/2006/relationships" xmlns:p="http://schemas.openxmlformats.org/presentationml/2006/main" showMasterSp="0" showMasterPhAnim="0">
   <p:cSld>
     <p:spTree>
       <p:nvGrpSpPr>
-        <p:cNvPr id="130" name="Shape 130"/>
+        <p:cNvPr id="1" name="Shape 130"/>
         <p:cNvGrpSpPr/>
         <p:nvPr/>
       </p:nvGrpSpPr>
@@ -725,9 +740,11 @@
       <p:sp>
         <p:nvSpPr>
           <p:cNvPr id="131" name="Google Shape;131;g31cd7e1a959_1_541:notes"/>
-          <p:cNvSpPr/>
+          <p:cNvSpPr>
+            <a:spLocks noGrp="1" noRot="1" noChangeAspect="1"/>
+          </p:cNvSpPr>
           <p:nvPr>
-            <p:ph idx="2" type="sldImg"/>
+            <p:ph type="sldImg" idx="2"/>
           </p:nvPr>
         </p:nvSpPr>
         <p:spPr>
@@ -736,9 +753,13 @@
             <a:ext cx="6096000" cy="3429000"/>
           </a:xfrm>
           <a:custGeom>
-            <a:rect b="b" l="l" r="r" t="t"/>
+            <a:avLst/>
+            <a:gdLst/>
+            <a:ahLst/>
+            <a:cxnLst/>
+            <a:rect l="l" t="t" r="r" b="b"/>
             <a:pathLst>
-              <a:path extrusionOk="0" h="120000" w="120000">
+              <a:path w="120000" h="120000" extrusionOk="0">
                 <a:moveTo>
                   <a:pt x="0" y="0"/>
                 </a:moveTo>
@@ -760,9 +781,11 @@
       <p:sp>
         <p:nvSpPr>
           <p:cNvPr id="132" name="Google Shape;132;g31cd7e1a959_1_541:notes"/>
-          <p:cNvSpPr txBox="1"/>
+          <p:cNvSpPr txBox="1">
+            <a:spLocks noGrp="1"/>
+          </p:cNvSpPr>
           <p:nvPr>
-            <p:ph idx="1" type="body"/>
+            <p:ph type="body" idx="1"/>
           </p:nvPr>
         </p:nvSpPr>
         <p:spPr>
@@ -775,12 +798,12 @@
           </a:prstGeom>
         </p:spPr>
         <p:txBody>
-          <a:bodyPr anchorCtr="0" anchor="t" bIns="91425" lIns="91425" spcFirstLastPara="1" rIns="91425" wrap="square" tIns="91425">
+          <a:bodyPr spcFirstLastPara="1" wrap="square" lIns="91425" tIns="91425" rIns="91425" bIns="91425" anchor="t" anchorCtr="0">
             <a:noAutofit/>
           </a:bodyPr>
           <a:lstStyle/>
           <a:p>
-            <a:pPr indent="0" lvl="0" marL="0" rtl="0" algn="l">
+            <a:pPr marL="0" lvl="0" indent="0" algn="l" rtl="0">
               <a:spcBef>
                 <a:spcPts val="0"/>
               </a:spcBef>
@@ -789,9 +812,6 @@
               </a:spcAft>
               <a:buNone/>
             </a:pPr>
-            <a:r>
-              <a:t/>
-            </a:r>
             <a:endParaRPr/>
           </a:p>
         </p:txBody>
@@ -805,11 +825,11 @@
 </file>
 
 <file path=ppt/notesSlides/notesSlide2.xml><?xml version="1.0" encoding="utf-8"?>
-<p:notes xmlns:a="http://schemas.openxmlformats.org/drawingml/2006/main" xmlns:r="http://schemas.openxmlformats.org/officeDocument/2006/relationships" xmlns:mc="http://schemas.openxmlformats.org/markup-compatibility/2006" xmlns:mv="urn:schemas-microsoft-com:mac:vml" xmlns:p="http://schemas.openxmlformats.org/presentationml/2006/main" xmlns:c="http://schemas.openxmlformats.org/drawingml/2006/chart" xmlns:dgm="http://schemas.openxmlformats.org/drawingml/2006/diagram" xmlns:o="urn:schemas-microsoft-com:office:office" xmlns:v="urn:schemas-microsoft-com:vml" xmlns:pvml="urn:schemas-microsoft-com:office:powerpoint" xmlns:com="http://schemas.openxmlformats.org/drawingml/2006/compatibility" xmlns:p14="http://schemas.microsoft.com/office/powerpoint/2010/main" xmlns:p15="http://schemas.microsoft.com/office/powerpoint/2012/main" xmlns:ahyp="http://schemas.microsoft.com/office/drawing/2018/hyperlinkcolor" showMasterPhAnim="0" showMasterSp="0">
+<p:notes xmlns:a="http://schemas.openxmlformats.org/drawingml/2006/main" xmlns:r="http://schemas.openxmlformats.org/officeDocument/2006/relationships" xmlns:p="http://schemas.openxmlformats.org/presentationml/2006/main" showMasterSp="0" showMasterPhAnim="0">
   <p:cSld>
     <p:spTree>
       <p:nvGrpSpPr>
-        <p:cNvPr id="143" name="Shape 143"/>
+        <p:cNvPr id="1" name="Shape 143"/>
         <p:cNvGrpSpPr/>
         <p:nvPr/>
       </p:nvGrpSpPr>
@@ -824,9 +844,11 @@
       <p:sp>
         <p:nvSpPr>
           <p:cNvPr id="144" name="Google Shape;144;g31cd7e1a959_2_22:notes"/>
-          <p:cNvSpPr/>
+          <p:cNvSpPr>
+            <a:spLocks noGrp="1" noRot="1" noChangeAspect="1"/>
+          </p:cNvSpPr>
           <p:nvPr>
-            <p:ph idx="2" type="sldImg"/>
+            <p:ph type="sldImg" idx="2"/>
           </p:nvPr>
         </p:nvSpPr>
         <p:spPr>
@@ -835,9 +857,13 @@
             <a:ext cx="6096000" cy="3429000"/>
           </a:xfrm>
           <a:custGeom>
-            <a:rect b="b" l="l" r="r" t="t"/>
+            <a:avLst/>
+            <a:gdLst/>
+            <a:ahLst/>
+            <a:cxnLst/>
+            <a:rect l="l" t="t" r="r" b="b"/>
             <a:pathLst>
-              <a:path extrusionOk="0" h="120000" w="120000">
+              <a:path w="120000" h="120000" extrusionOk="0">
                 <a:moveTo>
                   <a:pt x="0" y="0"/>
                 </a:moveTo>
@@ -859,9 +885,11 @@
       <p:sp>
         <p:nvSpPr>
           <p:cNvPr id="145" name="Google Shape;145;g31cd7e1a959_2_22:notes"/>
-          <p:cNvSpPr txBox="1"/>
+          <p:cNvSpPr txBox="1">
+            <a:spLocks noGrp="1"/>
+          </p:cNvSpPr>
           <p:nvPr>
-            <p:ph idx="1" type="body"/>
+            <p:ph type="body" idx="1"/>
           </p:nvPr>
         </p:nvSpPr>
         <p:spPr>
@@ -874,12 +902,12 @@
           </a:prstGeom>
         </p:spPr>
         <p:txBody>
-          <a:bodyPr anchorCtr="0" anchor="t" bIns="91425" lIns="91425" spcFirstLastPara="1" rIns="91425" wrap="square" tIns="91425">
+          <a:bodyPr spcFirstLastPara="1" wrap="square" lIns="91425" tIns="91425" rIns="91425" bIns="91425" anchor="t" anchorCtr="0">
             <a:noAutofit/>
           </a:bodyPr>
           <a:lstStyle/>
           <a:p>
-            <a:pPr indent="0" lvl="0" marL="0" rtl="0" algn="l">
+            <a:pPr marL="0" lvl="0" indent="0" algn="l" rtl="0">
               <a:spcBef>
                 <a:spcPts val="0"/>
               </a:spcBef>
@@ -888,9 +916,6 @@
               </a:spcAft>
               <a:buNone/>
             </a:pPr>
-            <a:r>
-              <a:t/>
-            </a:r>
             <a:endParaRPr/>
           </a:p>
         </p:txBody>
@@ -904,11 +929,11 @@
 </file>
 
 <file path=ppt/notesSlides/notesSlide3.xml><?xml version="1.0" encoding="utf-8"?>
-<p:notes xmlns:a="http://schemas.openxmlformats.org/drawingml/2006/main" xmlns:r="http://schemas.openxmlformats.org/officeDocument/2006/relationships" xmlns:mc="http://schemas.openxmlformats.org/markup-compatibility/2006" xmlns:mv="urn:schemas-microsoft-com:mac:vml" xmlns:p="http://schemas.openxmlformats.org/presentationml/2006/main" xmlns:c="http://schemas.openxmlformats.org/drawingml/2006/chart" xmlns:dgm="http://schemas.openxmlformats.org/drawingml/2006/diagram" xmlns:o="urn:schemas-microsoft-com:office:office" xmlns:v="urn:schemas-microsoft-com:vml" xmlns:pvml="urn:schemas-microsoft-com:office:powerpoint" xmlns:com="http://schemas.openxmlformats.org/drawingml/2006/compatibility" xmlns:p14="http://schemas.microsoft.com/office/powerpoint/2010/main" xmlns:p15="http://schemas.microsoft.com/office/powerpoint/2012/main" xmlns:ahyp="http://schemas.microsoft.com/office/drawing/2018/hyperlinkcolor" showMasterPhAnim="0" showMasterSp="0">
+<p:notes xmlns:a="http://schemas.openxmlformats.org/drawingml/2006/main" xmlns:r="http://schemas.openxmlformats.org/officeDocument/2006/relationships" xmlns:p="http://schemas.openxmlformats.org/presentationml/2006/main" showMasterSp="0" showMasterPhAnim="0">
   <p:cSld>
     <p:spTree>
       <p:nvGrpSpPr>
-        <p:cNvPr id="158" name="Shape 158"/>
+        <p:cNvPr id="1" name="Shape 158"/>
         <p:cNvGrpSpPr/>
         <p:nvPr/>
       </p:nvGrpSpPr>
@@ -923,20 +948,26 @@
       <p:sp>
         <p:nvSpPr>
           <p:cNvPr id="159" name="Google Shape;159;g31cd7e1a959_1_546:notes"/>
-          <p:cNvSpPr/>
+          <p:cNvSpPr>
+            <a:spLocks noGrp="1" noRot="1" noChangeAspect="1"/>
+          </p:cNvSpPr>
           <p:nvPr>
-            <p:ph idx="2" type="sldImg"/>
+            <p:ph type="sldImg" idx="2"/>
           </p:nvPr>
         </p:nvSpPr>
         <p:spPr>
           <a:xfrm>
-            <a:off x="381300" y="685800"/>
+            <a:off x="381000" y="685800"/>
             <a:ext cx="6096000" cy="3429000"/>
           </a:xfrm>
           <a:custGeom>
-            <a:rect b="b" l="l" r="r" t="t"/>
+            <a:avLst/>
+            <a:gdLst/>
+            <a:ahLst/>
+            <a:cxnLst/>
+            <a:rect l="l" t="t" r="r" b="b"/>
             <a:pathLst>
-              <a:path extrusionOk="0" h="120000" w="120000">
+              <a:path w="120000" h="120000" extrusionOk="0">
                 <a:moveTo>
                   <a:pt x="0" y="0"/>
                 </a:moveTo>
@@ -958,9 +989,11 @@
       <p:sp>
         <p:nvSpPr>
           <p:cNvPr id="160" name="Google Shape;160;g31cd7e1a959_1_546:notes"/>
-          <p:cNvSpPr txBox="1"/>
+          <p:cNvSpPr txBox="1">
+            <a:spLocks noGrp="1"/>
+          </p:cNvSpPr>
           <p:nvPr>
-            <p:ph idx="1" type="body"/>
+            <p:ph type="body" idx="1"/>
           </p:nvPr>
         </p:nvSpPr>
         <p:spPr>
@@ -973,12 +1006,12 @@
           </a:prstGeom>
         </p:spPr>
         <p:txBody>
-          <a:bodyPr anchorCtr="0" anchor="t" bIns="91425" lIns="91425" spcFirstLastPara="1" rIns="91425" wrap="square" tIns="91425">
+          <a:bodyPr spcFirstLastPara="1" wrap="square" lIns="91425" tIns="91425" rIns="91425" bIns="91425" anchor="t" anchorCtr="0">
             <a:noAutofit/>
           </a:bodyPr>
           <a:lstStyle/>
           <a:p>
-            <a:pPr indent="0" lvl="0" marL="0" rtl="0" algn="l">
+            <a:pPr marL="0" lvl="0" indent="0" algn="l" rtl="0">
               <a:spcBef>
                 <a:spcPts val="0"/>
               </a:spcBef>
@@ -987,9 +1020,6 @@
               </a:spcAft>
               <a:buNone/>
             </a:pPr>
-            <a:r>
-              <a:t/>
-            </a:r>
             <a:endParaRPr/>
           </a:p>
         </p:txBody>
@@ -1003,11 +1033,11 @@
 </file>
 
 <file path=ppt/notesSlides/notesSlide4.xml><?xml version="1.0" encoding="utf-8"?>
-<p:notes xmlns:a="http://schemas.openxmlformats.org/drawingml/2006/main" xmlns:r="http://schemas.openxmlformats.org/officeDocument/2006/relationships" xmlns:mc="http://schemas.openxmlformats.org/markup-compatibility/2006" xmlns:mv="urn:schemas-microsoft-com:mac:vml" xmlns:p="http://schemas.openxmlformats.org/presentationml/2006/main" xmlns:c="http://schemas.openxmlformats.org/drawingml/2006/chart" xmlns:dgm="http://schemas.openxmlformats.org/drawingml/2006/diagram" xmlns:o="urn:schemas-microsoft-com:office:office" xmlns:v="urn:schemas-microsoft-com:vml" xmlns:pvml="urn:schemas-microsoft-com:office:powerpoint" xmlns:com="http://schemas.openxmlformats.org/drawingml/2006/compatibility" xmlns:p14="http://schemas.microsoft.com/office/powerpoint/2010/main" xmlns:p15="http://schemas.microsoft.com/office/powerpoint/2012/main" xmlns:ahyp="http://schemas.microsoft.com/office/drawing/2018/hyperlinkcolor" showMasterPhAnim="0" showMasterSp="0">
+<p:notes xmlns:a="http://schemas.openxmlformats.org/drawingml/2006/main" xmlns:r="http://schemas.openxmlformats.org/officeDocument/2006/relationships" xmlns:p="http://schemas.openxmlformats.org/presentationml/2006/main" showMasterSp="0" showMasterPhAnim="0">
   <p:cSld>
     <p:spTree>
       <p:nvGrpSpPr>
-        <p:cNvPr id="183" name="Shape 183"/>
+        <p:cNvPr id="1" name="Shape 183"/>
         <p:cNvGrpSpPr/>
         <p:nvPr/>
       </p:nvGrpSpPr>
@@ -1022,20 +1052,26 @@
       <p:sp>
         <p:nvSpPr>
           <p:cNvPr id="184" name="Google Shape;184;g31df84b6d06_0_13:notes"/>
-          <p:cNvSpPr/>
+          <p:cNvSpPr>
+            <a:spLocks noGrp="1" noRot="1" noChangeAspect="1"/>
+          </p:cNvSpPr>
           <p:nvPr>
-            <p:ph idx="2" type="sldImg"/>
+            <p:ph type="sldImg" idx="2"/>
           </p:nvPr>
         </p:nvSpPr>
         <p:spPr>
           <a:xfrm>
-            <a:off x="381300" y="685800"/>
+            <a:off x="381000" y="685800"/>
             <a:ext cx="6096000" cy="3429000"/>
           </a:xfrm>
           <a:custGeom>
-            <a:rect b="b" l="l" r="r" t="t"/>
+            <a:avLst/>
+            <a:gdLst/>
+            <a:ahLst/>
+            <a:cxnLst/>
+            <a:rect l="l" t="t" r="r" b="b"/>
             <a:pathLst>
-              <a:path extrusionOk="0" h="120000" w="120000">
+              <a:path w="120000" h="120000" extrusionOk="0">
                 <a:moveTo>
                   <a:pt x="0" y="0"/>
                 </a:moveTo>
@@ -1057,9 +1093,11 @@
       <p:sp>
         <p:nvSpPr>
           <p:cNvPr id="185" name="Google Shape;185;g31df84b6d06_0_13:notes"/>
-          <p:cNvSpPr txBox="1"/>
+          <p:cNvSpPr txBox="1">
+            <a:spLocks noGrp="1"/>
+          </p:cNvSpPr>
           <p:nvPr>
-            <p:ph idx="1" type="body"/>
+            <p:ph type="body" idx="1"/>
           </p:nvPr>
         </p:nvSpPr>
         <p:spPr>
@@ -1072,12 +1110,12 @@
           </a:prstGeom>
         </p:spPr>
         <p:txBody>
-          <a:bodyPr anchorCtr="0" anchor="t" bIns="91425" lIns="91425" spcFirstLastPara="1" rIns="91425" wrap="square" tIns="91425">
+          <a:bodyPr spcFirstLastPara="1" wrap="square" lIns="91425" tIns="91425" rIns="91425" bIns="91425" anchor="t" anchorCtr="0">
             <a:noAutofit/>
           </a:bodyPr>
           <a:lstStyle/>
           <a:p>
-            <a:pPr indent="0" lvl="0" marL="0" rtl="0" algn="l">
+            <a:pPr marL="0" lvl="0" indent="0" algn="l" rtl="0">
               <a:spcBef>
                 <a:spcPts val="0"/>
               </a:spcBef>
@@ -1086,9 +1124,6 @@
               </a:spcAft>
               <a:buNone/>
             </a:pPr>
-            <a:r>
-              <a:t/>
-            </a:r>
             <a:endParaRPr/>
           </a:p>
         </p:txBody>
@@ -1102,11 +1137,11 @@
 </file>
 
 <file path=ppt/slideLayouts/slideLayout1.xml><?xml version="1.0" encoding="utf-8"?>
-<p:sldLayout xmlns:a="http://schemas.openxmlformats.org/drawingml/2006/main" xmlns:r="http://schemas.openxmlformats.org/officeDocument/2006/relationships" xmlns:mc="http://schemas.openxmlformats.org/markup-compatibility/2006" xmlns:mv="urn:schemas-microsoft-com:mac:vml" xmlns:p="http://schemas.openxmlformats.org/presentationml/2006/main" xmlns:c="http://schemas.openxmlformats.org/drawingml/2006/chart" xmlns:dgm="http://schemas.openxmlformats.org/drawingml/2006/diagram" xmlns:o="urn:schemas-microsoft-com:office:office" xmlns:v="urn:schemas-microsoft-com:vml" xmlns:pvml="urn:schemas-microsoft-com:office:powerpoint" xmlns:com="http://schemas.openxmlformats.org/drawingml/2006/compatibility" xmlns:p14="http://schemas.microsoft.com/office/powerpoint/2010/main" xmlns:p15="http://schemas.microsoft.com/office/powerpoint/2012/main" xmlns:ahyp="http://schemas.microsoft.com/office/drawing/2018/hyperlinkcolor" matchingName="Title slide" type="title">
+<p:sldLayout xmlns:a="http://schemas.openxmlformats.org/drawingml/2006/main" xmlns:r="http://schemas.openxmlformats.org/officeDocument/2006/relationships" xmlns:p="http://schemas.openxmlformats.org/presentationml/2006/main" matchingName="Title slide" type="title">
   <p:cSld name="TITLE">
     <p:spTree>
       <p:nvGrpSpPr>
-        <p:cNvPr id="9" name="Shape 9"/>
+        <p:cNvPr id="1" name="Shape 9"/>
         <p:cNvGrpSpPr/>
         <p:nvPr/>
       </p:nvGrpSpPr>
@@ -1131,7 +1166,7 @@
           </a:xfrm>
           <a:prstGeom prst="diagStripe">
             <a:avLst>
-              <a:gd fmla="val 0" name="adj"/>
+              <a:gd name="adj" fmla="val 0"/>
             </a:avLst>
           </a:prstGeom>
           <a:solidFill>
@@ -1144,12 +1179,12 @@
           </a:ln>
         </p:spPr>
         <p:txBody>
-          <a:bodyPr anchorCtr="0" anchor="ctr" bIns="91425" lIns="91425" spcFirstLastPara="1" rIns="91425" wrap="square" tIns="91425">
+          <a:bodyPr spcFirstLastPara="1" wrap="square" lIns="91425" tIns="91425" rIns="91425" bIns="91425" anchor="ctr" anchorCtr="0">
             <a:noAutofit/>
           </a:bodyPr>
           <a:lstStyle/>
           <a:p>
-            <a:pPr indent="0" lvl="0" marL="0" rtl="0" algn="l">
+            <a:pPr marL="0" lvl="0" indent="0" algn="l" rtl="0">
               <a:spcBef>
                 <a:spcPts val="0"/>
               </a:spcBef>
@@ -1158,9 +1193,6 @@
               </a:spcAft>
               <a:buNone/>
             </a:pPr>
-            <a:r>
-              <a:t/>
-            </a:r>
             <a:endParaRPr/>
           </a:p>
         </p:txBody>
@@ -1192,7 +1224,7 @@
             </a:xfrm>
             <a:prstGeom prst="diagStripe">
               <a:avLst>
-                <a:gd fmla="val 50000" name="adj"/>
+                <a:gd name="adj" fmla="val 50000"/>
               </a:avLst>
             </a:prstGeom>
             <a:solidFill>
@@ -1205,12 +1237,12 @@
             </a:ln>
           </p:spPr>
           <p:txBody>
-            <a:bodyPr anchorCtr="0" anchor="ctr" bIns="91425" lIns="91425" spcFirstLastPara="1" rIns="91425" wrap="square" tIns="91425">
+            <a:bodyPr spcFirstLastPara="1" wrap="square" lIns="91425" tIns="91425" rIns="91425" bIns="91425" anchor="ctr" anchorCtr="0">
               <a:noAutofit/>
             </a:bodyPr>
             <a:lstStyle/>
             <a:p>
-              <a:pPr indent="0" lvl="0" marL="0" rtl="0" algn="l">
+              <a:pPr marL="0" lvl="0" indent="0" algn="l" rtl="0">
                 <a:spcBef>
                   <a:spcPts val="0"/>
                 </a:spcBef>
@@ -1219,9 +1251,6 @@
                 </a:spcAft>
                 <a:buNone/>
               </a:pPr>
-              <a:r>
-                <a:t/>
-              </a:r>
               <a:endParaRPr/>
             </a:p>
           </p:txBody>
@@ -1239,7 +1268,7 @@
             </a:xfrm>
             <a:prstGeom prst="diagStripe">
               <a:avLst>
-                <a:gd fmla="val 58774" name="adj"/>
+                <a:gd name="adj" fmla="val 58774"/>
               </a:avLst>
             </a:prstGeom>
             <a:solidFill>
@@ -1252,12 +1281,12 @@
             </a:ln>
           </p:spPr>
           <p:txBody>
-            <a:bodyPr anchorCtr="0" anchor="ctr" bIns="91425" lIns="91425" spcFirstLastPara="1" rIns="91425" wrap="square" tIns="91425">
+            <a:bodyPr spcFirstLastPara="1" wrap="square" lIns="91425" tIns="91425" rIns="91425" bIns="91425" anchor="ctr" anchorCtr="0">
               <a:noAutofit/>
             </a:bodyPr>
             <a:lstStyle/>
             <a:p>
-              <a:pPr indent="0" lvl="0" marL="0" rtl="0" algn="l">
+              <a:pPr marL="0" lvl="0" indent="0" algn="l" rtl="0">
                 <a:spcBef>
                   <a:spcPts val="0"/>
                 </a:spcBef>
@@ -1266,9 +1295,6 @@
                 </a:spcAft>
                 <a:buNone/>
               </a:pPr>
-              <a:r>
-                <a:t/>
-              </a:r>
               <a:endParaRPr/>
             </a:p>
           </p:txBody>
@@ -1286,7 +1312,7 @@
             </a:xfrm>
             <a:prstGeom prst="diagStripe">
               <a:avLst>
-                <a:gd fmla="val 50000" name="adj"/>
+                <a:gd name="adj" fmla="val 50000"/>
               </a:avLst>
             </a:prstGeom>
             <a:solidFill>
@@ -1297,12 +1323,12 @@
             </a:ln>
           </p:spPr>
           <p:txBody>
-            <a:bodyPr anchorCtr="0" anchor="ctr" bIns="91425" lIns="91425" spcFirstLastPara="1" rIns="91425" wrap="square" tIns="91425">
+            <a:bodyPr spcFirstLastPara="1" wrap="square" lIns="91425" tIns="91425" rIns="91425" bIns="91425" anchor="ctr" anchorCtr="0">
               <a:noAutofit/>
             </a:bodyPr>
             <a:lstStyle/>
             <a:p>
-              <a:pPr indent="0" lvl="0" marL="0" rtl="0" algn="l">
+              <a:pPr marL="0" lvl="0" indent="0" algn="l" rtl="0">
                 <a:spcBef>
                   <a:spcPts val="0"/>
                 </a:spcBef>
@@ -1311,9 +1337,6 @@
                 </a:spcAft>
                 <a:buNone/>
               </a:pPr>
-              <a:r>
-                <a:t/>
-              </a:r>
               <a:endParaRPr/>
             </a:p>
           </p:txBody>
@@ -1331,7 +1354,7 @@
             </a:xfrm>
             <a:prstGeom prst="diagStripe">
               <a:avLst>
-                <a:gd fmla="val 50000" name="adj"/>
+                <a:gd name="adj" fmla="val 50000"/>
               </a:avLst>
             </a:prstGeom>
             <a:solidFill>
@@ -1342,12 +1365,12 @@
             </a:ln>
           </p:spPr>
           <p:txBody>
-            <a:bodyPr anchorCtr="0" anchor="ctr" bIns="91425" lIns="91425" spcFirstLastPara="1" rIns="91425" wrap="square" tIns="91425">
+            <a:bodyPr spcFirstLastPara="1" wrap="square" lIns="91425" tIns="91425" rIns="91425" bIns="91425" anchor="ctr" anchorCtr="0">
               <a:noAutofit/>
             </a:bodyPr>
             <a:lstStyle/>
             <a:p>
-              <a:pPr indent="0" lvl="0" marL="0" rtl="0" algn="l">
+              <a:pPr marL="0" lvl="0" indent="0" algn="l" rtl="0">
                 <a:spcBef>
                   <a:spcPts val="0"/>
                 </a:spcBef>
@@ -1356,9 +1379,6 @@
                 </a:spcAft>
                 <a:buNone/>
               </a:pPr>
-              <a:r>
-                <a:t/>
-              </a:r>
               <a:endParaRPr/>
             </a:p>
           </p:txBody>
@@ -1367,7 +1387,9 @@
       <p:sp>
         <p:nvSpPr>
           <p:cNvPr id="16" name="Google Shape;16;p2"/>
-          <p:cNvSpPr txBox="1"/>
+          <p:cNvSpPr txBox="1">
+            <a:spLocks noGrp="1"/>
+          </p:cNvSpPr>
           <p:nvPr>
             <p:ph type="ctrTitle"/>
           </p:nvPr>
@@ -1382,7 +1404,7 @@
           </a:prstGeom>
         </p:spPr>
         <p:txBody>
-          <a:bodyPr anchorCtr="0" anchor="t" bIns="91425" lIns="91425" spcFirstLastPara="1" rIns="91425" wrap="square" tIns="91425">
+          <a:bodyPr spcFirstLastPara="1" wrap="square" lIns="91425" tIns="91425" rIns="91425" bIns="91425" anchor="t" anchorCtr="0">
             <a:normAutofit/>
           </a:bodyPr>
           <a:lstStyle>
@@ -1486,15 +1508,19 @@
               <a:defRPr sz="4000"/>
             </a:lvl9pPr>
           </a:lstStyle>
-          <a:p/>
+          <a:p>
+            <a:endParaRPr/>
+          </a:p>
         </p:txBody>
       </p:sp>
       <p:sp>
         <p:nvSpPr>
           <p:cNvPr id="17" name="Google Shape;17;p2"/>
-          <p:cNvSpPr txBox="1"/>
+          <p:cNvSpPr txBox="1">
+            <a:spLocks noGrp="1"/>
+          </p:cNvSpPr>
           <p:nvPr>
-            <p:ph idx="1" type="subTitle"/>
+            <p:ph type="subTitle" idx="1"/>
           </p:nvPr>
         </p:nvSpPr>
         <p:spPr>
@@ -1507,7 +1533,7 @@
           </a:prstGeom>
         </p:spPr>
         <p:txBody>
-          <a:bodyPr anchorCtr="0" anchor="t" bIns="91425" lIns="91425" spcFirstLastPara="1" rIns="91425" wrap="square" tIns="91425">
+          <a:bodyPr spcFirstLastPara="1" wrap="square" lIns="91425" tIns="91425" rIns="91425" bIns="91425" anchor="t" anchorCtr="0">
             <a:normAutofit/>
           </a:bodyPr>
           <a:lstStyle>
@@ -1638,15 +1664,19 @@
               <a:defRPr sz="1300"/>
             </a:lvl9pPr>
           </a:lstStyle>
-          <a:p/>
+          <a:p>
+            <a:endParaRPr/>
+          </a:p>
         </p:txBody>
       </p:sp>
       <p:sp>
         <p:nvSpPr>
           <p:cNvPr id="18" name="Google Shape;18;p2"/>
-          <p:cNvSpPr txBox="1"/>
+          <p:cNvSpPr txBox="1">
+            <a:spLocks noGrp="1"/>
+          </p:cNvSpPr>
           <p:nvPr>
-            <p:ph idx="12" type="sldNum"/>
+            <p:ph type="sldNum" idx="12"/>
           </p:nvPr>
         </p:nvSpPr>
         <p:spPr>
@@ -1659,7 +1689,7 @@
           </a:prstGeom>
         </p:spPr>
         <p:txBody>
-          <a:bodyPr anchorCtr="0" anchor="ctr" bIns="91425" lIns="91425" spcFirstLastPara="1" rIns="91425" wrap="square" tIns="91425">
+          <a:bodyPr spcFirstLastPara="1" wrap="square" lIns="91425" tIns="91425" rIns="91425" bIns="91425" anchor="ctr" anchorCtr="0">
             <a:normAutofit/>
           </a:bodyPr>
           <a:lstStyle>
@@ -1701,7 +1731,7 @@
             </a:lvl9pPr>
           </a:lstStyle>
           <a:p>
-            <a:pPr indent="0" lvl="0" marL="0" rtl="0" algn="r">
+            <a:pPr marL="0" lvl="0" indent="0" algn="r" rtl="0">
               <a:spcBef>
                 <a:spcPts val="0"/>
               </a:spcBef>
@@ -1727,11 +1757,11 @@
 </file>
 
 <file path=ppt/slideLayouts/slideLayout10.xml><?xml version="1.0" encoding="utf-8"?>
-<p:sldLayout xmlns:a="http://schemas.openxmlformats.org/drawingml/2006/main" xmlns:r="http://schemas.openxmlformats.org/officeDocument/2006/relationships" xmlns:mc="http://schemas.openxmlformats.org/markup-compatibility/2006" xmlns:mv="urn:schemas-microsoft-com:mac:vml" xmlns:p="http://schemas.openxmlformats.org/presentationml/2006/main" xmlns:c="http://schemas.openxmlformats.org/drawingml/2006/chart" xmlns:dgm="http://schemas.openxmlformats.org/drawingml/2006/diagram" xmlns:o="urn:schemas-microsoft-com:office:office" xmlns:v="urn:schemas-microsoft-com:vml" xmlns:pvml="urn:schemas-microsoft-com:office:powerpoint" xmlns:com="http://schemas.openxmlformats.org/drawingml/2006/compatibility" xmlns:p14="http://schemas.microsoft.com/office/powerpoint/2010/main" xmlns:p15="http://schemas.microsoft.com/office/powerpoint/2012/main" xmlns:ahyp="http://schemas.microsoft.com/office/drawing/2018/hyperlinkcolor" matchingName="Big number">
+<p:sldLayout xmlns:a="http://schemas.openxmlformats.org/drawingml/2006/main" xmlns:r="http://schemas.openxmlformats.org/officeDocument/2006/relationships" xmlns:p="http://schemas.openxmlformats.org/presentationml/2006/main" matchingName="Big number">
   <p:cSld name="BIG_NUMBER">
     <p:spTree>
       <p:nvGrpSpPr>
-        <p:cNvPr id="105" name="Shape 105"/>
+        <p:cNvPr id="1" name="Shape 105"/>
         <p:cNvGrpSpPr/>
         <p:nvPr/>
       </p:nvGrpSpPr>
@@ -1770,7 +1800,7 @@
             </a:xfrm>
             <a:prstGeom prst="diagStripe">
               <a:avLst>
-                <a:gd fmla="val 49469" name="adj"/>
+                <a:gd name="adj" fmla="val 49469"/>
               </a:avLst>
             </a:prstGeom>
             <a:solidFill>
@@ -1783,12 +1813,12 @@
             </a:ln>
           </p:spPr>
           <p:txBody>
-            <a:bodyPr anchorCtr="0" anchor="ctr" bIns="91425" lIns="91425" spcFirstLastPara="1" rIns="91425" wrap="square" tIns="91425">
+            <a:bodyPr spcFirstLastPara="1" wrap="square" lIns="91425" tIns="91425" rIns="91425" bIns="91425" anchor="ctr" anchorCtr="0">
               <a:noAutofit/>
             </a:bodyPr>
             <a:lstStyle/>
             <a:p>
-              <a:pPr indent="0" lvl="0" marL="0" rtl="0" algn="l">
+              <a:pPr marL="0" lvl="0" indent="0" algn="l" rtl="0">
                 <a:spcBef>
                   <a:spcPts val="0"/>
                 </a:spcBef>
@@ -1797,9 +1827,6 @@
                 </a:spcAft>
                 <a:buNone/>
               </a:pPr>
-              <a:r>
-                <a:t/>
-              </a:r>
               <a:endParaRPr/>
             </a:p>
           </p:txBody>
@@ -1817,7 +1844,7 @@
             </a:xfrm>
             <a:prstGeom prst="diagStripe">
               <a:avLst>
-                <a:gd fmla="val 0" name="adj"/>
+                <a:gd name="adj" fmla="val 0"/>
               </a:avLst>
             </a:prstGeom>
             <a:solidFill>
@@ -1830,12 +1857,12 @@
             </a:ln>
           </p:spPr>
           <p:txBody>
-            <a:bodyPr anchorCtr="0" anchor="ctr" bIns="91425" lIns="91425" spcFirstLastPara="1" rIns="91425" wrap="square" tIns="91425">
+            <a:bodyPr spcFirstLastPara="1" wrap="square" lIns="91425" tIns="91425" rIns="91425" bIns="91425" anchor="ctr" anchorCtr="0">
               <a:noAutofit/>
             </a:bodyPr>
             <a:lstStyle/>
             <a:p>
-              <a:pPr indent="0" lvl="0" marL="0" rtl="0" algn="l">
+              <a:pPr marL="0" lvl="0" indent="0" algn="l" rtl="0">
                 <a:spcBef>
                   <a:spcPts val="0"/>
                 </a:spcBef>
@@ -1844,9 +1871,6 @@
                 </a:spcAft>
                 <a:buNone/>
               </a:pPr>
-              <a:r>
-                <a:t/>
-              </a:r>
               <a:endParaRPr/>
             </a:p>
           </p:txBody>
@@ -1864,7 +1888,7 @@
             </a:xfrm>
             <a:prstGeom prst="diagStripe">
               <a:avLst>
-                <a:gd fmla="val 50000" name="adj"/>
+                <a:gd name="adj" fmla="val 50000"/>
               </a:avLst>
             </a:prstGeom>
             <a:solidFill>
@@ -1877,12 +1901,12 @@
             </a:ln>
           </p:spPr>
           <p:txBody>
-            <a:bodyPr anchorCtr="0" anchor="ctr" bIns="91425" lIns="91425" spcFirstLastPara="1" rIns="91425" wrap="square" tIns="91425">
+            <a:bodyPr spcFirstLastPara="1" wrap="square" lIns="91425" tIns="91425" rIns="91425" bIns="91425" anchor="ctr" anchorCtr="0">
               <a:noAutofit/>
             </a:bodyPr>
             <a:lstStyle/>
             <a:p>
-              <a:pPr indent="0" lvl="0" marL="0" rtl="0" algn="l">
+              <a:pPr marL="0" lvl="0" indent="0" algn="l" rtl="0">
                 <a:spcBef>
                   <a:spcPts val="0"/>
                 </a:spcBef>
@@ -1891,9 +1915,6 @@
                 </a:spcAft>
                 <a:buNone/>
               </a:pPr>
-              <a:r>
-                <a:t/>
-              </a:r>
               <a:endParaRPr/>
             </a:p>
           </p:txBody>
@@ -1911,7 +1932,7 @@
             </a:xfrm>
             <a:prstGeom prst="diagStripe">
               <a:avLst>
-                <a:gd fmla="val 50000" name="adj"/>
+                <a:gd name="adj" fmla="val 50000"/>
               </a:avLst>
             </a:prstGeom>
             <a:solidFill>
@@ -1924,12 +1945,12 @@
             </a:ln>
           </p:spPr>
           <p:txBody>
-            <a:bodyPr anchorCtr="0" anchor="ctr" bIns="91425" lIns="91425" spcFirstLastPara="1" rIns="91425" wrap="square" tIns="91425">
+            <a:bodyPr spcFirstLastPara="1" wrap="square" lIns="91425" tIns="91425" rIns="91425" bIns="91425" anchor="ctr" anchorCtr="0">
               <a:noAutofit/>
             </a:bodyPr>
             <a:lstStyle/>
             <a:p>
-              <a:pPr indent="0" lvl="0" marL="0" rtl="0" algn="l">
+              <a:pPr marL="0" lvl="0" indent="0" algn="l" rtl="0">
                 <a:spcBef>
                   <a:spcPts val="0"/>
                 </a:spcBef>
@@ -1938,9 +1959,6 @@
                 </a:spcAft>
                 <a:buNone/>
               </a:pPr>
-              <a:r>
-                <a:t/>
-              </a:r>
               <a:endParaRPr/>
             </a:p>
           </p:txBody>
@@ -1958,7 +1976,7 @@
             </a:xfrm>
             <a:prstGeom prst="diagStripe">
               <a:avLst>
-                <a:gd fmla="val 50000" name="adj"/>
+                <a:gd name="adj" fmla="val 50000"/>
               </a:avLst>
             </a:prstGeom>
             <a:solidFill>
@@ -1971,12 +1989,12 @@
             </a:ln>
           </p:spPr>
           <p:txBody>
-            <a:bodyPr anchorCtr="0" anchor="ctr" bIns="91425" lIns="91425" spcFirstLastPara="1" rIns="91425" wrap="square" tIns="91425">
+            <a:bodyPr spcFirstLastPara="1" wrap="square" lIns="91425" tIns="91425" rIns="91425" bIns="91425" anchor="ctr" anchorCtr="0">
               <a:noAutofit/>
             </a:bodyPr>
             <a:lstStyle/>
             <a:p>
-              <a:pPr indent="0" lvl="0" marL="0" rtl="0" algn="l">
+              <a:pPr marL="0" lvl="0" indent="0" algn="l" rtl="0">
                 <a:spcBef>
                   <a:spcPts val="0"/>
                 </a:spcBef>
@@ -1985,9 +2003,6 @@
                 </a:spcAft>
                 <a:buNone/>
               </a:pPr>
-              <a:r>
-                <a:t/>
-              </a:r>
               <a:endParaRPr/>
             </a:p>
           </p:txBody>
@@ -2005,7 +2020,7 @@
             </a:xfrm>
             <a:prstGeom prst="diagStripe">
               <a:avLst>
-                <a:gd fmla="val 50000" name="adj"/>
+                <a:gd name="adj" fmla="val 50000"/>
               </a:avLst>
             </a:prstGeom>
             <a:solidFill>
@@ -2018,12 +2033,12 @@
             </a:ln>
           </p:spPr>
           <p:txBody>
-            <a:bodyPr anchorCtr="0" anchor="ctr" bIns="91425" lIns="91425" spcFirstLastPara="1" rIns="91425" wrap="square" tIns="91425">
+            <a:bodyPr spcFirstLastPara="1" wrap="square" lIns="91425" tIns="91425" rIns="91425" bIns="91425" anchor="ctr" anchorCtr="0">
               <a:noAutofit/>
             </a:bodyPr>
             <a:lstStyle/>
             <a:p>
-              <a:pPr indent="0" lvl="0" marL="0" rtl="0" algn="l">
+              <a:pPr marL="0" lvl="0" indent="0" algn="l" rtl="0">
                 <a:spcBef>
                   <a:spcPts val="0"/>
                 </a:spcBef>
@@ -2032,9 +2047,6 @@
                 </a:spcAft>
                 <a:buNone/>
               </a:pPr>
-              <a:r>
-                <a:t/>
-              </a:r>
               <a:endParaRPr/>
             </a:p>
           </p:txBody>
@@ -2052,7 +2064,7 @@
             </a:xfrm>
             <a:prstGeom prst="diagStripe">
               <a:avLst>
-                <a:gd fmla="val 50000" name="adj"/>
+                <a:gd name="adj" fmla="val 50000"/>
               </a:avLst>
             </a:prstGeom>
             <a:solidFill>
@@ -2065,12 +2077,12 @@
             </a:ln>
           </p:spPr>
           <p:txBody>
-            <a:bodyPr anchorCtr="0" anchor="ctr" bIns="91425" lIns="91425" spcFirstLastPara="1" rIns="91425" wrap="square" tIns="91425">
+            <a:bodyPr spcFirstLastPara="1" wrap="square" lIns="91425" tIns="91425" rIns="91425" bIns="91425" anchor="ctr" anchorCtr="0">
               <a:noAutofit/>
             </a:bodyPr>
             <a:lstStyle/>
             <a:p>
-              <a:pPr indent="0" lvl="0" marL="0" rtl="0" algn="l">
+              <a:pPr marL="0" lvl="0" indent="0" algn="l" rtl="0">
                 <a:spcBef>
                   <a:spcPts val="0"/>
                 </a:spcBef>
@@ -2079,9 +2091,6 @@
                 </a:spcAft>
                 <a:buNone/>
               </a:pPr>
-              <a:r>
-                <a:t/>
-              </a:r>
               <a:endParaRPr/>
             </a:p>
           </p:txBody>
@@ -2099,7 +2108,7 @@
             </a:xfrm>
             <a:prstGeom prst="diagStripe">
               <a:avLst>
-                <a:gd fmla="val 50000" name="adj"/>
+                <a:gd name="adj" fmla="val 50000"/>
               </a:avLst>
             </a:prstGeom>
             <a:solidFill>
@@ -2110,12 +2119,12 @@
             </a:ln>
           </p:spPr>
           <p:txBody>
-            <a:bodyPr anchorCtr="0" anchor="ctr" bIns="91425" lIns="91425" spcFirstLastPara="1" rIns="91425" wrap="square" tIns="91425">
+            <a:bodyPr spcFirstLastPara="1" wrap="square" lIns="91425" tIns="91425" rIns="91425" bIns="91425" anchor="ctr" anchorCtr="0">
               <a:noAutofit/>
             </a:bodyPr>
             <a:lstStyle/>
             <a:p>
-              <a:pPr indent="0" lvl="0" marL="0" rtl="0" algn="l">
+              <a:pPr marL="0" lvl="0" indent="0" algn="l" rtl="0">
                 <a:spcBef>
                   <a:spcPts val="0"/>
                 </a:spcBef>
@@ -2124,9 +2133,6 @@
                 </a:spcAft>
                 <a:buNone/>
               </a:pPr>
-              <a:r>
-                <a:t/>
-              </a:r>
               <a:endParaRPr/>
             </a:p>
           </p:txBody>
@@ -2144,7 +2150,7 @@
             </a:xfrm>
             <a:prstGeom prst="diagStripe">
               <a:avLst>
-                <a:gd fmla="val 50000" name="adj"/>
+                <a:gd name="adj" fmla="val 50000"/>
               </a:avLst>
             </a:prstGeom>
             <a:solidFill>
@@ -2157,12 +2163,12 @@
             </a:ln>
           </p:spPr>
           <p:txBody>
-            <a:bodyPr anchorCtr="0" anchor="ctr" bIns="91425" lIns="91425" spcFirstLastPara="1" rIns="91425" wrap="square" tIns="91425">
+            <a:bodyPr spcFirstLastPara="1" wrap="square" lIns="91425" tIns="91425" rIns="91425" bIns="91425" anchor="ctr" anchorCtr="0">
               <a:noAutofit/>
             </a:bodyPr>
             <a:lstStyle/>
             <a:p>
-              <a:pPr indent="0" lvl="0" marL="0" rtl="0" algn="l">
+              <a:pPr marL="0" lvl="0" indent="0" algn="l" rtl="0">
                 <a:spcBef>
                   <a:spcPts val="0"/>
                 </a:spcBef>
@@ -2171,9 +2177,6 @@
                 </a:spcAft>
                 <a:buNone/>
               </a:pPr>
-              <a:r>
-                <a:t/>
-              </a:r>
               <a:endParaRPr/>
             </a:p>
           </p:txBody>
@@ -2191,7 +2194,7 @@
             </a:xfrm>
             <a:prstGeom prst="diagStripe">
               <a:avLst>
-                <a:gd fmla="val 50000" name="adj"/>
+                <a:gd name="adj" fmla="val 50000"/>
               </a:avLst>
             </a:prstGeom>
             <a:solidFill>
@@ -2204,12 +2207,12 @@
             </a:ln>
           </p:spPr>
           <p:txBody>
-            <a:bodyPr anchorCtr="0" anchor="ctr" bIns="91425" lIns="91425" spcFirstLastPara="1" rIns="91425" wrap="square" tIns="91425">
+            <a:bodyPr spcFirstLastPara="1" wrap="square" lIns="91425" tIns="91425" rIns="91425" bIns="91425" anchor="ctr" anchorCtr="0">
               <a:noAutofit/>
             </a:bodyPr>
             <a:lstStyle/>
             <a:p>
-              <a:pPr indent="0" lvl="0" marL="0" rtl="0" algn="l">
+              <a:pPr marL="0" lvl="0" indent="0" algn="l" rtl="0">
                 <a:spcBef>
                   <a:spcPts val="0"/>
                 </a:spcBef>
@@ -2218,9 +2221,6 @@
                 </a:spcAft>
                 <a:buNone/>
               </a:pPr>
-              <a:r>
-                <a:t/>
-              </a:r>
               <a:endParaRPr/>
             </a:p>
           </p:txBody>
@@ -2238,7 +2238,7 @@
             </a:xfrm>
             <a:prstGeom prst="diagStripe">
               <a:avLst>
-                <a:gd fmla="val 50000" name="adj"/>
+                <a:gd name="adj" fmla="val 50000"/>
               </a:avLst>
             </a:prstGeom>
             <a:solidFill>
@@ -2251,12 +2251,12 @@
             </a:ln>
           </p:spPr>
           <p:txBody>
-            <a:bodyPr anchorCtr="0" anchor="ctr" bIns="91425" lIns="91425" spcFirstLastPara="1" rIns="91425" wrap="square" tIns="91425">
+            <a:bodyPr spcFirstLastPara="1" wrap="square" lIns="91425" tIns="91425" rIns="91425" bIns="91425" anchor="ctr" anchorCtr="0">
               <a:noAutofit/>
             </a:bodyPr>
             <a:lstStyle/>
             <a:p>
-              <a:pPr indent="0" lvl="0" marL="0" rtl="0" algn="l">
+              <a:pPr marL="0" lvl="0" indent="0" algn="l" rtl="0">
                 <a:spcBef>
                   <a:spcPts val="0"/>
                 </a:spcBef>
@@ -2265,9 +2265,6 @@
                 </a:spcAft>
                 <a:buNone/>
               </a:pPr>
-              <a:r>
-                <a:t/>
-              </a:r>
               <a:endParaRPr/>
             </a:p>
           </p:txBody>
@@ -2285,7 +2282,7 @@
             </a:xfrm>
             <a:prstGeom prst="diagStripe">
               <a:avLst>
-                <a:gd fmla="val 50000" name="adj"/>
+                <a:gd name="adj" fmla="val 50000"/>
               </a:avLst>
             </a:prstGeom>
             <a:solidFill>
@@ -2298,12 +2295,12 @@
             </a:ln>
           </p:spPr>
           <p:txBody>
-            <a:bodyPr anchorCtr="0" anchor="ctr" bIns="91425" lIns="91425" spcFirstLastPara="1" rIns="91425" wrap="square" tIns="91425">
+            <a:bodyPr spcFirstLastPara="1" wrap="square" lIns="91425" tIns="91425" rIns="91425" bIns="91425" anchor="ctr" anchorCtr="0">
               <a:noAutofit/>
             </a:bodyPr>
             <a:lstStyle/>
             <a:p>
-              <a:pPr indent="0" lvl="0" marL="0" rtl="0" algn="l">
+              <a:pPr marL="0" lvl="0" indent="0" algn="l" rtl="0">
                 <a:spcBef>
                   <a:spcPts val="0"/>
                 </a:spcBef>
@@ -2312,9 +2309,6 @@
                 </a:spcAft>
                 <a:buNone/>
               </a:pPr>
-              <a:r>
-                <a:t/>
-              </a:r>
               <a:endParaRPr/>
             </a:p>
           </p:txBody>
@@ -2332,7 +2326,7 @@
             </a:xfrm>
             <a:prstGeom prst="diagStripe">
               <a:avLst>
-                <a:gd fmla="val 50000" name="adj"/>
+                <a:gd name="adj" fmla="val 50000"/>
               </a:avLst>
             </a:prstGeom>
             <a:solidFill>
@@ -2345,12 +2339,12 @@
             </a:ln>
           </p:spPr>
           <p:txBody>
-            <a:bodyPr anchorCtr="0" anchor="ctr" bIns="91425" lIns="91425" spcFirstLastPara="1" rIns="91425" wrap="square" tIns="91425">
+            <a:bodyPr spcFirstLastPara="1" wrap="square" lIns="91425" tIns="91425" rIns="91425" bIns="91425" anchor="ctr" anchorCtr="0">
               <a:noAutofit/>
             </a:bodyPr>
             <a:lstStyle/>
             <a:p>
-              <a:pPr indent="0" lvl="0" marL="0" rtl="0" algn="l">
+              <a:pPr marL="0" lvl="0" indent="0" algn="l" rtl="0">
                 <a:spcBef>
                   <a:spcPts val="0"/>
                 </a:spcBef>
@@ -2359,9 +2353,6 @@
                 </a:spcAft>
                 <a:buNone/>
               </a:pPr>
-              <a:r>
-                <a:t/>
-              </a:r>
               <a:endParaRPr/>
             </a:p>
           </p:txBody>
@@ -2379,7 +2370,7 @@
             </a:xfrm>
             <a:prstGeom prst="diagStripe">
               <a:avLst>
-                <a:gd fmla="val 50000" name="adj"/>
+                <a:gd name="adj" fmla="val 50000"/>
               </a:avLst>
             </a:prstGeom>
             <a:solidFill>
@@ -2390,12 +2381,12 @@
             </a:ln>
           </p:spPr>
           <p:txBody>
-            <a:bodyPr anchorCtr="0" anchor="ctr" bIns="91425" lIns="91425" spcFirstLastPara="1" rIns="91425" wrap="square" tIns="91425">
+            <a:bodyPr spcFirstLastPara="1" wrap="square" lIns="91425" tIns="91425" rIns="91425" bIns="91425" anchor="ctr" anchorCtr="0">
               <a:noAutofit/>
             </a:bodyPr>
             <a:lstStyle/>
             <a:p>
-              <a:pPr indent="0" lvl="0" marL="0" rtl="0" algn="l">
+              <a:pPr marL="0" lvl="0" indent="0" algn="l" rtl="0">
                 <a:spcBef>
                   <a:spcPts val="0"/>
                 </a:spcBef>
@@ -2404,9 +2395,6 @@
                 </a:spcAft>
                 <a:buNone/>
               </a:pPr>
-              <a:r>
-                <a:t/>
-              </a:r>
               <a:endParaRPr/>
             </a:p>
           </p:txBody>
@@ -2424,7 +2412,7 @@
             </a:xfrm>
             <a:prstGeom prst="diagStripe">
               <a:avLst>
-                <a:gd fmla="val 50000" name="adj"/>
+                <a:gd name="adj" fmla="val 50000"/>
               </a:avLst>
             </a:prstGeom>
             <a:solidFill>
@@ -2437,12 +2425,12 @@
             </a:ln>
           </p:spPr>
           <p:txBody>
-            <a:bodyPr anchorCtr="0" anchor="ctr" bIns="91425" lIns="91425" spcFirstLastPara="1" rIns="91425" wrap="square" tIns="91425">
+            <a:bodyPr spcFirstLastPara="1" wrap="square" lIns="91425" tIns="91425" rIns="91425" bIns="91425" anchor="ctr" anchorCtr="0">
               <a:noAutofit/>
             </a:bodyPr>
             <a:lstStyle/>
             <a:p>
-              <a:pPr indent="0" lvl="0" marL="0" rtl="0" algn="l">
+              <a:pPr marL="0" lvl="0" indent="0" algn="l" rtl="0">
                 <a:spcBef>
                   <a:spcPts val="0"/>
                 </a:spcBef>
@@ -2451,9 +2439,6 @@
                 </a:spcAft>
                 <a:buNone/>
               </a:pPr>
-              <a:r>
-                <a:t/>
-              </a:r>
               <a:endParaRPr/>
             </a:p>
           </p:txBody>
@@ -2471,7 +2456,7 @@
             </a:xfrm>
             <a:prstGeom prst="diagStripe">
               <a:avLst>
-                <a:gd fmla="val 50000" name="adj"/>
+                <a:gd name="adj" fmla="val 50000"/>
               </a:avLst>
             </a:prstGeom>
             <a:solidFill>
@@ -2484,12 +2469,12 @@
             </a:ln>
           </p:spPr>
           <p:txBody>
-            <a:bodyPr anchorCtr="0" anchor="ctr" bIns="91425" lIns="91425" spcFirstLastPara="1" rIns="91425" wrap="square" tIns="91425">
+            <a:bodyPr spcFirstLastPara="1" wrap="square" lIns="91425" tIns="91425" rIns="91425" bIns="91425" anchor="ctr" anchorCtr="0">
               <a:noAutofit/>
             </a:bodyPr>
             <a:lstStyle/>
             <a:p>
-              <a:pPr indent="0" lvl="0" marL="0" rtl="0" algn="l">
+              <a:pPr marL="0" lvl="0" indent="0" algn="l" rtl="0">
                 <a:spcBef>
                   <a:spcPts val="0"/>
                 </a:spcBef>
@@ -2498,9 +2483,6 @@
                 </a:spcAft>
                 <a:buNone/>
               </a:pPr>
-              <a:r>
-                <a:t/>
-              </a:r>
               <a:endParaRPr/>
             </a:p>
           </p:txBody>
@@ -2518,7 +2500,7 @@
             </a:xfrm>
             <a:prstGeom prst="diagStripe">
               <a:avLst>
-                <a:gd fmla="val 50000" name="adj"/>
+                <a:gd name="adj" fmla="val 50000"/>
               </a:avLst>
             </a:prstGeom>
             <a:solidFill>
@@ -2531,12 +2513,12 @@
             </a:ln>
           </p:spPr>
           <p:txBody>
-            <a:bodyPr anchorCtr="0" anchor="ctr" bIns="91425" lIns="91425" spcFirstLastPara="1" rIns="91425" wrap="square" tIns="91425">
+            <a:bodyPr spcFirstLastPara="1" wrap="square" lIns="91425" tIns="91425" rIns="91425" bIns="91425" anchor="ctr" anchorCtr="0">
               <a:noAutofit/>
             </a:bodyPr>
             <a:lstStyle/>
             <a:p>
-              <a:pPr indent="0" lvl="0" marL="0" rtl="0" algn="l">
+              <a:pPr marL="0" lvl="0" indent="0" algn="l" rtl="0">
                 <a:spcBef>
                   <a:spcPts val="0"/>
                 </a:spcBef>
@@ -2545,9 +2527,6 @@
                 </a:spcAft>
                 <a:buNone/>
               </a:pPr>
-              <a:r>
-                <a:t/>
-              </a:r>
               <a:endParaRPr/>
             </a:p>
           </p:txBody>
@@ -2565,7 +2544,7 @@
             </a:xfrm>
             <a:prstGeom prst="diagStripe">
               <a:avLst>
-                <a:gd fmla="val 50000" name="adj"/>
+                <a:gd name="adj" fmla="val 50000"/>
               </a:avLst>
             </a:prstGeom>
             <a:solidFill>
@@ -2578,12 +2557,12 @@
             </a:ln>
           </p:spPr>
           <p:txBody>
-            <a:bodyPr anchorCtr="0" anchor="ctr" bIns="91425" lIns="91425" spcFirstLastPara="1" rIns="91425" wrap="square" tIns="91425">
+            <a:bodyPr spcFirstLastPara="1" wrap="square" lIns="91425" tIns="91425" rIns="91425" bIns="91425" anchor="ctr" anchorCtr="0">
               <a:noAutofit/>
             </a:bodyPr>
             <a:lstStyle/>
             <a:p>
-              <a:pPr indent="0" lvl="0" marL="0" rtl="0" algn="l">
+              <a:pPr marL="0" lvl="0" indent="0" algn="l" rtl="0">
                 <a:spcBef>
                   <a:spcPts val="0"/>
                 </a:spcBef>
@@ -2592,9 +2571,6 @@
                 </a:spcAft>
                 <a:buNone/>
               </a:pPr>
-              <a:r>
-                <a:t/>
-              </a:r>
               <a:endParaRPr/>
             </a:p>
           </p:txBody>
@@ -2603,9 +2579,11 @@
       <p:sp>
         <p:nvSpPr>
           <p:cNvPr id="125" name="Google Shape;125;p11"/>
-          <p:cNvSpPr txBox="1"/>
+          <p:cNvSpPr txBox="1">
+            <a:spLocks noGrp="1"/>
+          </p:cNvSpPr>
           <p:nvPr>
-            <p:ph hasCustomPrompt="1" type="title"/>
+            <p:ph type="title" hasCustomPrompt="1"/>
           </p:nvPr>
         </p:nvSpPr>
         <p:spPr>
@@ -2618,7 +2596,7 @@
           </a:prstGeom>
         </p:spPr>
         <p:txBody>
-          <a:bodyPr anchorCtr="0" anchor="t" bIns="91425" lIns="91425" spcFirstLastPara="1" rIns="91425" wrap="square" tIns="91425">
+          <a:bodyPr spcFirstLastPara="1" wrap="square" lIns="91425" tIns="91425" rIns="91425" bIns="91425" anchor="t" anchorCtr="0">
             <a:normAutofit/>
           </a:bodyPr>
           <a:lstStyle>
@@ -2732,9 +2710,11 @@
       <p:sp>
         <p:nvSpPr>
           <p:cNvPr id="126" name="Google Shape;126;p11"/>
-          <p:cNvSpPr txBox="1"/>
+          <p:cNvSpPr txBox="1">
+            <a:spLocks noGrp="1"/>
+          </p:cNvSpPr>
           <p:nvPr>
-            <p:ph idx="1" type="body"/>
+            <p:ph type="body" idx="1"/>
           </p:nvPr>
         </p:nvSpPr>
         <p:spPr>
@@ -2747,11 +2727,11 @@
           </a:prstGeom>
         </p:spPr>
         <p:txBody>
-          <a:bodyPr anchorCtr="0" anchor="t" bIns="91425" lIns="91425" spcFirstLastPara="1" rIns="91425" wrap="square" tIns="91425">
+          <a:bodyPr spcFirstLastPara="1" wrap="square" lIns="91425" tIns="91425" rIns="91425" bIns="91425" anchor="t" anchorCtr="0">
             <a:normAutofit/>
           </a:bodyPr>
           <a:lstStyle>
-            <a:lvl1pPr indent="-311150" lvl="0" marL="457200">
+            <a:lvl1pPr marL="457200" lvl="0" indent="-311150">
               <a:spcBef>
                 <a:spcPts val="0"/>
               </a:spcBef>
@@ -2762,7 +2742,7 @@
               <a:buChar char="●"/>
               <a:defRPr/>
             </a:lvl1pPr>
-            <a:lvl2pPr indent="-298450" lvl="1" marL="914400">
+            <a:lvl2pPr marL="914400" lvl="1" indent="-298450">
               <a:spcBef>
                 <a:spcPts val="0"/>
               </a:spcBef>
@@ -2773,7 +2753,7 @@
               <a:buChar char="○"/>
               <a:defRPr/>
             </a:lvl2pPr>
-            <a:lvl3pPr indent="-298450" lvl="2" marL="1371600">
+            <a:lvl3pPr marL="1371600" lvl="2" indent="-298450">
               <a:spcBef>
                 <a:spcPts val="0"/>
               </a:spcBef>
@@ -2784,7 +2764,7 @@
               <a:buChar char="■"/>
               <a:defRPr/>
             </a:lvl3pPr>
-            <a:lvl4pPr indent="-298450" lvl="3" marL="1828800">
+            <a:lvl4pPr marL="1828800" lvl="3" indent="-298450">
               <a:spcBef>
                 <a:spcPts val="0"/>
               </a:spcBef>
@@ -2795,7 +2775,7 @@
               <a:buChar char="●"/>
               <a:defRPr/>
             </a:lvl4pPr>
-            <a:lvl5pPr indent="-298450" lvl="4" marL="2286000">
+            <a:lvl5pPr marL="2286000" lvl="4" indent="-298450">
               <a:spcBef>
                 <a:spcPts val="0"/>
               </a:spcBef>
@@ -2806,7 +2786,7 @@
               <a:buChar char="○"/>
               <a:defRPr/>
             </a:lvl5pPr>
-            <a:lvl6pPr indent="-298450" lvl="5" marL="2743200">
+            <a:lvl6pPr marL="2743200" lvl="5" indent="-298450">
               <a:spcBef>
                 <a:spcPts val="0"/>
               </a:spcBef>
@@ -2817,7 +2797,7 @@
               <a:buChar char="■"/>
               <a:defRPr/>
             </a:lvl6pPr>
-            <a:lvl7pPr indent="-298450" lvl="6" marL="3200400">
+            <a:lvl7pPr marL="3200400" lvl="6" indent="-298450">
               <a:spcBef>
                 <a:spcPts val="0"/>
               </a:spcBef>
@@ -2828,7 +2808,7 @@
               <a:buChar char="●"/>
               <a:defRPr/>
             </a:lvl7pPr>
-            <a:lvl8pPr indent="-298450" lvl="7" marL="3657600">
+            <a:lvl8pPr marL="3657600" lvl="7" indent="-298450">
               <a:spcBef>
                 <a:spcPts val="0"/>
               </a:spcBef>
@@ -2839,7 +2819,7 @@
               <a:buChar char="○"/>
               <a:defRPr/>
             </a:lvl8pPr>
-            <a:lvl9pPr indent="-298450" lvl="8" marL="4114800">
+            <a:lvl9pPr marL="4114800" lvl="8" indent="-298450">
               <a:spcBef>
                 <a:spcPts val="0"/>
               </a:spcBef>
@@ -2851,15 +2831,19 @@
               <a:defRPr/>
             </a:lvl9pPr>
           </a:lstStyle>
-          <a:p/>
+          <a:p>
+            <a:endParaRPr/>
+          </a:p>
         </p:txBody>
       </p:sp>
       <p:sp>
         <p:nvSpPr>
           <p:cNvPr id="127" name="Google Shape;127;p11"/>
-          <p:cNvSpPr txBox="1"/>
+          <p:cNvSpPr txBox="1">
+            <a:spLocks noGrp="1"/>
+          </p:cNvSpPr>
           <p:nvPr>
-            <p:ph idx="12" type="sldNum"/>
+            <p:ph type="sldNum" idx="12"/>
           </p:nvPr>
         </p:nvSpPr>
         <p:spPr>
@@ -2872,7 +2856,7 @@
           </a:prstGeom>
         </p:spPr>
         <p:txBody>
-          <a:bodyPr anchorCtr="0" anchor="ctr" bIns="91425" lIns="91425" spcFirstLastPara="1" rIns="91425" wrap="square" tIns="91425">
+          <a:bodyPr spcFirstLastPara="1" wrap="square" lIns="91425" tIns="91425" rIns="91425" bIns="91425" anchor="ctr" anchorCtr="0">
             <a:normAutofit/>
           </a:bodyPr>
           <a:lstStyle>
@@ -2914,7 +2898,7 @@
             </a:lvl9pPr>
           </a:lstStyle>
           <a:p>
-            <a:pPr indent="0" lvl="0" marL="0" rtl="0" algn="r">
+            <a:pPr marL="0" lvl="0" indent="0" algn="r" rtl="0">
               <a:spcBef>
                 <a:spcPts val="0"/>
               </a:spcBef>
@@ -2940,11 +2924,11 @@
 </file>
 
 <file path=ppt/slideLayouts/slideLayout11.xml><?xml version="1.0" encoding="utf-8"?>
-<p:sldLayout xmlns:a="http://schemas.openxmlformats.org/drawingml/2006/main" xmlns:r="http://schemas.openxmlformats.org/officeDocument/2006/relationships" xmlns:mc="http://schemas.openxmlformats.org/markup-compatibility/2006" xmlns:mv="urn:schemas-microsoft-com:mac:vml" xmlns:p="http://schemas.openxmlformats.org/presentationml/2006/main" xmlns:c="http://schemas.openxmlformats.org/drawingml/2006/chart" xmlns:dgm="http://schemas.openxmlformats.org/drawingml/2006/diagram" xmlns:o="urn:schemas-microsoft-com:office:office" xmlns:v="urn:schemas-microsoft-com:vml" xmlns:pvml="urn:schemas-microsoft-com:office:powerpoint" xmlns:com="http://schemas.openxmlformats.org/drawingml/2006/compatibility" xmlns:p14="http://schemas.microsoft.com/office/powerpoint/2010/main" xmlns:p15="http://schemas.microsoft.com/office/powerpoint/2012/main" xmlns:ahyp="http://schemas.microsoft.com/office/drawing/2018/hyperlinkcolor" matchingName="Blank" type="blank">
+<p:sldLayout xmlns:a="http://schemas.openxmlformats.org/drawingml/2006/main" xmlns:r="http://schemas.openxmlformats.org/officeDocument/2006/relationships" xmlns:p="http://schemas.openxmlformats.org/presentationml/2006/main" matchingName="Blank" type="blank">
   <p:cSld name="BLANK">
     <p:spTree>
       <p:nvGrpSpPr>
-        <p:cNvPr id="128" name="Shape 128"/>
+        <p:cNvPr id="1" name="Shape 128"/>
         <p:cNvGrpSpPr/>
         <p:nvPr/>
       </p:nvGrpSpPr>
@@ -2959,9 +2943,11 @@
       <p:sp>
         <p:nvSpPr>
           <p:cNvPr id="129" name="Google Shape;129;p12"/>
-          <p:cNvSpPr txBox="1"/>
+          <p:cNvSpPr txBox="1">
+            <a:spLocks noGrp="1"/>
+          </p:cNvSpPr>
           <p:nvPr>
-            <p:ph idx="12" type="sldNum"/>
+            <p:ph type="sldNum" idx="12"/>
           </p:nvPr>
         </p:nvSpPr>
         <p:spPr>
@@ -2974,7 +2960,7 @@
           </a:prstGeom>
         </p:spPr>
         <p:txBody>
-          <a:bodyPr anchorCtr="0" anchor="ctr" bIns="91425" lIns="91425" spcFirstLastPara="1" rIns="91425" wrap="square" tIns="91425">
+          <a:bodyPr spcFirstLastPara="1" wrap="square" lIns="91425" tIns="91425" rIns="91425" bIns="91425" anchor="ctr" anchorCtr="0">
             <a:normAutofit/>
           </a:bodyPr>
           <a:lstStyle>
@@ -3016,7 +3002,7 @@
             </a:lvl9pPr>
           </a:lstStyle>
           <a:p>
-            <a:pPr indent="0" lvl="0" marL="0" rtl="0" algn="r">
+            <a:pPr marL="0" lvl="0" indent="0" algn="r" rtl="0">
               <a:spcBef>
                 <a:spcPts val="0"/>
               </a:spcBef>
@@ -3042,11 +3028,11 @@
 </file>
 
 <file path=ppt/slideLayouts/slideLayout2.xml><?xml version="1.0" encoding="utf-8"?>
-<p:sldLayout xmlns:a="http://schemas.openxmlformats.org/drawingml/2006/main" xmlns:r="http://schemas.openxmlformats.org/officeDocument/2006/relationships" xmlns:mc="http://schemas.openxmlformats.org/markup-compatibility/2006" xmlns:mv="urn:schemas-microsoft-com:mac:vml" xmlns:p="http://schemas.openxmlformats.org/presentationml/2006/main" xmlns:c="http://schemas.openxmlformats.org/drawingml/2006/chart" xmlns:dgm="http://schemas.openxmlformats.org/drawingml/2006/diagram" xmlns:o="urn:schemas-microsoft-com:office:office" xmlns:v="urn:schemas-microsoft-com:vml" xmlns:pvml="urn:schemas-microsoft-com:office:powerpoint" xmlns:com="http://schemas.openxmlformats.org/drawingml/2006/compatibility" xmlns:p14="http://schemas.microsoft.com/office/powerpoint/2010/main" xmlns:p15="http://schemas.microsoft.com/office/powerpoint/2012/main" xmlns:ahyp="http://schemas.microsoft.com/office/drawing/2018/hyperlinkcolor" matchingName="Section header" type="secHead">
+<p:sldLayout xmlns:a="http://schemas.openxmlformats.org/drawingml/2006/main" xmlns:r="http://schemas.openxmlformats.org/officeDocument/2006/relationships" xmlns:p="http://schemas.openxmlformats.org/presentationml/2006/main" matchingName="Section header" type="secHead">
   <p:cSld name="SECTION_HEADER">
     <p:spTree>
       <p:nvGrpSpPr>
-        <p:cNvPr id="19" name="Shape 19"/>
+        <p:cNvPr id="1" name="Shape 19"/>
         <p:cNvGrpSpPr/>
         <p:nvPr/>
       </p:nvGrpSpPr>
@@ -3085,7 +3071,7 @@
             </a:xfrm>
             <a:prstGeom prst="diagStripe">
               <a:avLst>
-                <a:gd fmla="val 49469" name="adj"/>
+                <a:gd name="adj" fmla="val 49469"/>
               </a:avLst>
             </a:prstGeom>
             <a:solidFill>
@@ -3098,12 +3084,12 @@
             </a:ln>
           </p:spPr>
           <p:txBody>
-            <a:bodyPr anchorCtr="0" anchor="ctr" bIns="91425" lIns="91425" spcFirstLastPara="1" rIns="91425" wrap="square" tIns="91425">
+            <a:bodyPr spcFirstLastPara="1" wrap="square" lIns="91425" tIns="91425" rIns="91425" bIns="91425" anchor="ctr" anchorCtr="0">
               <a:noAutofit/>
             </a:bodyPr>
             <a:lstStyle/>
             <a:p>
-              <a:pPr indent="0" lvl="0" marL="0" rtl="0" algn="l">
+              <a:pPr marL="0" lvl="0" indent="0" algn="l" rtl="0">
                 <a:spcBef>
                   <a:spcPts val="0"/>
                 </a:spcBef>
@@ -3112,9 +3098,6 @@
                 </a:spcAft>
                 <a:buNone/>
               </a:pPr>
-              <a:r>
-                <a:t/>
-              </a:r>
               <a:endParaRPr/>
             </a:p>
           </p:txBody>
@@ -3132,7 +3115,7 @@
             </a:xfrm>
             <a:prstGeom prst="diagStripe">
               <a:avLst>
-                <a:gd fmla="val 0" name="adj"/>
+                <a:gd name="adj" fmla="val 0"/>
               </a:avLst>
             </a:prstGeom>
             <a:solidFill>
@@ -3145,12 +3128,12 @@
             </a:ln>
           </p:spPr>
           <p:txBody>
-            <a:bodyPr anchorCtr="0" anchor="ctr" bIns="91425" lIns="91425" spcFirstLastPara="1" rIns="91425" wrap="square" tIns="91425">
+            <a:bodyPr spcFirstLastPara="1" wrap="square" lIns="91425" tIns="91425" rIns="91425" bIns="91425" anchor="ctr" anchorCtr="0">
               <a:noAutofit/>
             </a:bodyPr>
             <a:lstStyle/>
             <a:p>
-              <a:pPr indent="0" lvl="0" marL="0" rtl="0" algn="l">
+              <a:pPr marL="0" lvl="0" indent="0" algn="l" rtl="0">
                 <a:spcBef>
                   <a:spcPts val="0"/>
                 </a:spcBef>
@@ -3159,9 +3142,6 @@
                 </a:spcAft>
                 <a:buNone/>
               </a:pPr>
-              <a:r>
-                <a:t/>
-              </a:r>
               <a:endParaRPr/>
             </a:p>
           </p:txBody>
@@ -3179,7 +3159,7 @@
             </a:xfrm>
             <a:prstGeom prst="diagStripe">
               <a:avLst>
-                <a:gd fmla="val 50000" name="adj"/>
+                <a:gd name="adj" fmla="val 50000"/>
               </a:avLst>
             </a:prstGeom>
             <a:solidFill>
@@ -3192,12 +3172,12 @@
             </a:ln>
           </p:spPr>
           <p:txBody>
-            <a:bodyPr anchorCtr="0" anchor="ctr" bIns="91425" lIns="91425" spcFirstLastPara="1" rIns="91425" wrap="square" tIns="91425">
+            <a:bodyPr spcFirstLastPara="1" wrap="square" lIns="91425" tIns="91425" rIns="91425" bIns="91425" anchor="ctr" anchorCtr="0">
               <a:noAutofit/>
             </a:bodyPr>
             <a:lstStyle/>
             <a:p>
-              <a:pPr indent="0" lvl="0" marL="0" rtl="0" algn="l">
+              <a:pPr marL="0" lvl="0" indent="0" algn="l" rtl="0">
                 <a:spcBef>
                   <a:spcPts val="0"/>
                 </a:spcBef>
@@ -3206,9 +3186,6 @@
                 </a:spcAft>
                 <a:buNone/>
               </a:pPr>
-              <a:r>
-                <a:t/>
-              </a:r>
               <a:endParaRPr/>
             </a:p>
           </p:txBody>
@@ -3226,7 +3203,7 @@
             </a:xfrm>
             <a:prstGeom prst="diagStripe">
               <a:avLst>
-                <a:gd fmla="val 50000" name="adj"/>
+                <a:gd name="adj" fmla="val 50000"/>
               </a:avLst>
             </a:prstGeom>
             <a:solidFill>
@@ -3239,12 +3216,12 @@
             </a:ln>
           </p:spPr>
           <p:txBody>
-            <a:bodyPr anchorCtr="0" anchor="ctr" bIns="91425" lIns="91425" spcFirstLastPara="1" rIns="91425" wrap="square" tIns="91425">
+            <a:bodyPr spcFirstLastPara="1" wrap="square" lIns="91425" tIns="91425" rIns="91425" bIns="91425" anchor="ctr" anchorCtr="0">
               <a:noAutofit/>
             </a:bodyPr>
             <a:lstStyle/>
             <a:p>
-              <a:pPr indent="0" lvl="0" marL="0" rtl="0" algn="l">
+              <a:pPr marL="0" lvl="0" indent="0" algn="l" rtl="0">
                 <a:spcBef>
                   <a:spcPts val="0"/>
                 </a:spcBef>
@@ -3253,9 +3230,6 @@
                 </a:spcAft>
                 <a:buNone/>
               </a:pPr>
-              <a:r>
-                <a:t/>
-              </a:r>
               <a:endParaRPr/>
             </a:p>
           </p:txBody>
@@ -3273,7 +3247,7 @@
             </a:xfrm>
             <a:prstGeom prst="diagStripe">
               <a:avLst>
-                <a:gd fmla="val 50000" name="adj"/>
+                <a:gd name="adj" fmla="val 50000"/>
               </a:avLst>
             </a:prstGeom>
             <a:solidFill>
@@ -3286,12 +3260,12 @@
             </a:ln>
           </p:spPr>
           <p:txBody>
-            <a:bodyPr anchorCtr="0" anchor="ctr" bIns="91425" lIns="91425" spcFirstLastPara="1" rIns="91425" wrap="square" tIns="91425">
+            <a:bodyPr spcFirstLastPara="1" wrap="square" lIns="91425" tIns="91425" rIns="91425" bIns="91425" anchor="ctr" anchorCtr="0">
               <a:noAutofit/>
             </a:bodyPr>
             <a:lstStyle/>
             <a:p>
-              <a:pPr indent="0" lvl="0" marL="0" rtl="0" algn="l">
+              <a:pPr marL="0" lvl="0" indent="0" algn="l" rtl="0">
                 <a:spcBef>
                   <a:spcPts val="0"/>
                 </a:spcBef>
@@ -3300,9 +3274,6 @@
                 </a:spcAft>
                 <a:buNone/>
               </a:pPr>
-              <a:r>
-                <a:t/>
-              </a:r>
               <a:endParaRPr/>
             </a:p>
           </p:txBody>
@@ -3320,7 +3291,7 @@
             </a:xfrm>
             <a:prstGeom prst="diagStripe">
               <a:avLst>
-                <a:gd fmla="val 50000" name="adj"/>
+                <a:gd name="adj" fmla="val 50000"/>
               </a:avLst>
             </a:prstGeom>
             <a:solidFill>
@@ -3333,12 +3304,12 @@
             </a:ln>
           </p:spPr>
           <p:txBody>
-            <a:bodyPr anchorCtr="0" anchor="ctr" bIns="91425" lIns="91425" spcFirstLastPara="1" rIns="91425" wrap="square" tIns="91425">
+            <a:bodyPr spcFirstLastPara="1" wrap="square" lIns="91425" tIns="91425" rIns="91425" bIns="91425" anchor="ctr" anchorCtr="0">
               <a:noAutofit/>
             </a:bodyPr>
             <a:lstStyle/>
             <a:p>
-              <a:pPr indent="0" lvl="0" marL="0" rtl="0" algn="l">
+              <a:pPr marL="0" lvl="0" indent="0" algn="l" rtl="0">
                 <a:spcBef>
                   <a:spcPts val="0"/>
                 </a:spcBef>
@@ -3347,9 +3318,6 @@
                 </a:spcAft>
                 <a:buNone/>
               </a:pPr>
-              <a:r>
-                <a:t/>
-              </a:r>
               <a:endParaRPr/>
             </a:p>
           </p:txBody>
@@ -3367,7 +3335,7 @@
             </a:xfrm>
             <a:prstGeom prst="diagStripe">
               <a:avLst>
-                <a:gd fmla="val 50000" name="adj"/>
+                <a:gd name="adj" fmla="val 50000"/>
               </a:avLst>
             </a:prstGeom>
             <a:solidFill>
@@ -3380,12 +3348,12 @@
             </a:ln>
           </p:spPr>
           <p:txBody>
-            <a:bodyPr anchorCtr="0" anchor="ctr" bIns="91425" lIns="91425" spcFirstLastPara="1" rIns="91425" wrap="square" tIns="91425">
+            <a:bodyPr spcFirstLastPara="1" wrap="square" lIns="91425" tIns="91425" rIns="91425" bIns="91425" anchor="ctr" anchorCtr="0">
               <a:noAutofit/>
             </a:bodyPr>
             <a:lstStyle/>
             <a:p>
-              <a:pPr indent="0" lvl="0" marL="0" rtl="0" algn="l">
+              <a:pPr marL="0" lvl="0" indent="0" algn="l" rtl="0">
                 <a:spcBef>
                   <a:spcPts val="0"/>
                 </a:spcBef>
@@ -3394,9 +3362,6 @@
                 </a:spcAft>
                 <a:buNone/>
               </a:pPr>
-              <a:r>
-                <a:t/>
-              </a:r>
               <a:endParaRPr/>
             </a:p>
           </p:txBody>
@@ -3414,7 +3379,7 @@
             </a:xfrm>
             <a:prstGeom prst="diagStripe">
               <a:avLst>
-                <a:gd fmla="val 50000" name="adj"/>
+                <a:gd name="adj" fmla="val 50000"/>
               </a:avLst>
             </a:prstGeom>
             <a:solidFill>
@@ -3425,12 +3390,12 @@
             </a:ln>
           </p:spPr>
           <p:txBody>
-            <a:bodyPr anchorCtr="0" anchor="ctr" bIns="91425" lIns="91425" spcFirstLastPara="1" rIns="91425" wrap="square" tIns="91425">
+            <a:bodyPr spcFirstLastPara="1" wrap="square" lIns="91425" tIns="91425" rIns="91425" bIns="91425" anchor="ctr" anchorCtr="0">
               <a:noAutofit/>
             </a:bodyPr>
             <a:lstStyle/>
             <a:p>
-              <a:pPr indent="0" lvl="0" marL="0" rtl="0" algn="l">
+              <a:pPr marL="0" lvl="0" indent="0" algn="l" rtl="0">
                 <a:spcBef>
                   <a:spcPts val="0"/>
                 </a:spcBef>
@@ -3439,9 +3404,6 @@
                 </a:spcAft>
                 <a:buNone/>
               </a:pPr>
-              <a:r>
-                <a:t/>
-              </a:r>
               <a:endParaRPr/>
             </a:p>
           </p:txBody>
@@ -3459,7 +3421,7 @@
             </a:xfrm>
             <a:prstGeom prst="diagStripe">
               <a:avLst>
-                <a:gd fmla="val 50000" name="adj"/>
+                <a:gd name="adj" fmla="val 50000"/>
               </a:avLst>
             </a:prstGeom>
             <a:solidFill>
@@ -3472,12 +3434,12 @@
             </a:ln>
           </p:spPr>
           <p:txBody>
-            <a:bodyPr anchorCtr="0" anchor="ctr" bIns="91425" lIns="91425" spcFirstLastPara="1" rIns="91425" wrap="square" tIns="91425">
+            <a:bodyPr spcFirstLastPara="1" wrap="square" lIns="91425" tIns="91425" rIns="91425" bIns="91425" anchor="ctr" anchorCtr="0">
               <a:noAutofit/>
             </a:bodyPr>
             <a:lstStyle/>
             <a:p>
-              <a:pPr indent="0" lvl="0" marL="0" rtl="0" algn="l">
+              <a:pPr marL="0" lvl="0" indent="0" algn="l" rtl="0">
                 <a:spcBef>
                   <a:spcPts val="0"/>
                 </a:spcBef>
@@ -3486,9 +3448,6 @@
                 </a:spcAft>
                 <a:buNone/>
               </a:pPr>
-              <a:r>
-                <a:t/>
-              </a:r>
               <a:endParaRPr/>
             </a:p>
           </p:txBody>
@@ -3506,7 +3465,7 @@
             </a:xfrm>
             <a:prstGeom prst="diagStripe">
               <a:avLst>
-                <a:gd fmla="val 50000" name="adj"/>
+                <a:gd name="adj" fmla="val 50000"/>
               </a:avLst>
             </a:prstGeom>
             <a:solidFill>
@@ -3519,12 +3478,12 @@
             </a:ln>
           </p:spPr>
           <p:txBody>
-            <a:bodyPr anchorCtr="0" anchor="ctr" bIns="91425" lIns="91425" spcFirstLastPara="1" rIns="91425" wrap="square" tIns="91425">
+            <a:bodyPr spcFirstLastPara="1" wrap="square" lIns="91425" tIns="91425" rIns="91425" bIns="91425" anchor="ctr" anchorCtr="0">
               <a:noAutofit/>
             </a:bodyPr>
             <a:lstStyle/>
             <a:p>
-              <a:pPr indent="0" lvl="0" marL="0" rtl="0" algn="l">
+              <a:pPr marL="0" lvl="0" indent="0" algn="l" rtl="0">
                 <a:spcBef>
                   <a:spcPts val="0"/>
                 </a:spcBef>
@@ -3533,9 +3492,6 @@
                 </a:spcAft>
                 <a:buNone/>
               </a:pPr>
-              <a:r>
-                <a:t/>
-              </a:r>
               <a:endParaRPr/>
             </a:p>
           </p:txBody>
@@ -3553,7 +3509,7 @@
             </a:xfrm>
             <a:prstGeom prst="diagStripe">
               <a:avLst>
-                <a:gd fmla="val 50000" name="adj"/>
+                <a:gd name="adj" fmla="val 50000"/>
               </a:avLst>
             </a:prstGeom>
             <a:solidFill>
@@ -3566,12 +3522,12 @@
             </a:ln>
           </p:spPr>
           <p:txBody>
-            <a:bodyPr anchorCtr="0" anchor="ctr" bIns="91425" lIns="91425" spcFirstLastPara="1" rIns="91425" wrap="square" tIns="91425">
+            <a:bodyPr spcFirstLastPara="1" wrap="square" lIns="91425" tIns="91425" rIns="91425" bIns="91425" anchor="ctr" anchorCtr="0">
               <a:noAutofit/>
             </a:bodyPr>
             <a:lstStyle/>
             <a:p>
-              <a:pPr indent="0" lvl="0" marL="0" rtl="0" algn="l">
+              <a:pPr marL="0" lvl="0" indent="0" algn="l" rtl="0">
                 <a:spcBef>
                   <a:spcPts val="0"/>
                 </a:spcBef>
@@ -3580,9 +3536,6 @@
                 </a:spcAft>
                 <a:buNone/>
               </a:pPr>
-              <a:r>
-                <a:t/>
-              </a:r>
               <a:endParaRPr/>
             </a:p>
           </p:txBody>
@@ -3600,7 +3553,7 @@
             </a:xfrm>
             <a:prstGeom prst="diagStripe">
               <a:avLst>
-                <a:gd fmla="val 50000" name="adj"/>
+                <a:gd name="adj" fmla="val 50000"/>
               </a:avLst>
             </a:prstGeom>
             <a:solidFill>
@@ -3613,12 +3566,12 @@
             </a:ln>
           </p:spPr>
           <p:txBody>
-            <a:bodyPr anchorCtr="0" anchor="ctr" bIns="91425" lIns="91425" spcFirstLastPara="1" rIns="91425" wrap="square" tIns="91425">
+            <a:bodyPr spcFirstLastPara="1" wrap="square" lIns="91425" tIns="91425" rIns="91425" bIns="91425" anchor="ctr" anchorCtr="0">
               <a:noAutofit/>
             </a:bodyPr>
             <a:lstStyle/>
             <a:p>
-              <a:pPr indent="0" lvl="0" marL="0" rtl="0" algn="l">
+              <a:pPr marL="0" lvl="0" indent="0" algn="l" rtl="0">
                 <a:spcBef>
                   <a:spcPts val="0"/>
                 </a:spcBef>
@@ -3627,9 +3580,6 @@
                 </a:spcAft>
                 <a:buNone/>
               </a:pPr>
-              <a:r>
-                <a:t/>
-              </a:r>
               <a:endParaRPr/>
             </a:p>
           </p:txBody>
@@ -3647,7 +3597,7 @@
             </a:xfrm>
             <a:prstGeom prst="diagStripe">
               <a:avLst>
-                <a:gd fmla="val 50000" name="adj"/>
+                <a:gd name="adj" fmla="val 50000"/>
               </a:avLst>
             </a:prstGeom>
             <a:solidFill>
@@ -3660,12 +3610,12 @@
             </a:ln>
           </p:spPr>
           <p:txBody>
-            <a:bodyPr anchorCtr="0" anchor="ctr" bIns="91425" lIns="91425" spcFirstLastPara="1" rIns="91425" wrap="square" tIns="91425">
+            <a:bodyPr spcFirstLastPara="1" wrap="square" lIns="91425" tIns="91425" rIns="91425" bIns="91425" anchor="ctr" anchorCtr="0">
               <a:noAutofit/>
             </a:bodyPr>
             <a:lstStyle/>
             <a:p>
-              <a:pPr indent="0" lvl="0" marL="0" rtl="0" algn="l">
+              <a:pPr marL="0" lvl="0" indent="0" algn="l" rtl="0">
                 <a:spcBef>
                   <a:spcPts val="0"/>
                 </a:spcBef>
@@ -3674,9 +3624,6 @@
                 </a:spcAft>
                 <a:buNone/>
               </a:pPr>
-              <a:r>
-                <a:t/>
-              </a:r>
               <a:endParaRPr/>
             </a:p>
           </p:txBody>
@@ -3694,7 +3641,7 @@
             </a:xfrm>
             <a:prstGeom prst="diagStripe">
               <a:avLst>
-                <a:gd fmla="val 50000" name="adj"/>
+                <a:gd name="adj" fmla="val 50000"/>
               </a:avLst>
             </a:prstGeom>
             <a:solidFill>
@@ -3705,12 +3652,12 @@
             </a:ln>
           </p:spPr>
           <p:txBody>
-            <a:bodyPr anchorCtr="0" anchor="ctr" bIns="91425" lIns="91425" spcFirstLastPara="1" rIns="91425" wrap="square" tIns="91425">
+            <a:bodyPr spcFirstLastPara="1" wrap="square" lIns="91425" tIns="91425" rIns="91425" bIns="91425" anchor="ctr" anchorCtr="0">
               <a:noAutofit/>
             </a:bodyPr>
             <a:lstStyle/>
             <a:p>
-              <a:pPr indent="0" lvl="0" marL="0" rtl="0" algn="l">
+              <a:pPr marL="0" lvl="0" indent="0" algn="l" rtl="0">
                 <a:spcBef>
                   <a:spcPts val="0"/>
                 </a:spcBef>
@@ -3719,9 +3666,6 @@
                 </a:spcAft>
                 <a:buNone/>
               </a:pPr>
-              <a:r>
-                <a:t/>
-              </a:r>
               <a:endParaRPr/>
             </a:p>
           </p:txBody>
@@ -3739,7 +3683,7 @@
             </a:xfrm>
             <a:prstGeom prst="diagStripe">
               <a:avLst>
-                <a:gd fmla="val 50000" name="adj"/>
+                <a:gd name="adj" fmla="val 50000"/>
               </a:avLst>
             </a:prstGeom>
             <a:solidFill>
@@ -3752,12 +3696,12 @@
             </a:ln>
           </p:spPr>
           <p:txBody>
-            <a:bodyPr anchorCtr="0" anchor="ctr" bIns="91425" lIns="91425" spcFirstLastPara="1" rIns="91425" wrap="square" tIns="91425">
+            <a:bodyPr spcFirstLastPara="1" wrap="square" lIns="91425" tIns="91425" rIns="91425" bIns="91425" anchor="ctr" anchorCtr="0">
               <a:noAutofit/>
             </a:bodyPr>
             <a:lstStyle/>
             <a:p>
-              <a:pPr indent="0" lvl="0" marL="0" rtl="0" algn="l">
+              <a:pPr marL="0" lvl="0" indent="0" algn="l" rtl="0">
                 <a:spcBef>
                   <a:spcPts val="0"/>
                 </a:spcBef>
@@ -3766,9 +3710,6 @@
                 </a:spcAft>
                 <a:buNone/>
               </a:pPr>
-              <a:r>
-                <a:t/>
-              </a:r>
               <a:endParaRPr/>
             </a:p>
           </p:txBody>
@@ -3786,7 +3727,7 @@
             </a:xfrm>
             <a:prstGeom prst="diagStripe">
               <a:avLst>
-                <a:gd fmla="val 50000" name="adj"/>
+                <a:gd name="adj" fmla="val 50000"/>
               </a:avLst>
             </a:prstGeom>
             <a:solidFill>
@@ -3799,12 +3740,12 @@
             </a:ln>
           </p:spPr>
           <p:txBody>
-            <a:bodyPr anchorCtr="0" anchor="ctr" bIns="91425" lIns="91425" spcFirstLastPara="1" rIns="91425" wrap="square" tIns="91425">
+            <a:bodyPr spcFirstLastPara="1" wrap="square" lIns="91425" tIns="91425" rIns="91425" bIns="91425" anchor="ctr" anchorCtr="0">
               <a:noAutofit/>
             </a:bodyPr>
             <a:lstStyle/>
             <a:p>
-              <a:pPr indent="0" lvl="0" marL="0" rtl="0" algn="l">
+              <a:pPr marL="0" lvl="0" indent="0" algn="l" rtl="0">
                 <a:spcBef>
                   <a:spcPts val="0"/>
                 </a:spcBef>
@@ -3813,9 +3754,6 @@
                 </a:spcAft>
                 <a:buNone/>
               </a:pPr>
-              <a:r>
-                <a:t/>
-              </a:r>
               <a:endParaRPr/>
             </a:p>
           </p:txBody>
@@ -3833,7 +3771,7 @@
             </a:xfrm>
             <a:prstGeom prst="diagStripe">
               <a:avLst>
-                <a:gd fmla="val 50000" name="adj"/>
+                <a:gd name="adj" fmla="val 50000"/>
               </a:avLst>
             </a:prstGeom>
             <a:solidFill>
@@ -3846,12 +3784,12 @@
             </a:ln>
           </p:spPr>
           <p:txBody>
-            <a:bodyPr anchorCtr="0" anchor="ctr" bIns="91425" lIns="91425" spcFirstLastPara="1" rIns="91425" wrap="square" tIns="91425">
+            <a:bodyPr spcFirstLastPara="1" wrap="square" lIns="91425" tIns="91425" rIns="91425" bIns="91425" anchor="ctr" anchorCtr="0">
               <a:noAutofit/>
             </a:bodyPr>
             <a:lstStyle/>
             <a:p>
-              <a:pPr indent="0" lvl="0" marL="0" rtl="0" algn="l">
+              <a:pPr marL="0" lvl="0" indent="0" algn="l" rtl="0">
                 <a:spcBef>
                   <a:spcPts val="0"/>
                 </a:spcBef>
@@ -3860,9 +3798,6 @@
                 </a:spcAft>
                 <a:buNone/>
               </a:pPr>
-              <a:r>
-                <a:t/>
-              </a:r>
               <a:endParaRPr/>
             </a:p>
           </p:txBody>
@@ -3880,7 +3815,7 @@
             </a:xfrm>
             <a:prstGeom prst="diagStripe">
               <a:avLst>
-                <a:gd fmla="val 50000" name="adj"/>
+                <a:gd name="adj" fmla="val 50000"/>
               </a:avLst>
             </a:prstGeom>
             <a:solidFill>
@@ -3893,12 +3828,12 @@
             </a:ln>
           </p:spPr>
           <p:txBody>
-            <a:bodyPr anchorCtr="0" anchor="ctr" bIns="91425" lIns="91425" spcFirstLastPara="1" rIns="91425" wrap="square" tIns="91425">
+            <a:bodyPr spcFirstLastPara="1" wrap="square" lIns="91425" tIns="91425" rIns="91425" bIns="91425" anchor="ctr" anchorCtr="0">
               <a:noAutofit/>
             </a:bodyPr>
             <a:lstStyle/>
             <a:p>
-              <a:pPr indent="0" lvl="0" marL="0" rtl="0" algn="l">
+              <a:pPr marL="0" lvl="0" indent="0" algn="l" rtl="0">
                 <a:spcBef>
                   <a:spcPts val="0"/>
                 </a:spcBef>
@@ -3907,9 +3842,6 @@
                 </a:spcAft>
                 <a:buNone/>
               </a:pPr>
-              <a:r>
-                <a:t/>
-              </a:r>
               <a:endParaRPr/>
             </a:p>
           </p:txBody>
@@ -3918,7 +3850,9 @@
       <p:sp>
         <p:nvSpPr>
           <p:cNvPr id="39" name="Google Shape;39;p3"/>
-          <p:cNvSpPr txBox="1"/>
+          <p:cNvSpPr txBox="1">
+            <a:spLocks noGrp="1"/>
+          </p:cNvSpPr>
           <p:nvPr>
             <p:ph type="title"/>
           </p:nvPr>
@@ -3933,7 +3867,7 @@
           </a:prstGeom>
         </p:spPr>
         <p:txBody>
-          <a:bodyPr anchorCtr="0" anchor="ctr" bIns="91425" lIns="91425" spcFirstLastPara="1" rIns="91425" wrap="square" tIns="91425">
+          <a:bodyPr spcFirstLastPara="1" wrap="square" lIns="91425" tIns="91425" rIns="91425" bIns="91425" anchor="ctr" anchorCtr="0">
             <a:normAutofit/>
           </a:bodyPr>
           <a:lstStyle>
@@ -4037,15 +3971,19 @@
               <a:defRPr/>
             </a:lvl9pPr>
           </a:lstStyle>
-          <a:p/>
+          <a:p>
+            <a:endParaRPr/>
+          </a:p>
         </p:txBody>
       </p:sp>
       <p:sp>
         <p:nvSpPr>
           <p:cNvPr id="40" name="Google Shape;40;p3"/>
-          <p:cNvSpPr txBox="1"/>
+          <p:cNvSpPr txBox="1">
+            <a:spLocks noGrp="1"/>
+          </p:cNvSpPr>
           <p:nvPr>
-            <p:ph idx="12" type="sldNum"/>
+            <p:ph type="sldNum" idx="12"/>
           </p:nvPr>
         </p:nvSpPr>
         <p:spPr>
@@ -4058,7 +3996,7 @@
           </a:prstGeom>
         </p:spPr>
         <p:txBody>
-          <a:bodyPr anchorCtr="0" anchor="ctr" bIns="91425" lIns="91425" spcFirstLastPara="1" rIns="91425" wrap="square" tIns="91425">
+          <a:bodyPr spcFirstLastPara="1" wrap="square" lIns="91425" tIns="91425" rIns="91425" bIns="91425" anchor="ctr" anchorCtr="0">
             <a:normAutofit/>
           </a:bodyPr>
           <a:lstStyle>
@@ -4100,7 +4038,7 @@
             </a:lvl9pPr>
           </a:lstStyle>
           <a:p>
-            <a:pPr indent="0" lvl="0" marL="0" rtl="0" algn="r">
+            <a:pPr marL="0" lvl="0" indent="0" algn="r" rtl="0">
               <a:spcBef>
                 <a:spcPts val="0"/>
               </a:spcBef>
@@ -4126,11 +4064,11 @@
 </file>
 
 <file path=ppt/slideLayouts/slideLayout3.xml><?xml version="1.0" encoding="utf-8"?>
-<p:sldLayout xmlns:a="http://schemas.openxmlformats.org/drawingml/2006/main" xmlns:r="http://schemas.openxmlformats.org/officeDocument/2006/relationships" xmlns:mc="http://schemas.openxmlformats.org/markup-compatibility/2006" xmlns:mv="urn:schemas-microsoft-com:mac:vml" xmlns:p="http://schemas.openxmlformats.org/presentationml/2006/main" xmlns:c="http://schemas.openxmlformats.org/drawingml/2006/chart" xmlns:dgm="http://schemas.openxmlformats.org/drawingml/2006/diagram" xmlns:o="urn:schemas-microsoft-com:office:office" xmlns:v="urn:schemas-microsoft-com:vml" xmlns:pvml="urn:schemas-microsoft-com:office:powerpoint" xmlns:com="http://schemas.openxmlformats.org/drawingml/2006/compatibility" xmlns:p14="http://schemas.microsoft.com/office/powerpoint/2010/main" xmlns:p15="http://schemas.microsoft.com/office/powerpoint/2012/main" xmlns:ahyp="http://schemas.microsoft.com/office/drawing/2018/hyperlinkcolor" matchingName="Title and body" type="tx">
+<p:sldLayout xmlns:a="http://schemas.openxmlformats.org/drawingml/2006/main" xmlns:r="http://schemas.openxmlformats.org/officeDocument/2006/relationships" xmlns:p="http://schemas.openxmlformats.org/presentationml/2006/main" matchingName="Title and body" type="tx">
   <p:cSld name="TITLE_AND_BODY">
     <p:spTree>
       <p:nvGrpSpPr>
-        <p:cNvPr id="41" name="Shape 41"/>
+        <p:cNvPr id="1" name="Shape 41"/>
         <p:cNvGrpSpPr/>
         <p:nvPr/>
       </p:nvGrpSpPr>
@@ -4169,7 +4107,7 @@
             </a:xfrm>
             <a:prstGeom prst="diagStripe">
               <a:avLst>
-                <a:gd fmla="val 50000" name="adj"/>
+                <a:gd name="adj" fmla="val 50000"/>
               </a:avLst>
             </a:prstGeom>
             <a:solidFill>
@@ -4180,12 +4118,12 @@
             </a:ln>
           </p:spPr>
           <p:txBody>
-            <a:bodyPr anchorCtr="0" anchor="ctr" bIns="91425" lIns="91425" spcFirstLastPara="1" rIns="91425" wrap="square" tIns="91425">
+            <a:bodyPr spcFirstLastPara="1" wrap="square" lIns="91425" tIns="91425" rIns="91425" bIns="91425" anchor="ctr" anchorCtr="0">
               <a:noAutofit/>
             </a:bodyPr>
             <a:lstStyle/>
             <a:p>
-              <a:pPr indent="0" lvl="0" marL="0" rtl="0" algn="l">
+              <a:pPr marL="0" lvl="0" indent="0" algn="l" rtl="0">
                 <a:spcBef>
                   <a:spcPts val="0"/>
                 </a:spcBef>
@@ -4194,9 +4132,6 @@
                 </a:spcAft>
                 <a:buNone/>
               </a:pPr>
-              <a:r>
-                <a:t/>
-              </a:r>
               <a:endParaRPr/>
             </a:p>
           </p:txBody>
@@ -4214,7 +4149,7 @@
             </a:xfrm>
             <a:prstGeom prst="diagStripe">
               <a:avLst>
-                <a:gd fmla="val 50000" name="adj"/>
+                <a:gd name="adj" fmla="val 50000"/>
               </a:avLst>
             </a:prstGeom>
             <a:solidFill>
@@ -4225,12 +4160,12 @@
             </a:ln>
           </p:spPr>
           <p:txBody>
-            <a:bodyPr anchorCtr="0" anchor="ctr" bIns="91425" lIns="91425" spcFirstLastPara="1" rIns="91425" wrap="square" tIns="91425">
+            <a:bodyPr spcFirstLastPara="1" wrap="square" lIns="91425" tIns="91425" rIns="91425" bIns="91425" anchor="ctr" anchorCtr="0">
               <a:noAutofit/>
             </a:bodyPr>
             <a:lstStyle/>
             <a:p>
-              <a:pPr indent="0" lvl="0" marL="0" rtl="0" algn="l">
+              <a:pPr marL="0" lvl="0" indent="0" algn="l" rtl="0">
                 <a:spcBef>
                   <a:spcPts val="0"/>
                 </a:spcBef>
@@ -4239,9 +4174,6 @@
                 </a:spcAft>
                 <a:buNone/>
               </a:pPr>
-              <a:r>
-                <a:t/>
-              </a:r>
               <a:endParaRPr/>
             </a:p>
           </p:txBody>
@@ -4250,7 +4182,9 @@
       <p:sp>
         <p:nvSpPr>
           <p:cNvPr id="45" name="Google Shape;45;p4"/>
-          <p:cNvSpPr txBox="1"/>
+          <p:cNvSpPr txBox="1">
+            <a:spLocks noGrp="1"/>
+          </p:cNvSpPr>
           <p:nvPr>
             <p:ph type="title"/>
           </p:nvPr>
@@ -4265,7 +4199,7 @@
           </a:prstGeom>
         </p:spPr>
         <p:txBody>
-          <a:bodyPr anchorCtr="0" anchor="t" bIns="91425" lIns="91425" spcFirstLastPara="1" rIns="91425" wrap="square" tIns="91425">
+          <a:bodyPr spcFirstLastPara="1" wrap="square" lIns="91425" tIns="91425" rIns="91425" bIns="91425" anchor="t" anchorCtr="0">
             <a:normAutofit/>
           </a:bodyPr>
           <a:lstStyle>
@@ -4369,15 +4303,19 @@
               <a:defRPr sz="2400"/>
             </a:lvl9pPr>
           </a:lstStyle>
-          <a:p/>
+          <a:p>
+            <a:endParaRPr/>
+          </a:p>
         </p:txBody>
       </p:sp>
       <p:sp>
         <p:nvSpPr>
           <p:cNvPr id="46" name="Google Shape;46;p4"/>
-          <p:cNvSpPr txBox="1"/>
+          <p:cNvSpPr txBox="1">
+            <a:spLocks noGrp="1"/>
+          </p:cNvSpPr>
           <p:nvPr>
-            <p:ph idx="1" type="body"/>
+            <p:ph type="body" idx="1"/>
           </p:nvPr>
         </p:nvSpPr>
         <p:spPr>
@@ -4390,11 +4328,11 @@
           </a:prstGeom>
         </p:spPr>
         <p:txBody>
-          <a:bodyPr anchorCtr="0" anchor="t" bIns="91425" lIns="91425" spcFirstLastPara="1" rIns="91425" wrap="square" tIns="91425">
+          <a:bodyPr spcFirstLastPara="1" wrap="square" lIns="91425" tIns="91425" rIns="91425" bIns="91425" anchor="t" anchorCtr="0">
             <a:normAutofit/>
           </a:bodyPr>
           <a:lstStyle>
-            <a:lvl1pPr indent="-311150" lvl="0" marL="457200">
+            <a:lvl1pPr marL="457200" lvl="0" indent="-311150">
               <a:spcBef>
                 <a:spcPts val="0"/>
               </a:spcBef>
@@ -4405,7 +4343,7 @@
               <a:buChar char="●"/>
               <a:defRPr/>
             </a:lvl1pPr>
-            <a:lvl2pPr indent="-298450" lvl="1" marL="914400">
+            <a:lvl2pPr marL="914400" lvl="1" indent="-298450">
               <a:spcBef>
                 <a:spcPts val="0"/>
               </a:spcBef>
@@ -4416,7 +4354,7 @@
               <a:buChar char="○"/>
               <a:defRPr/>
             </a:lvl2pPr>
-            <a:lvl3pPr indent="-298450" lvl="2" marL="1371600">
+            <a:lvl3pPr marL="1371600" lvl="2" indent="-298450">
               <a:spcBef>
                 <a:spcPts val="0"/>
               </a:spcBef>
@@ -4427,7 +4365,7 @@
               <a:buChar char="■"/>
               <a:defRPr/>
             </a:lvl3pPr>
-            <a:lvl4pPr indent="-298450" lvl="3" marL="1828800">
+            <a:lvl4pPr marL="1828800" lvl="3" indent="-298450">
               <a:spcBef>
                 <a:spcPts val="0"/>
               </a:spcBef>
@@ -4438,7 +4376,7 @@
               <a:buChar char="●"/>
               <a:defRPr/>
             </a:lvl4pPr>
-            <a:lvl5pPr indent="-298450" lvl="4" marL="2286000">
+            <a:lvl5pPr marL="2286000" lvl="4" indent="-298450">
               <a:spcBef>
                 <a:spcPts val="0"/>
               </a:spcBef>
@@ -4449,7 +4387,7 @@
               <a:buChar char="○"/>
               <a:defRPr/>
             </a:lvl5pPr>
-            <a:lvl6pPr indent="-298450" lvl="5" marL="2743200">
+            <a:lvl6pPr marL="2743200" lvl="5" indent="-298450">
               <a:spcBef>
                 <a:spcPts val="0"/>
               </a:spcBef>
@@ -4460,7 +4398,7 @@
               <a:buChar char="■"/>
               <a:defRPr/>
             </a:lvl6pPr>
-            <a:lvl7pPr indent="-298450" lvl="6" marL="3200400">
+            <a:lvl7pPr marL="3200400" lvl="6" indent="-298450">
               <a:spcBef>
                 <a:spcPts val="0"/>
               </a:spcBef>
@@ -4471,7 +4409,7 @@
               <a:buChar char="●"/>
               <a:defRPr/>
             </a:lvl7pPr>
-            <a:lvl8pPr indent="-298450" lvl="7" marL="3657600">
+            <a:lvl8pPr marL="3657600" lvl="7" indent="-298450">
               <a:spcBef>
                 <a:spcPts val="0"/>
               </a:spcBef>
@@ -4482,7 +4420,7 @@
               <a:buChar char="○"/>
               <a:defRPr/>
             </a:lvl8pPr>
-            <a:lvl9pPr indent="-298450" lvl="8" marL="4114800">
+            <a:lvl9pPr marL="4114800" lvl="8" indent="-298450">
               <a:spcBef>
                 <a:spcPts val="0"/>
               </a:spcBef>
@@ -4494,15 +4432,19 @@
               <a:defRPr/>
             </a:lvl9pPr>
           </a:lstStyle>
-          <a:p/>
+          <a:p>
+            <a:endParaRPr/>
+          </a:p>
         </p:txBody>
       </p:sp>
       <p:sp>
         <p:nvSpPr>
           <p:cNvPr id="47" name="Google Shape;47;p4"/>
-          <p:cNvSpPr txBox="1"/>
+          <p:cNvSpPr txBox="1">
+            <a:spLocks noGrp="1"/>
+          </p:cNvSpPr>
           <p:nvPr>
-            <p:ph idx="12" type="sldNum"/>
+            <p:ph type="sldNum" idx="12"/>
           </p:nvPr>
         </p:nvSpPr>
         <p:spPr>
@@ -4515,7 +4457,7 @@
           </a:prstGeom>
         </p:spPr>
         <p:txBody>
-          <a:bodyPr anchorCtr="0" anchor="ctr" bIns="91425" lIns="91425" spcFirstLastPara="1" rIns="91425" wrap="square" tIns="91425">
+          <a:bodyPr spcFirstLastPara="1" wrap="square" lIns="91425" tIns="91425" rIns="91425" bIns="91425" anchor="ctr" anchorCtr="0">
             <a:normAutofit/>
           </a:bodyPr>
           <a:lstStyle>
@@ -4557,7 +4499,7 @@
             </a:lvl9pPr>
           </a:lstStyle>
           <a:p>
-            <a:pPr indent="0" lvl="0" marL="0" rtl="0" algn="r">
+            <a:pPr marL="0" lvl="0" indent="0" algn="r" rtl="0">
               <a:spcBef>
                 <a:spcPts val="0"/>
               </a:spcBef>
@@ -4583,11 +4525,11 @@
 </file>
 
 <file path=ppt/slideLayouts/slideLayout4.xml><?xml version="1.0" encoding="utf-8"?>
-<p:sldLayout xmlns:a="http://schemas.openxmlformats.org/drawingml/2006/main" xmlns:r="http://schemas.openxmlformats.org/officeDocument/2006/relationships" xmlns:mc="http://schemas.openxmlformats.org/markup-compatibility/2006" xmlns:mv="urn:schemas-microsoft-com:mac:vml" xmlns:p="http://schemas.openxmlformats.org/presentationml/2006/main" xmlns:c="http://schemas.openxmlformats.org/drawingml/2006/chart" xmlns:dgm="http://schemas.openxmlformats.org/drawingml/2006/diagram" xmlns:o="urn:schemas-microsoft-com:office:office" xmlns:v="urn:schemas-microsoft-com:vml" xmlns:pvml="urn:schemas-microsoft-com:office:powerpoint" xmlns:com="http://schemas.openxmlformats.org/drawingml/2006/compatibility" xmlns:p14="http://schemas.microsoft.com/office/powerpoint/2010/main" xmlns:p15="http://schemas.microsoft.com/office/powerpoint/2012/main" xmlns:ahyp="http://schemas.microsoft.com/office/drawing/2018/hyperlinkcolor" matchingName="Title and two columns" type="twoColTx">
+<p:sldLayout xmlns:a="http://schemas.openxmlformats.org/drawingml/2006/main" xmlns:r="http://schemas.openxmlformats.org/officeDocument/2006/relationships" xmlns:p="http://schemas.openxmlformats.org/presentationml/2006/main" matchingName="Title and two columns" type="twoColTx">
   <p:cSld name="TITLE_AND_TWO_COLUMNS">
     <p:spTree>
       <p:nvGrpSpPr>
-        <p:cNvPr id="48" name="Shape 48"/>
+        <p:cNvPr id="1" name="Shape 48"/>
         <p:cNvGrpSpPr/>
         <p:nvPr/>
       </p:nvGrpSpPr>
@@ -4626,7 +4568,7 @@
             </a:xfrm>
             <a:prstGeom prst="diagStripe">
               <a:avLst>
-                <a:gd fmla="val 50000" name="adj"/>
+                <a:gd name="adj" fmla="val 50000"/>
               </a:avLst>
             </a:prstGeom>
             <a:solidFill>
@@ -4637,12 +4579,12 @@
             </a:ln>
           </p:spPr>
           <p:txBody>
-            <a:bodyPr anchorCtr="0" anchor="ctr" bIns="91425" lIns="91425" spcFirstLastPara="1" rIns="91425" wrap="square" tIns="91425">
+            <a:bodyPr spcFirstLastPara="1" wrap="square" lIns="91425" tIns="91425" rIns="91425" bIns="91425" anchor="ctr" anchorCtr="0">
               <a:noAutofit/>
             </a:bodyPr>
             <a:lstStyle/>
             <a:p>
-              <a:pPr indent="0" lvl="0" marL="0" rtl="0" algn="l">
+              <a:pPr marL="0" lvl="0" indent="0" algn="l" rtl="0">
                 <a:spcBef>
                   <a:spcPts val="0"/>
                 </a:spcBef>
@@ -4651,9 +4593,6 @@
                 </a:spcAft>
                 <a:buNone/>
               </a:pPr>
-              <a:r>
-                <a:t/>
-              </a:r>
               <a:endParaRPr/>
             </a:p>
           </p:txBody>
@@ -4671,7 +4610,7 @@
             </a:xfrm>
             <a:prstGeom prst="diagStripe">
               <a:avLst>
-                <a:gd fmla="val 50000" name="adj"/>
+                <a:gd name="adj" fmla="val 50000"/>
               </a:avLst>
             </a:prstGeom>
             <a:solidFill>
@@ -4682,12 +4621,12 @@
             </a:ln>
           </p:spPr>
           <p:txBody>
-            <a:bodyPr anchorCtr="0" anchor="ctr" bIns="91425" lIns="91425" spcFirstLastPara="1" rIns="91425" wrap="square" tIns="91425">
+            <a:bodyPr spcFirstLastPara="1" wrap="square" lIns="91425" tIns="91425" rIns="91425" bIns="91425" anchor="ctr" anchorCtr="0">
               <a:noAutofit/>
             </a:bodyPr>
             <a:lstStyle/>
             <a:p>
-              <a:pPr indent="0" lvl="0" marL="0" rtl="0" algn="l">
+              <a:pPr marL="0" lvl="0" indent="0" algn="l" rtl="0">
                 <a:spcBef>
                   <a:spcPts val="0"/>
                 </a:spcBef>
@@ -4696,9 +4635,6 @@
                 </a:spcAft>
                 <a:buNone/>
               </a:pPr>
-              <a:r>
-                <a:t/>
-              </a:r>
               <a:endParaRPr/>
             </a:p>
           </p:txBody>
@@ -4707,7 +4643,9 @@
       <p:sp>
         <p:nvSpPr>
           <p:cNvPr id="52" name="Google Shape;52;p5"/>
-          <p:cNvSpPr txBox="1"/>
+          <p:cNvSpPr txBox="1">
+            <a:spLocks noGrp="1"/>
+          </p:cNvSpPr>
           <p:nvPr>
             <p:ph type="title"/>
           </p:nvPr>
@@ -4722,7 +4660,7 @@
           </a:prstGeom>
         </p:spPr>
         <p:txBody>
-          <a:bodyPr anchorCtr="0" anchor="t" bIns="91425" lIns="91425" spcFirstLastPara="1" rIns="91425" wrap="square" tIns="91425">
+          <a:bodyPr spcFirstLastPara="1" wrap="square" lIns="91425" tIns="91425" rIns="91425" bIns="91425" anchor="t" anchorCtr="0">
             <a:normAutofit/>
           </a:bodyPr>
           <a:lstStyle>
@@ -4826,15 +4764,19 @@
               <a:defRPr sz="2400"/>
             </a:lvl9pPr>
           </a:lstStyle>
-          <a:p/>
+          <a:p>
+            <a:endParaRPr/>
+          </a:p>
         </p:txBody>
       </p:sp>
       <p:sp>
         <p:nvSpPr>
           <p:cNvPr id="53" name="Google Shape;53;p5"/>
-          <p:cNvSpPr txBox="1"/>
+          <p:cNvSpPr txBox="1">
+            <a:spLocks noGrp="1"/>
+          </p:cNvSpPr>
           <p:nvPr>
-            <p:ph idx="1" type="body"/>
+            <p:ph type="body" idx="1"/>
           </p:nvPr>
         </p:nvSpPr>
         <p:spPr>
@@ -4847,11 +4789,11 @@
           </a:prstGeom>
         </p:spPr>
         <p:txBody>
-          <a:bodyPr anchorCtr="0" anchor="t" bIns="91425" lIns="91425" spcFirstLastPara="1" rIns="91425" wrap="square" tIns="91425">
+          <a:bodyPr spcFirstLastPara="1" wrap="square" lIns="91425" tIns="91425" rIns="91425" bIns="91425" anchor="t" anchorCtr="0">
             <a:normAutofit/>
           </a:bodyPr>
           <a:lstStyle>
-            <a:lvl1pPr indent="-311150" lvl="0" marL="457200">
+            <a:lvl1pPr marL="457200" lvl="0" indent="-311150">
               <a:spcBef>
                 <a:spcPts val="0"/>
               </a:spcBef>
@@ -4862,7 +4804,7 @@
               <a:buChar char="●"/>
               <a:defRPr/>
             </a:lvl1pPr>
-            <a:lvl2pPr indent="-298450" lvl="1" marL="914400">
+            <a:lvl2pPr marL="914400" lvl="1" indent="-298450">
               <a:spcBef>
                 <a:spcPts val="0"/>
               </a:spcBef>
@@ -4873,7 +4815,7 @@
               <a:buChar char="○"/>
               <a:defRPr/>
             </a:lvl2pPr>
-            <a:lvl3pPr indent="-298450" lvl="2" marL="1371600">
+            <a:lvl3pPr marL="1371600" lvl="2" indent="-298450">
               <a:spcBef>
                 <a:spcPts val="0"/>
               </a:spcBef>
@@ -4884,7 +4826,7 @@
               <a:buChar char="■"/>
               <a:defRPr/>
             </a:lvl3pPr>
-            <a:lvl4pPr indent="-298450" lvl="3" marL="1828800">
+            <a:lvl4pPr marL="1828800" lvl="3" indent="-298450">
               <a:spcBef>
                 <a:spcPts val="0"/>
               </a:spcBef>
@@ -4895,7 +4837,7 @@
               <a:buChar char="●"/>
               <a:defRPr/>
             </a:lvl4pPr>
-            <a:lvl5pPr indent="-298450" lvl="4" marL="2286000">
+            <a:lvl5pPr marL="2286000" lvl="4" indent="-298450">
               <a:spcBef>
                 <a:spcPts val="0"/>
               </a:spcBef>
@@ -4906,7 +4848,7 @@
               <a:buChar char="○"/>
               <a:defRPr/>
             </a:lvl5pPr>
-            <a:lvl6pPr indent="-298450" lvl="5" marL="2743200">
+            <a:lvl6pPr marL="2743200" lvl="5" indent="-298450">
               <a:spcBef>
                 <a:spcPts val="0"/>
               </a:spcBef>
@@ -4917,7 +4859,7 @@
               <a:buChar char="■"/>
               <a:defRPr/>
             </a:lvl6pPr>
-            <a:lvl7pPr indent="-298450" lvl="6" marL="3200400">
+            <a:lvl7pPr marL="3200400" lvl="6" indent="-298450">
               <a:spcBef>
                 <a:spcPts val="0"/>
               </a:spcBef>
@@ -4928,7 +4870,7 @@
               <a:buChar char="●"/>
               <a:defRPr/>
             </a:lvl7pPr>
-            <a:lvl8pPr indent="-298450" lvl="7" marL="3657600">
+            <a:lvl8pPr marL="3657600" lvl="7" indent="-298450">
               <a:spcBef>
                 <a:spcPts val="0"/>
               </a:spcBef>
@@ -4939,7 +4881,7 @@
               <a:buChar char="○"/>
               <a:defRPr/>
             </a:lvl8pPr>
-            <a:lvl9pPr indent="-298450" lvl="8" marL="4114800">
+            <a:lvl9pPr marL="4114800" lvl="8" indent="-298450">
               <a:spcBef>
                 <a:spcPts val="0"/>
               </a:spcBef>
@@ -4951,15 +4893,19 @@
               <a:defRPr/>
             </a:lvl9pPr>
           </a:lstStyle>
-          <a:p/>
+          <a:p>
+            <a:endParaRPr/>
+          </a:p>
         </p:txBody>
       </p:sp>
       <p:sp>
         <p:nvSpPr>
           <p:cNvPr id="54" name="Google Shape;54;p5"/>
-          <p:cNvSpPr txBox="1"/>
+          <p:cNvSpPr txBox="1">
+            <a:spLocks noGrp="1"/>
+          </p:cNvSpPr>
           <p:nvPr>
-            <p:ph idx="2" type="body"/>
+            <p:ph type="body" idx="2"/>
           </p:nvPr>
         </p:nvSpPr>
         <p:spPr>
@@ -4972,11 +4918,11 @@
           </a:prstGeom>
         </p:spPr>
         <p:txBody>
-          <a:bodyPr anchorCtr="0" anchor="t" bIns="91425" lIns="91425" spcFirstLastPara="1" rIns="91425" wrap="square" tIns="91425">
+          <a:bodyPr spcFirstLastPara="1" wrap="square" lIns="91425" tIns="91425" rIns="91425" bIns="91425" anchor="t" anchorCtr="0">
             <a:normAutofit/>
           </a:bodyPr>
           <a:lstStyle>
-            <a:lvl1pPr indent="-311150" lvl="0" marL="457200">
+            <a:lvl1pPr marL="457200" lvl="0" indent="-311150">
               <a:spcBef>
                 <a:spcPts val="0"/>
               </a:spcBef>
@@ -4987,7 +4933,7 @@
               <a:buChar char="●"/>
               <a:defRPr/>
             </a:lvl1pPr>
-            <a:lvl2pPr indent="-298450" lvl="1" marL="914400">
+            <a:lvl2pPr marL="914400" lvl="1" indent="-298450">
               <a:spcBef>
                 <a:spcPts val="0"/>
               </a:spcBef>
@@ -4998,7 +4944,7 @@
               <a:buChar char="○"/>
               <a:defRPr/>
             </a:lvl2pPr>
-            <a:lvl3pPr indent="-298450" lvl="2" marL="1371600">
+            <a:lvl3pPr marL="1371600" lvl="2" indent="-298450">
               <a:spcBef>
                 <a:spcPts val="0"/>
               </a:spcBef>
@@ -5009,7 +4955,7 @@
               <a:buChar char="■"/>
               <a:defRPr/>
             </a:lvl3pPr>
-            <a:lvl4pPr indent="-298450" lvl="3" marL="1828800">
+            <a:lvl4pPr marL="1828800" lvl="3" indent="-298450">
               <a:spcBef>
                 <a:spcPts val="0"/>
               </a:spcBef>
@@ -5020,7 +4966,7 @@
               <a:buChar char="●"/>
               <a:defRPr/>
             </a:lvl4pPr>
-            <a:lvl5pPr indent="-298450" lvl="4" marL="2286000">
+            <a:lvl5pPr marL="2286000" lvl="4" indent="-298450">
               <a:spcBef>
                 <a:spcPts val="0"/>
               </a:spcBef>
@@ -5031,7 +4977,7 @@
               <a:buChar char="○"/>
               <a:defRPr/>
             </a:lvl5pPr>
-            <a:lvl6pPr indent="-298450" lvl="5" marL="2743200">
+            <a:lvl6pPr marL="2743200" lvl="5" indent="-298450">
               <a:spcBef>
                 <a:spcPts val="0"/>
               </a:spcBef>
@@ -5042,7 +4988,7 @@
               <a:buChar char="■"/>
               <a:defRPr/>
             </a:lvl6pPr>
-            <a:lvl7pPr indent="-298450" lvl="6" marL="3200400">
+            <a:lvl7pPr marL="3200400" lvl="6" indent="-298450">
               <a:spcBef>
                 <a:spcPts val="0"/>
               </a:spcBef>
@@ -5053,7 +4999,7 @@
               <a:buChar char="●"/>
               <a:defRPr/>
             </a:lvl7pPr>
-            <a:lvl8pPr indent="-298450" lvl="7" marL="3657600">
+            <a:lvl8pPr marL="3657600" lvl="7" indent="-298450">
               <a:spcBef>
                 <a:spcPts val="0"/>
               </a:spcBef>
@@ -5064,7 +5010,7 @@
               <a:buChar char="○"/>
               <a:defRPr/>
             </a:lvl8pPr>
-            <a:lvl9pPr indent="-298450" lvl="8" marL="4114800">
+            <a:lvl9pPr marL="4114800" lvl="8" indent="-298450">
               <a:spcBef>
                 <a:spcPts val="0"/>
               </a:spcBef>
@@ -5076,15 +5022,19 @@
               <a:defRPr/>
             </a:lvl9pPr>
           </a:lstStyle>
-          <a:p/>
+          <a:p>
+            <a:endParaRPr/>
+          </a:p>
         </p:txBody>
       </p:sp>
       <p:sp>
         <p:nvSpPr>
           <p:cNvPr id="55" name="Google Shape;55;p5"/>
-          <p:cNvSpPr txBox="1"/>
+          <p:cNvSpPr txBox="1">
+            <a:spLocks noGrp="1"/>
+          </p:cNvSpPr>
           <p:nvPr>
-            <p:ph idx="12" type="sldNum"/>
+            <p:ph type="sldNum" idx="12"/>
           </p:nvPr>
         </p:nvSpPr>
         <p:spPr>
@@ -5097,7 +5047,7 @@
           </a:prstGeom>
         </p:spPr>
         <p:txBody>
-          <a:bodyPr anchorCtr="0" anchor="ctr" bIns="91425" lIns="91425" spcFirstLastPara="1" rIns="91425" wrap="square" tIns="91425">
+          <a:bodyPr spcFirstLastPara="1" wrap="square" lIns="91425" tIns="91425" rIns="91425" bIns="91425" anchor="ctr" anchorCtr="0">
             <a:normAutofit/>
           </a:bodyPr>
           <a:lstStyle>
@@ -5139,7 +5089,7 @@
             </a:lvl9pPr>
           </a:lstStyle>
           <a:p>
-            <a:pPr indent="0" lvl="0" marL="0" rtl="0" algn="r">
+            <a:pPr marL="0" lvl="0" indent="0" algn="r" rtl="0">
               <a:spcBef>
                 <a:spcPts val="0"/>
               </a:spcBef>
@@ -5165,11 +5115,11 @@
 </file>
 
 <file path=ppt/slideLayouts/slideLayout5.xml><?xml version="1.0" encoding="utf-8"?>
-<p:sldLayout xmlns:a="http://schemas.openxmlformats.org/drawingml/2006/main" xmlns:r="http://schemas.openxmlformats.org/officeDocument/2006/relationships" xmlns:mc="http://schemas.openxmlformats.org/markup-compatibility/2006" xmlns:mv="urn:schemas-microsoft-com:mac:vml" xmlns:p="http://schemas.openxmlformats.org/presentationml/2006/main" xmlns:c="http://schemas.openxmlformats.org/drawingml/2006/chart" xmlns:dgm="http://schemas.openxmlformats.org/drawingml/2006/diagram" xmlns:o="urn:schemas-microsoft-com:office:office" xmlns:v="urn:schemas-microsoft-com:vml" xmlns:pvml="urn:schemas-microsoft-com:office:powerpoint" xmlns:com="http://schemas.openxmlformats.org/drawingml/2006/compatibility" xmlns:p14="http://schemas.microsoft.com/office/powerpoint/2010/main" xmlns:p15="http://schemas.microsoft.com/office/powerpoint/2012/main" xmlns:ahyp="http://schemas.microsoft.com/office/drawing/2018/hyperlinkcolor" matchingName="Title only" type="titleOnly">
+<p:sldLayout xmlns:a="http://schemas.openxmlformats.org/drawingml/2006/main" xmlns:r="http://schemas.openxmlformats.org/officeDocument/2006/relationships" xmlns:p="http://schemas.openxmlformats.org/presentationml/2006/main" matchingName="Title only" type="titleOnly">
   <p:cSld name="TITLE_ONLY">
     <p:spTree>
       <p:nvGrpSpPr>
-        <p:cNvPr id="56" name="Shape 56"/>
+        <p:cNvPr id="1" name="Shape 56"/>
         <p:cNvGrpSpPr/>
         <p:nvPr/>
       </p:nvGrpSpPr>
@@ -5208,7 +5158,7 @@
             </a:xfrm>
             <a:prstGeom prst="diagStripe">
               <a:avLst>
-                <a:gd fmla="val 50000" name="adj"/>
+                <a:gd name="adj" fmla="val 50000"/>
               </a:avLst>
             </a:prstGeom>
             <a:solidFill>
@@ -5219,12 +5169,12 @@
             </a:ln>
           </p:spPr>
           <p:txBody>
-            <a:bodyPr anchorCtr="0" anchor="ctr" bIns="91425" lIns="91425" spcFirstLastPara="1" rIns="91425" wrap="square" tIns="91425">
+            <a:bodyPr spcFirstLastPara="1" wrap="square" lIns="91425" tIns="91425" rIns="91425" bIns="91425" anchor="ctr" anchorCtr="0">
               <a:noAutofit/>
             </a:bodyPr>
             <a:lstStyle/>
             <a:p>
-              <a:pPr indent="0" lvl="0" marL="0" rtl="0" algn="l">
+              <a:pPr marL="0" lvl="0" indent="0" algn="l" rtl="0">
                 <a:spcBef>
                   <a:spcPts val="0"/>
                 </a:spcBef>
@@ -5233,9 +5183,6 @@
                 </a:spcAft>
                 <a:buNone/>
               </a:pPr>
-              <a:r>
-                <a:t/>
-              </a:r>
               <a:endParaRPr/>
             </a:p>
           </p:txBody>
@@ -5253,7 +5200,7 @@
             </a:xfrm>
             <a:prstGeom prst="diagStripe">
               <a:avLst>
-                <a:gd fmla="val 50000" name="adj"/>
+                <a:gd name="adj" fmla="val 50000"/>
               </a:avLst>
             </a:prstGeom>
             <a:solidFill>
@@ -5264,12 +5211,12 @@
             </a:ln>
           </p:spPr>
           <p:txBody>
-            <a:bodyPr anchorCtr="0" anchor="ctr" bIns="91425" lIns="91425" spcFirstLastPara="1" rIns="91425" wrap="square" tIns="91425">
+            <a:bodyPr spcFirstLastPara="1" wrap="square" lIns="91425" tIns="91425" rIns="91425" bIns="91425" anchor="ctr" anchorCtr="0">
               <a:noAutofit/>
             </a:bodyPr>
             <a:lstStyle/>
             <a:p>
-              <a:pPr indent="0" lvl="0" marL="0" rtl="0" algn="l">
+              <a:pPr marL="0" lvl="0" indent="0" algn="l" rtl="0">
                 <a:spcBef>
                   <a:spcPts val="0"/>
                 </a:spcBef>
@@ -5278,9 +5225,6 @@
                 </a:spcAft>
                 <a:buNone/>
               </a:pPr>
-              <a:r>
-                <a:t/>
-              </a:r>
               <a:endParaRPr/>
             </a:p>
           </p:txBody>
@@ -5289,7 +5233,9 @@
       <p:sp>
         <p:nvSpPr>
           <p:cNvPr id="60" name="Google Shape;60;p6"/>
-          <p:cNvSpPr txBox="1"/>
+          <p:cNvSpPr txBox="1">
+            <a:spLocks noGrp="1"/>
+          </p:cNvSpPr>
           <p:nvPr>
             <p:ph type="title"/>
           </p:nvPr>
@@ -5304,7 +5250,7 @@
           </a:prstGeom>
         </p:spPr>
         <p:txBody>
-          <a:bodyPr anchorCtr="0" anchor="t" bIns="91425" lIns="91425" spcFirstLastPara="1" rIns="91425" wrap="square" tIns="91425">
+          <a:bodyPr spcFirstLastPara="1" wrap="square" lIns="91425" tIns="91425" rIns="91425" bIns="91425" anchor="t" anchorCtr="0">
             <a:normAutofit/>
           </a:bodyPr>
           <a:lstStyle>
@@ -5408,15 +5354,19 @@
               <a:defRPr sz="2400"/>
             </a:lvl9pPr>
           </a:lstStyle>
-          <a:p/>
+          <a:p>
+            <a:endParaRPr/>
+          </a:p>
         </p:txBody>
       </p:sp>
       <p:sp>
         <p:nvSpPr>
           <p:cNvPr id="61" name="Google Shape;61;p6"/>
-          <p:cNvSpPr txBox="1"/>
+          <p:cNvSpPr txBox="1">
+            <a:spLocks noGrp="1"/>
+          </p:cNvSpPr>
           <p:nvPr>
-            <p:ph idx="12" type="sldNum"/>
+            <p:ph type="sldNum" idx="12"/>
           </p:nvPr>
         </p:nvSpPr>
         <p:spPr>
@@ -5429,7 +5379,7 @@
           </a:prstGeom>
         </p:spPr>
         <p:txBody>
-          <a:bodyPr anchorCtr="0" anchor="ctr" bIns="91425" lIns="91425" spcFirstLastPara="1" rIns="91425" wrap="square" tIns="91425">
+          <a:bodyPr spcFirstLastPara="1" wrap="square" lIns="91425" tIns="91425" rIns="91425" bIns="91425" anchor="ctr" anchorCtr="0">
             <a:normAutofit/>
           </a:bodyPr>
           <a:lstStyle>
@@ -5471,7 +5421,7 @@
             </a:lvl9pPr>
           </a:lstStyle>
           <a:p>
-            <a:pPr indent="0" lvl="0" marL="0" rtl="0" algn="r">
+            <a:pPr marL="0" lvl="0" indent="0" algn="r" rtl="0">
               <a:spcBef>
                 <a:spcPts val="0"/>
               </a:spcBef>
@@ -5497,11 +5447,11 @@
 </file>
 
 <file path=ppt/slideLayouts/slideLayout6.xml><?xml version="1.0" encoding="utf-8"?>
-<p:sldLayout xmlns:a="http://schemas.openxmlformats.org/drawingml/2006/main" xmlns:r="http://schemas.openxmlformats.org/officeDocument/2006/relationships" xmlns:mc="http://schemas.openxmlformats.org/markup-compatibility/2006" xmlns:mv="urn:schemas-microsoft-com:mac:vml" xmlns:p="http://schemas.openxmlformats.org/presentationml/2006/main" xmlns:c="http://schemas.openxmlformats.org/drawingml/2006/chart" xmlns:dgm="http://schemas.openxmlformats.org/drawingml/2006/diagram" xmlns:o="urn:schemas-microsoft-com:office:office" xmlns:v="urn:schemas-microsoft-com:vml" xmlns:pvml="urn:schemas-microsoft-com:office:powerpoint" xmlns:com="http://schemas.openxmlformats.org/drawingml/2006/compatibility" xmlns:p14="http://schemas.microsoft.com/office/powerpoint/2010/main" xmlns:p15="http://schemas.microsoft.com/office/powerpoint/2012/main" xmlns:ahyp="http://schemas.microsoft.com/office/drawing/2018/hyperlinkcolor" matchingName="One column text">
+<p:sldLayout xmlns:a="http://schemas.openxmlformats.org/drawingml/2006/main" xmlns:r="http://schemas.openxmlformats.org/officeDocument/2006/relationships" xmlns:p="http://schemas.openxmlformats.org/presentationml/2006/main" matchingName="One column text">
   <p:cSld name="ONE_COLUMN_TEXT">
     <p:spTree>
       <p:nvGrpSpPr>
-        <p:cNvPr id="62" name="Shape 62"/>
+        <p:cNvPr id="1" name="Shape 62"/>
         <p:cNvGrpSpPr/>
         <p:nvPr/>
       </p:nvGrpSpPr>
@@ -5540,7 +5490,7 @@
             </a:xfrm>
             <a:prstGeom prst="diagStripe">
               <a:avLst>
-                <a:gd fmla="val 50000" name="adj"/>
+                <a:gd name="adj" fmla="val 50000"/>
               </a:avLst>
             </a:prstGeom>
             <a:solidFill>
@@ -5551,12 +5501,12 @@
             </a:ln>
           </p:spPr>
           <p:txBody>
-            <a:bodyPr anchorCtr="0" anchor="ctr" bIns="91425" lIns="91425" spcFirstLastPara="1" rIns="91425" wrap="square" tIns="91425">
+            <a:bodyPr spcFirstLastPara="1" wrap="square" lIns="91425" tIns="91425" rIns="91425" bIns="91425" anchor="ctr" anchorCtr="0">
               <a:noAutofit/>
             </a:bodyPr>
             <a:lstStyle/>
             <a:p>
-              <a:pPr indent="0" lvl="0" marL="0" rtl="0" algn="l">
+              <a:pPr marL="0" lvl="0" indent="0" algn="l" rtl="0">
                 <a:spcBef>
                   <a:spcPts val="0"/>
                 </a:spcBef>
@@ -5565,9 +5515,6 @@
                 </a:spcAft>
                 <a:buNone/>
               </a:pPr>
-              <a:r>
-                <a:t/>
-              </a:r>
               <a:endParaRPr/>
             </a:p>
           </p:txBody>
@@ -5585,7 +5532,7 @@
             </a:xfrm>
             <a:prstGeom prst="diagStripe">
               <a:avLst>
-                <a:gd fmla="val 50000" name="adj"/>
+                <a:gd name="adj" fmla="val 50000"/>
               </a:avLst>
             </a:prstGeom>
             <a:solidFill>
@@ -5596,12 +5543,12 @@
             </a:ln>
           </p:spPr>
           <p:txBody>
-            <a:bodyPr anchorCtr="0" anchor="ctr" bIns="91425" lIns="91425" spcFirstLastPara="1" rIns="91425" wrap="square" tIns="91425">
+            <a:bodyPr spcFirstLastPara="1" wrap="square" lIns="91425" tIns="91425" rIns="91425" bIns="91425" anchor="ctr" anchorCtr="0">
               <a:noAutofit/>
             </a:bodyPr>
             <a:lstStyle/>
             <a:p>
-              <a:pPr indent="0" lvl="0" marL="0" rtl="0" algn="l">
+              <a:pPr marL="0" lvl="0" indent="0" algn="l" rtl="0">
                 <a:spcBef>
                   <a:spcPts val="0"/>
                 </a:spcBef>
@@ -5610,9 +5557,6 @@
                 </a:spcAft>
                 <a:buNone/>
               </a:pPr>
-              <a:r>
-                <a:t/>
-              </a:r>
               <a:endParaRPr/>
             </a:p>
           </p:txBody>
@@ -5621,7 +5565,9 @@
       <p:sp>
         <p:nvSpPr>
           <p:cNvPr id="66" name="Google Shape;66;p7"/>
-          <p:cNvSpPr txBox="1"/>
+          <p:cNvSpPr txBox="1">
+            <a:spLocks noGrp="1"/>
+          </p:cNvSpPr>
           <p:nvPr>
             <p:ph type="title"/>
           </p:nvPr>
@@ -5636,7 +5582,7 @@
           </a:prstGeom>
         </p:spPr>
         <p:txBody>
-          <a:bodyPr anchorCtr="0" anchor="t" bIns="91425" lIns="91425" spcFirstLastPara="1" rIns="91425" wrap="square" tIns="91425">
+          <a:bodyPr spcFirstLastPara="1" wrap="square" lIns="91425" tIns="91425" rIns="91425" bIns="91425" anchor="t" anchorCtr="0">
             <a:normAutofit/>
           </a:bodyPr>
           <a:lstStyle>
@@ -5740,15 +5686,19 @@
               <a:defRPr sz="2400"/>
             </a:lvl9pPr>
           </a:lstStyle>
-          <a:p/>
+          <a:p>
+            <a:endParaRPr/>
+          </a:p>
         </p:txBody>
       </p:sp>
       <p:sp>
         <p:nvSpPr>
           <p:cNvPr id="67" name="Google Shape;67;p7"/>
-          <p:cNvSpPr txBox="1"/>
+          <p:cNvSpPr txBox="1">
+            <a:spLocks noGrp="1"/>
+          </p:cNvSpPr>
           <p:nvPr>
-            <p:ph idx="1" type="body"/>
+            <p:ph type="body" idx="1"/>
           </p:nvPr>
         </p:nvSpPr>
         <p:spPr>
@@ -5761,11 +5711,11 @@
           </a:prstGeom>
         </p:spPr>
         <p:txBody>
-          <a:bodyPr anchorCtr="0" anchor="t" bIns="91425" lIns="91425" spcFirstLastPara="1" rIns="91425" wrap="square" tIns="91425">
+          <a:bodyPr spcFirstLastPara="1" wrap="square" lIns="91425" tIns="91425" rIns="91425" bIns="91425" anchor="t" anchorCtr="0">
             <a:normAutofit/>
           </a:bodyPr>
           <a:lstStyle>
-            <a:lvl1pPr indent="-311150" lvl="0" marL="457200">
+            <a:lvl1pPr marL="457200" lvl="0" indent="-311150">
               <a:spcBef>
                 <a:spcPts val="0"/>
               </a:spcBef>
@@ -5776,7 +5726,7 @@
               <a:buChar char="●"/>
               <a:defRPr/>
             </a:lvl1pPr>
-            <a:lvl2pPr indent="-298450" lvl="1" marL="914400">
+            <a:lvl2pPr marL="914400" lvl="1" indent="-298450">
               <a:spcBef>
                 <a:spcPts val="0"/>
               </a:spcBef>
@@ -5787,7 +5737,7 @@
               <a:buChar char="○"/>
               <a:defRPr/>
             </a:lvl2pPr>
-            <a:lvl3pPr indent="-298450" lvl="2" marL="1371600">
+            <a:lvl3pPr marL="1371600" lvl="2" indent="-298450">
               <a:spcBef>
                 <a:spcPts val="0"/>
               </a:spcBef>
@@ -5798,7 +5748,7 @@
               <a:buChar char="■"/>
               <a:defRPr/>
             </a:lvl3pPr>
-            <a:lvl4pPr indent="-298450" lvl="3" marL="1828800">
+            <a:lvl4pPr marL="1828800" lvl="3" indent="-298450">
               <a:spcBef>
                 <a:spcPts val="0"/>
               </a:spcBef>
@@ -5809,7 +5759,7 @@
               <a:buChar char="●"/>
               <a:defRPr/>
             </a:lvl4pPr>
-            <a:lvl5pPr indent="-298450" lvl="4" marL="2286000">
+            <a:lvl5pPr marL="2286000" lvl="4" indent="-298450">
               <a:spcBef>
                 <a:spcPts val="0"/>
               </a:spcBef>
@@ -5820,7 +5770,7 @@
               <a:buChar char="○"/>
               <a:defRPr/>
             </a:lvl5pPr>
-            <a:lvl6pPr indent="-298450" lvl="5" marL="2743200">
+            <a:lvl6pPr marL="2743200" lvl="5" indent="-298450">
               <a:spcBef>
                 <a:spcPts val="0"/>
               </a:spcBef>
@@ -5831,7 +5781,7 @@
               <a:buChar char="■"/>
               <a:defRPr/>
             </a:lvl6pPr>
-            <a:lvl7pPr indent="-298450" lvl="6" marL="3200400">
+            <a:lvl7pPr marL="3200400" lvl="6" indent="-298450">
               <a:spcBef>
                 <a:spcPts val="0"/>
               </a:spcBef>
@@ -5842,7 +5792,7 @@
               <a:buChar char="●"/>
               <a:defRPr/>
             </a:lvl7pPr>
-            <a:lvl8pPr indent="-298450" lvl="7" marL="3657600">
+            <a:lvl8pPr marL="3657600" lvl="7" indent="-298450">
               <a:spcBef>
                 <a:spcPts val="0"/>
               </a:spcBef>
@@ -5853,7 +5803,7 @@
               <a:buChar char="○"/>
               <a:defRPr/>
             </a:lvl8pPr>
-            <a:lvl9pPr indent="-298450" lvl="8" marL="4114800">
+            <a:lvl9pPr marL="4114800" lvl="8" indent="-298450">
               <a:spcBef>
                 <a:spcPts val="0"/>
               </a:spcBef>
@@ -5865,15 +5815,19 @@
               <a:defRPr/>
             </a:lvl9pPr>
           </a:lstStyle>
-          <a:p/>
+          <a:p>
+            <a:endParaRPr/>
+          </a:p>
         </p:txBody>
       </p:sp>
       <p:sp>
         <p:nvSpPr>
           <p:cNvPr id="68" name="Google Shape;68;p7"/>
-          <p:cNvSpPr txBox="1"/>
+          <p:cNvSpPr txBox="1">
+            <a:spLocks noGrp="1"/>
+          </p:cNvSpPr>
           <p:nvPr>
-            <p:ph idx="12" type="sldNum"/>
+            <p:ph type="sldNum" idx="12"/>
           </p:nvPr>
         </p:nvSpPr>
         <p:spPr>
@@ -5886,7 +5840,7 @@
           </a:prstGeom>
         </p:spPr>
         <p:txBody>
-          <a:bodyPr anchorCtr="0" anchor="ctr" bIns="91425" lIns="91425" spcFirstLastPara="1" rIns="91425" wrap="square" tIns="91425">
+          <a:bodyPr spcFirstLastPara="1" wrap="square" lIns="91425" tIns="91425" rIns="91425" bIns="91425" anchor="ctr" anchorCtr="0">
             <a:normAutofit/>
           </a:bodyPr>
           <a:lstStyle>
@@ -5928,7 +5882,7 @@
             </a:lvl9pPr>
           </a:lstStyle>
           <a:p>
-            <a:pPr indent="0" lvl="0" marL="0" rtl="0" algn="r">
+            <a:pPr marL="0" lvl="0" indent="0" algn="r" rtl="0">
               <a:spcBef>
                 <a:spcPts val="0"/>
               </a:spcBef>
@@ -5954,11 +5908,11 @@
 </file>
 
 <file path=ppt/slideLayouts/slideLayout7.xml><?xml version="1.0" encoding="utf-8"?>
-<p:sldLayout xmlns:a="http://schemas.openxmlformats.org/drawingml/2006/main" xmlns:r="http://schemas.openxmlformats.org/officeDocument/2006/relationships" xmlns:mc="http://schemas.openxmlformats.org/markup-compatibility/2006" xmlns:mv="urn:schemas-microsoft-com:mac:vml" xmlns:p="http://schemas.openxmlformats.org/presentationml/2006/main" xmlns:c="http://schemas.openxmlformats.org/drawingml/2006/chart" xmlns:dgm="http://schemas.openxmlformats.org/drawingml/2006/diagram" xmlns:o="urn:schemas-microsoft-com:office:office" xmlns:v="urn:schemas-microsoft-com:vml" xmlns:pvml="urn:schemas-microsoft-com:office:powerpoint" xmlns:com="http://schemas.openxmlformats.org/drawingml/2006/compatibility" xmlns:p14="http://schemas.microsoft.com/office/powerpoint/2010/main" xmlns:p15="http://schemas.microsoft.com/office/powerpoint/2012/main" xmlns:ahyp="http://schemas.microsoft.com/office/drawing/2018/hyperlinkcolor" matchingName="Main point">
+<p:sldLayout xmlns:a="http://schemas.openxmlformats.org/drawingml/2006/main" xmlns:r="http://schemas.openxmlformats.org/officeDocument/2006/relationships" xmlns:p="http://schemas.openxmlformats.org/presentationml/2006/main" matchingName="Main point">
   <p:cSld name="MAIN_POINT">
     <p:spTree>
       <p:nvGrpSpPr>
-        <p:cNvPr id="69" name="Shape 69"/>
+        <p:cNvPr id="1" name="Shape 69"/>
         <p:cNvGrpSpPr/>
         <p:nvPr/>
       </p:nvGrpSpPr>
@@ -5997,7 +5951,7 @@
             </a:xfrm>
             <a:prstGeom prst="diagStripe">
               <a:avLst>
-                <a:gd fmla="val 49469" name="adj"/>
+                <a:gd name="adj" fmla="val 49469"/>
               </a:avLst>
             </a:prstGeom>
             <a:solidFill>
@@ -6010,12 +5964,12 @@
             </a:ln>
           </p:spPr>
           <p:txBody>
-            <a:bodyPr anchorCtr="0" anchor="ctr" bIns="91425" lIns="91425" spcFirstLastPara="1" rIns="91425" wrap="square" tIns="91425">
+            <a:bodyPr spcFirstLastPara="1" wrap="square" lIns="91425" tIns="91425" rIns="91425" bIns="91425" anchor="ctr" anchorCtr="0">
               <a:noAutofit/>
             </a:bodyPr>
             <a:lstStyle/>
             <a:p>
-              <a:pPr indent="0" lvl="0" marL="0" rtl="0" algn="l">
+              <a:pPr marL="0" lvl="0" indent="0" algn="l" rtl="0">
                 <a:spcBef>
                   <a:spcPts val="0"/>
                 </a:spcBef>
@@ -6024,9 +5978,6 @@
                 </a:spcAft>
                 <a:buNone/>
               </a:pPr>
-              <a:r>
-                <a:t/>
-              </a:r>
               <a:endParaRPr/>
             </a:p>
           </p:txBody>
@@ -6044,7 +5995,7 @@
             </a:xfrm>
             <a:prstGeom prst="diagStripe">
               <a:avLst>
-                <a:gd fmla="val 0" name="adj"/>
+                <a:gd name="adj" fmla="val 0"/>
               </a:avLst>
             </a:prstGeom>
             <a:solidFill>
@@ -6057,12 +6008,12 @@
             </a:ln>
           </p:spPr>
           <p:txBody>
-            <a:bodyPr anchorCtr="0" anchor="ctr" bIns="91425" lIns="91425" spcFirstLastPara="1" rIns="91425" wrap="square" tIns="91425">
+            <a:bodyPr spcFirstLastPara="1" wrap="square" lIns="91425" tIns="91425" rIns="91425" bIns="91425" anchor="ctr" anchorCtr="0">
               <a:noAutofit/>
             </a:bodyPr>
             <a:lstStyle/>
             <a:p>
-              <a:pPr indent="0" lvl="0" marL="0" rtl="0" algn="l">
+              <a:pPr marL="0" lvl="0" indent="0" algn="l" rtl="0">
                 <a:spcBef>
                   <a:spcPts val="0"/>
                 </a:spcBef>
@@ -6071,9 +6022,6 @@
                 </a:spcAft>
                 <a:buNone/>
               </a:pPr>
-              <a:r>
-                <a:t/>
-              </a:r>
               <a:endParaRPr/>
             </a:p>
           </p:txBody>
@@ -6091,7 +6039,7 @@
             </a:xfrm>
             <a:prstGeom prst="diagStripe">
               <a:avLst>
-                <a:gd fmla="val 50000" name="adj"/>
+                <a:gd name="adj" fmla="val 50000"/>
               </a:avLst>
             </a:prstGeom>
             <a:solidFill>
@@ -6104,12 +6052,12 @@
             </a:ln>
           </p:spPr>
           <p:txBody>
-            <a:bodyPr anchorCtr="0" anchor="ctr" bIns="91425" lIns="91425" spcFirstLastPara="1" rIns="91425" wrap="square" tIns="91425">
+            <a:bodyPr spcFirstLastPara="1" wrap="square" lIns="91425" tIns="91425" rIns="91425" bIns="91425" anchor="ctr" anchorCtr="0">
               <a:noAutofit/>
             </a:bodyPr>
             <a:lstStyle/>
             <a:p>
-              <a:pPr indent="0" lvl="0" marL="0" rtl="0" algn="l">
+              <a:pPr marL="0" lvl="0" indent="0" algn="l" rtl="0">
                 <a:spcBef>
                   <a:spcPts val="0"/>
                 </a:spcBef>
@@ -6118,9 +6066,6 @@
                 </a:spcAft>
                 <a:buNone/>
               </a:pPr>
-              <a:r>
-                <a:t/>
-              </a:r>
               <a:endParaRPr/>
             </a:p>
           </p:txBody>
@@ -6138,7 +6083,7 @@
             </a:xfrm>
             <a:prstGeom prst="diagStripe">
               <a:avLst>
-                <a:gd fmla="val 50000" name="adj"/>
+                <a:gd name="adj" fmla="val 50000"/>
               </a:avLst>
             </a:prstGeom>
             <a:solidFill>
@@ -6151,12 +6096,12 @@
             </a:ln>
           </p:spPr>
           <p:txBody>
-            <a:bodyPr anchorCtr="0" anchor="ctr" bIns="91425" lIns="91425" spcFirstLastPara="1" rIns="91425" wrap="square" tIns="91425">
+            <a:bodyPr spcFirstLastPara="1" wrap="square" lIns="91425" tIns="91425" rIns="91425" bIns="91425" anchor="ctr" anchorCtr="0">
               <a:noAutofit/>
             </a:bodyPr>
             <a:lstStyle/>
             <a:p>
-              <a:pPr indent="0" lvl="0" marL="0" rtl="0" algn="l">
+              <a:pPr marL="0" lvl="0" indent="0" algn="l" rtl="0">
                 <a:spcBef>
                   <a:spcPts val="0"/>
                 </a:spcBef>
@@ -6165,9 +6110,6 @@
                 </a:spcAft>
                 <a:buNone/>
               </a:pPr>
-              <a:r>
-                <a:t/>
-              </a:r>
               <a:endParaRPr/>
             </a:p>
           </p:txBody>
@@ -6185,7 +6127,7 @@
             </a:xfrm>
             <a:prstGeom prst="diagStripe">
               <a:avLst>
-                <a:gd fmla="val 50000" name="adj"/>
+                <a:gd name="adj" fmla="val 50000"/>
               </a:avLst>
             </a:prstGeom>
             <a:solidFill>
@@ -6198,12 +6140,12 @@
             </a:ln>
           </p:spPr>
           <p:txBody>
-            <a:bodyPr anchorCtr="0" anchor="ctr" bIns="91425" lIns="91425" spcFirstLastPara="1" rIns="91425" wrap="square" tIns="91425">
+            <a:bodyPr spcFirstLastPara="1" wrap="square" lIns="91425" tIns="91425" rIns="91425" bIns="91425" anchor="ctr" anchorCtr="0">
               <a:noAutofit/>
             </a:bodyPr>
             <a:lstStyle/>
             <a:p>
-              <a:pPr indent="0" lvl="0" marL="0" rtl="0" algn="l">
+              <a:pPr marL="0" lvl="0" indent="0" algn="l" rtl="0">
                 <a:spcBef>
                   <a:spcPts val="0"/>
                 </a:spcBef>
@@ -6212,9 +6154,6 @@
                 </a:spcAft>
                 <a:buNone/>
               </a:pPr>
-              <a:r>
-                <a:t/>
-              </a:r>
               <a:endParaRPr/>
             </a:p>
           </p:txBody>
@@ -6232,7 +6171,7 @@
             </a:xfrm>
             <a:prstGeom prst="diagStripe">
               <a:avLst>
-                <a:gd fmla="val 50000" name="adj"/>
+                <a:gd name="adj" fmla="val 50000"/>
               </a:avLst>
             </a:prstGeom>
             <a:solidFill>
@@ -6245,12 +6184,12 @@
             </a:ln>
           </p:spPr>
           <p:txBody>
-            <a:bodyPr anchorCtr="0" anchor="ctr" bIns="91425" lIns="91425" spcFirstLastPara="1" rIns="91425" wrap="square" tIns="91425">
+            <a:bodyPr spcFirstLastPara="1" wrap="square" lIns="91425" tIns="91425" rIns="91425" bIns="91425" anchor="ctr" anchorCtr="0">
               <a:noAutofit/>
             </a:bodyPr>
             <a:lstStyle/>
             <a:p>
-              <a:pPr indent="0" lvl="0" marL="0" rtl="0" algn="l">
+              <a:pPr marL="0" lvl="0" indent="0" algn="l" rtl="0">
                 <a:spcBef>
                   <a:spcPts val="0"/>
                 </a:spcBef>
@@ -6259,9 +6198,6 @@
                 </a:spcAft>
                 <a:buNone/>
               </a:pPr>
-              <a:r>
-                <a:t/>
-              </a:r>
               <a:endParaRPr/>
             </a:p>
           </p:txBody>
@@ -6279,7 +6215,7 @@
             </a:xfrm>
             <a:prstGeom prst="diagStripe">
               <a:avLst>
-                <a:gd fmla="val 50000" name="adj"/>
+                <a:gd name="adj" fmla="val 50000"/>
               </a:avLst>
             </a:prstGeom>
             <a:solidFill>
@@ -6292,12 +6228,12 @@
             </a:ln>
           </p:spPr>
           <p:txBody>
-            <a:bodyPr anchorCtr="0" anchor="ctr" bIns="91425" lIns="91425" spcFirstLastPara="1" rIns="91425" wrap="square" tIns="91425">
+            <a:bodyPr spcFirstLastPara="1" wrap="square" lIns="91425" tIns="91425" rIns="91425" bIns="91425" anchor="ctr" anchorCtr="0">
               <a:noAutofit/>
             </a:bodyPr>
             <a:lstStyle/>
             <a:p>
-              <a:pPr indent="0" lvl="0" marL="0" rtl="0" algn="l">
+              <a:pPr marL="0" lvl="0" indent="0" algn="l" rtl="0">
                 <a:spcBef>
                   <a:spcPts val="0"/>
                 </a:spcBef>
@@ -6306,9 +6242,6 @@
                 </a:spcAft>
                 <a:buNone/>
               </a:pPr>
-              <a:r>
-                <a:t/>
-              </a:r>
               <a:endParaRPr/>
             </a:p>
           </p:txBody>
@@ -6326,7 +6259,7 @@
             </a:xfrm>
             <a:prstGeom prst="diagStripe">
               <a:avLst>
-                <a:gd fmla="val 50000" name="adj"/>
+                <a:gd name="adj" fmla="val 50000"/>
               </a:avLst>
             </a:prstGeom>
             <a:solidFill>
@@ -6337,12 +6270,12 @@
             </a:ln>
           </p:spPr>
           <p:txBody>
-            <a:bodyPr anchorCtr="0" anchor="ctr" bIns="91425" lIns="91425" spcFirstLastPara="1" rIns="91425" wrap="square" tIns="91425">
+            <a:bodyPr spcFirstLastPara="1" wrap="square" lIns="91425" tIns="91425" rIns="91425" bIns="91425" anchor="ctr" anchorCtr="0">
               <a:noAutofit/>
             </a:bodyPr>
             <a:lstStyle/>
             <a:p>
-              <a:pPr indent="0" lvl="0" marL="0" rtl="0" algn="l">
+              <a:pPr marL="0" lvl="0" indent="0" algn="l" rtl="0">
                 <a:spcBef>
                   <a:spcPts val="0"/>
                 </a:spcBef>
@@ -6351,9 +6284,6 @@
                 </a:spcAft>
                 <a:buNone/>
               </a:pPr>
-              <a:r>
-                <a:t/>
-              </a:r>
               <a:endParaRPr/>
             </a:p>
           </p:txBody>
@@ -6371,7 +6301,7 @@
             </a:xfrm>
             <a:prstGeom prst="diagStripe">
               <a:avLst>
-                <a:gd fmla="val 50000" name="adj"/>
+                <a:gd name="adj" fmla="val 50000"/>
               </a:avLst>
             </a:prstGeom>
             <a:solidFill>
@@ -6384,12 +6314,12 @@
             </a:ln>
           </p:spPr>
           <p:txBody>
-            <a:bodyPr anchorCtr="0" anchor="ctr" bIns="91425" lIns="91425" spcFirstLastPara="1" rIns="91425" wrap="square" tIns="91425">
+            <a:bodyPr spcFirstLastPara="1" wrap="square" lIns="91425" tIns="91425" rIns="91425" bIns="91425" anchor="ctr" anchorCtr="0">
               <a:noAutofit/>
             </a:bodyPr>
             <a:lstStyle/>
             <a:p>
-              <a:pPr indent="0" lvl="0" marL="0" rtl="0" algn="l">
+              <a:pPr marL="0" lvl="0" indent="0" algn="l" rtl="0">
                 <a:spcBef>
                   <a:spcPts val="0"/>
                 </a:spcBef>
@@ -6398,9 +6328,6 @@
                 </a:spcAft>
                 <a:buNone/>
               </a:pPr>
-              <a:r>
-                <a:t/>
-              </a:r>
               <a:endParaRPr/>
             </a:p>
           </p:txBody>
@@ -6418,7 +6345,7 @@
             </a:xfrm>
             <a:prstGeom prst="diagStripe">
               <a:avLst>
-                <a:gd fmla="val 50000" name="adj"/>
+                <a:gd name="adj" fmla="val 50000"/>
               </a:avLst>
             </a:prstGeom>
             <a:solidFill>
@@ -6431,12 +6358,12 @@
             </a:ln>
           </p:spPr>
           <p:txBody>
-            <a:bodyPr anchorCtr="0" anchor="ctr" bIns="91425" lIns="91425" spcFirstLastPara="1" rIns="91425" wrap="square" tIns="91425">
+            <a:bodyPr spcFirstLastPara="1" wrap="square" lIns="91425" tIns="91425" rIns="91425" bIns="91425" anchor="ctr" anchorCtr="0">
               <a:noAutofit/>
             </a:bodyPr>
             <a:lstStyle/>
             <a:p>
-              <a:pPr indent="0" lvl="0" marL="0" rtl="0" algn="l">
+              <a:pPr marL="0" lvl="0" indent="0" algn="l" rtl="0">
                 <a:spcBef>
                   <a:spcPts val="0"/>
                 </a:spcBef>
@@ -6445,9 +6372,6 @@
                 </a:spcAft>
                 <a:buNone/>
               </a:pPr>
-              <a:r>
-                <a:t/>
-              </a:r>
               <a:endParaRPr/>
             </a:p>
           </p:txBody>
@@ -6465,7 +6389,7 @@
             </a:xfrm>
             <a:prstGeom prst="diagStripe">
               <a:avLst>
-                <a:gd fmla="val 50000" name="adj"/>
+                <a:gd name="adj" fmla="val 50000"/>
               </a:avLst>
             </a:prstGeom>
             <a:solidFill>
@@ -6478,12 +6402,12 @@
             </a:ln>
           </p:spPr>
           <p:txBody>
-            <a:bodyPr anchorCtr="0" anchor="ctr" bIns="91425" lIns="91425" spcFirstLastPara="1" rIns="91425" wrap="square" tIns="91425">
+            <a:bodyPr spcFirstLastPara="1" wrap="square" lIns="91425" tIns="91425" rIns="91425" bIns="91425" anchor="ctr" anchorCtr="0">
               <a:noAutofit/>
             </a:bodyPr>
             <a:lstStyle/>
             <a:p>
-              <a:pPr indent="0" lvl="0" marL="0" rtl="0" algn="l">
+              <a:pPr marL="0" lvl="0" indent="0" algn="l" rtl="0">
                 <a:spcBef>
                   <a:spcPts val="0"/>
                 </a:spcBef>
@@ -6492,9 +6416,6 @@
                 </a:spcAft>
                 <a:buNone/>
               </a:pPr>
-              <a:r>
-                <a:t/>
-              </a:r>
               <a:endParaRPr/>
             </a:p>
           </p:txBody>
@@ -6512,7 +6433,7 @@
             </a:xfrm>
             <a:prstGeom prst="diagStripe">
               <a:avLst>
-                <a:gd fmla="val 50000" name="adj"/>
+                <a:gd name="adj" fmla="val 50000"/>
               </a:avLst>
             </a:prstGeom>
             <a:solidFill>
@@ -6525,12 +6446,12 @@
             </a:ln>
           </p:spPr>
           <p:txBody>
-            <a:bodyPr anchorCtr="0" anchor="ctr" bIns="91425" lIns="91425" spcFirstLastPara="1" rIns="91425" wrap="square" tIns="91425">
+            <a:bodyPr spcFirstLastPara="1" wrap="square" lIns="91425" tIns="91425" rIns="91425" bIns="91425" anchor="ctr" anchorCtr="0">
               <a:noAutofit/>
             </a:bodyPr>
             <a:lstStyle/>
             <a:p>
-              <a:pPr indent="0" lvl="0" marL="0" rtl="0" algn="l">
+              <a:pPr marL="0" lvl="0" indent="0" algn="l" rtl="0">
                 <a:spcBef>
                   <a:spcPts val="0"/>
                 </a:spcBef>
@@ -6539,9 +6460,6 @@
                 </a:spcAft>
                 <a:buNone/>
               </a:pPr>
-              <a:r>
-                <a:t/>
-              </a:r>
               <a:endParaRPr/>
             </a:p>
           </p:txBody>
@@ -6559,7 +6477,7 @@
             </a:xfrm>
             <a:prstGeom prst="diagStripe">
               <a:avLst>
-                <a:gd fmla="val 50000" name="adj"/>
+                <a:gd name="adj" fmla="val 50000"/>
               </a:avLst>
             </a:prstGeom>
             <a:solidFill>
@@ -6572,12 +6490,12 @@
             </a:ln>
           </p:spPr>
           <p:txBody>
-            <a:bodyPr anchorCtr="0" anchor="ctr" bIns="91425" lIns="91425" spcFirstLastPara="1" rIns="91425" wrap="square" tIns="91425">
+            <a:bodyPr spcFirstLastPara="1" wrap="square" lIns="91425" tIns="91425" rIns="91425" bIns="91425" anchor="ctr" anchorCtr="0">
               <a:noAutofit/>
             </a:bodyPr>
             <a:lstStyle/>
             <a:p>
-              <a:pPr indent="0" lvl="0" marL="0" rtl="0" algn="l">
+              <a:pPr marL="0" lvl="0" indent="0" algn="l" rtl="0">
                 <a:spcBef>
                   <a:spcPts val="0"/>
                 </a:spcBef>
@@ -6586,9 +6504,6 @@
                 </a:spcAft>
                 <a:buNone/>
               </a:pPr>
-              <a:r>
-                <a:t/>
-              </a:r>
               <a:endParaRPr/>
             </a:p>
           </p:txBody>
@@ -6606,7 +6521,7 @@
             </a:xfrm>
             <a:prstGeom prst="diagStripe">
               <a:avLst>
-                <a:gd fmla="val 50000" name="adj"/>
+                <a:gd name="adj" fmla="val 50000"/>
               </a:avLst>
             </a:prstGeom>
             <a:solidFill>
@@ -6617,12 +6532,12 @@
             </a:ln>
           </p:spPr>
           <p:txBody>
-            <a:bodyPr anchorCtr="0" anchor="ctr" bIns="91425" lIns="91425" spcFirstLastPara="1" rIns="91425" wrap="square" tIns="91425">
+            <a:bodyPr spcFirstLastPara="1" wrap="square" lIns="91425" tIns="91425" rIns="91425" bIns="91425" anchor="ctr" anchorCtr="0">
               <a:noAutofit/>
             </a:bodyPr>
             <a:lstStyle/>
             <a:p>
-              <a:pPr indent="0" lvl="0" marL="0" rtl="0" algn="l">
+              <a:pPr marL="0" lvl="0" indent="0" algn="l" rtl="0">
                 <a:spcBef>
                   <a:spcPts val="0"/>
                 </a:spcBef>
@@ -6631,9 +6546,6 @@
                 </a:spcAft>
                 <a:buNone/>
               </a:pPr>
-              <a:r>
-                <a:t/>
-              </a:r>
               <a:endParaRPr/>
             </a:p>
           </p:txBody>
@@ -6651,7 +6563,7 @@
             </a:xfrm>
             <a:prstGeom prst="diagStripe">
               <a:avLst>
-                <a:gd fmla="val 50000" name="adj"/>
+                <a:gd name="adj" fmla="val 50000"/>
               </a:avLst>
             </a:prstGeom>
             <a:solidFill>
@@ -6664,12 +6576,12 @@
             </a:ln>
           </p:spPr>
           <p:txBody>
-            <a:bodyPr anchorCtr="0" anchor="ctr" bIns="91425" lIns="91425" spcFirstLastPara="1" rIns="91425" wrap="square" tIns="91425">
+            <a:bodyPr spcFirstLastPara="1" wrap="square" lIns="91425" tIns="91425" rIns="91425" bIns="91425" anchor="ctr" anchorCtr="0">
               <a:noAutofit/>
             </a:bodyPr>
             <a:lstStyle/>
             <a:p>
-              <a:pPr indent="0" lvl="0" marL="0" rtl="0" algn="l">
+              <a:pPr marL="0" lvl="0" indent="0" algn="l" rtl="0">
                 <a:spcBef>
                   <a:spcPts val="0"/>
                 </a:spcBef>
@@ -6678,9 +6590,6 @@
                 </a:spcAft>
                 <a:buNone/>
               </a:pPr>
-              <a:r>
-                <a:t/>
-              </a:r>
               <a:endParaRPr/>
             </a:p>
           </p:txBody>
@@ -6698,7 +6607,7 @@
             </a:xfrm>
             <a:prstGeom prst="diagStripe">
               <a:avLst>
-                <a:gd fmla="val 50000" name="adj"/>
+                <a:gd name="adj" fmla="val 50000"/>
               </a:avLst>
             </a:prstGeom>
             <a:solidFill>
@@ -6711,12 +6620,12 @@
             </a:ln>
           </p:spPr>
           <p:txBody>
-            <a:bodyPr anchorCtr="0" anchor="ctr" bIns="91425" lIns="91425" spcFirstLastPara="1" rIns="91425" wrap="square" tIns="91425">
+            <a:bodyPr spcFirstLastPara="1" wrap="square" lIns="91425" tIns="91425" rIns="91425" bIns="91425" anchor="ctr" anchorCtr="0">
               <a:noAutofit/>
             </a:bodyPr>
             <a:lstStyle/>
             <a:p>
-              <a:pPr indent="0" lvl="0" marL="0" rtl="0" algn="l">
+              <a:pPr marL="0" lvl="0" indent="0" algn="l" rtl="0">
                 <a:spcBef>
                   <a:spcPts val="0"/>
                 </a:spcBef>
@@ -6725,9 +6634,6 @@
                 </a:spcAft>
                 <a:buNone/>
               </a:pPr>
-              <a:r>
-                <a:t/>
-              </a:r>
               <a:endParaRPr/>
             </a:p>
           </p:txBody>
@@ -6745,7 +6651,7 @@
             </a:xfrm>
             <a:prstGeom prst="diagStripe">
               <a:avLst>
-                <a:gd fmla="val 50000" name="adj"/>
+                <a:gd name="adj" fmla="val 50000"/>
               </a:avLst>
             </a:prstGeom>
             <a:solidFill>
@@ -6758,12 +6664,12 @@
             </a:ln>
           </p:spPr>
           <p:txBody>
-            <a:bodyPr anchorCtr="0" anchor="ctr" bIns="91425" lIns="91425" spcFirstLastPara="1" rIns="91425" wrap="square" tIns="91425">
+            <a:bodyPr spcFirstLastPara="1" wrap="square" lIns="91425" tIns="91425" rIns="91425" bIns="91425" anchor="ctr" anchorCtr="0">
               <a:noAutofit/>
             </a:bodyPr>
             <a:lstStyle/>
             <a:p>
-              <a:pPr indent="0" lvl="0" marL="0" rtl="0" algn="l">
+              <a:pPr marL="0" lvl="0" indent="0" algn="l" rtl="0">
                 <a:spcBef>
                   <a:spcPts val="0"/>
                 </a:spcBef>
@@ -6772,9 +6678,6 @@
                 </a:spcAft>
                 <a:buNone/>
               </a:pPr>
-              <a:r>
-                <a:t/>
-              </a:r>
               <a:endParaRPr/>
             </a:p>
           </p:txBody>
@@ -6792,7 +6695,7 @@
             </a:xfrm>
             <a:prstGeom prst="diagStripe">
               <a:avLst>
-                <a:gd fmla="val 50000" name="adj"/>
+                <a:gd name="adj" fmla="val 50000"/>
               </a:avLst>
             </a:prstGeom>
             <a:solidFill>
@@ -6805,12 +6708,12 @@
             </a:ln>
           </p:spPr>
           <p:txBody>
-            <a:bodyPr anchorCtr="0" anchor="ctr" bIns="91425" lIns="91425" spcFirstLastPara="1" rIns="91425" wrap="square" tIns="91425">
+            <a:bodyPr spcFirstLastPara="1" wrap="square" lIns="91425" tIns="91425" rIns="91425" bIns="91425" anchor="ctr" anchorCtr="0">
               <a:noAutofit/>
             </a:bodyPr>
             <a:lstStyle/>
             <a:p>
-              <a:pPr indent="0" lvl="0" marL="0" rtl="0" algn="l">
+              <a:pPr marL="0" lvl="0" indent="0" algn="l" rtl="0">
                 <a:spcBef>
                   <a:spcPts val="0"/>
                 </a:spcBef>
@@ -6819,9 +6722,6 @@
                 </a:spcAft>
                 <a:buNone/>
               </a:pPr>
-              <a:r>
-                <a:t/>
-              </a:r>
               <a:endParaRPr/>
             </a:p>
           </p:txBody>
@@ -6830,7 +6730,9 @@
       <p:sp>
         <p:nvSpPr>
           <p:cNvPr id="89" name="Google Shape;89;p8"/>
-          <p:cNvSpPr txBox="1"/>
+          <p:cNvSpPr txBox="1">
+            <a:spLocks noGrp="1"/>
+          </p:cNvSpPr>
           <p:nvPr>
             <p:ph type="title"/>
           </p:nvPr>
@@ -6845,7 +6747,7 @@
           </a:prstGeom>
         </p:spPr>
         <p:txBody>
-          <a:bodyPr anchorCtr="0" anchor="ctr" bIns="91425" lIns="91425" spcFirstLastPara="1" rIns="91425" wrap="square" tIns="91425">
+          <a:bodyPr spcFirstLastPara="1" wrap="square" lIns="91425" tIns="91425" rIns="91425" bIns="91425" anchor="ctr" anchorCtr="0">
             <a:normAutofit/>
           </a:bodyPr>
           <a:lstStyle>
@@ -6949,15 +6851,19 @@
               <a:defRPr/>
             </a:lvl9pPr>
           </a:lstStyle>
-          <a:p/>
+          <a:p>
+            <a:endParaRPr/>
+          </a:p>
         </p:txBody>
       </p:sp>
       <p:sp>
         <p:nvSpPr>
           <p:cNvPr id="90" name="Google Shape;90;p8"/>
-          <p:cNvSpPr txBox="1"/>
+          <p:cNvSpPr txBox="1">
+            <a:spLocks noGrp="1"/>
+          </p:cNvSpPr>
           <p:nvPr>
-            <p:ph idx="12" type="sldNum"/>
+            <p:ph type="sldNum" idx="12"/>
           </p:nvPr>
         </p:nvSpPr>
         <p:spPr>
@@ -6970,7 +6876,7 @@
           </a:prstGeom>
         </p:spPr>
         <p:txBody>
-          <a:bodyPr anchorCtr="0" anchor="ctr" bIns="91425" lIns="91425" spcFirstLastPara="1" rIns="91425" wrap="square" tIns="91425">
+          <a:bodyPr spcFirstLastPara="1" wrap="square" lIns="91425" tIns="91425" rIns="91425" bIns="91425" anchor="ctr" anchorCtr="0">
             <a:normAutofit/>
           </a:bodyPr>
           <a:lstStyle>
@@ -7012,7 +6918,7 @@
             </a:lvl9pPr>
           </a:lstStyle>
           <a:p>
-            <a:pPr indent="0" lvl="0" marL="0" rtl="0" algn="r">
+            <a:pPr marL="0" lvl="0" indent="0" algn="r" rtl="0">
               <a:spcBef>
                 <a:spcPts val="0"/>
               </a:spcBef>
@@ -7038,11 +6944,11 @@
 </file>
 
 <file path=ppt/slideLayouts/slideLayout8.xml><?xml version="1.0" encoding="utf-8"?>
-<p:sldLayout xmlns:a="http://schemas.openxmlformats.org/drawingml/2006/main" xmlns:r="http://schemas.openxmlformats.org/officeDocument/2006/relationships" xmlns:mc="http://schemas.openxmlformats.org/markup-compatibility/2006" xmlns:mv="urn:schemas-microsoft-com:mac:vml" xmlns:p="http://schemas.openxmlformats.org/presentationml/2006/main" xmlns:c="http://schemas.openxmlformats.org/drawingml/2006/chart" xmlns:dgm="http://schemas.openxmlformats.org/drawingml/2006/diagram" xmlns:o="urn:schemas-microsoft-com:office:office" xmlns:v="urn:schemas-microsoft-com:vml" xmlns:pvml="urn:schemas-microsoft-com:office:powerpoint" xmlns:com="http://schemas.openxmlformats.org/drawingml/2006/compatibility" xmlns:p14="http://schemas.microsoft.com/office/powerpoint/2010/main" xmlns:p15="http://schemas.microsoft.com/office/powerpoint/2012/main" xmlns:ahyp="http://schemas.microsoft.com/office/drawing/2018/hyperlinkcolor" matchingName="Section title and description">
+<p:sldLayout xmlns:a="http://schemas.openxmlformats.org/drawingml/2006/main" xmlns:r="http://schemas.openxmlformats.org/officeDocument/2006/relationships" xmlns:p="http://schemas.openxmlformats.org/presentationml/2006/main" matchingName="Section title and description">
   <p:cSld name="SECTION_TITLE_AND_DESCRIPTION">
     <p:spTree>
       <p:nvGrpSpPr>
-        <p:cNvPr id="91" name="Shape 91"/>
+        <p:cNvPr id="1" name="Shape 91"/>
         <p:cNvGrpSpPr/>
         <p:nvPr/>
       </p:nvGrpSpPr>
@@ -7081,7 +6987,7 @@
             </a:xfrm>
             <a:prstGeom prst="diagStripe">
               <a:avLst>
-                <a:gd fmla="val 50000" name="adj"/>
+                <a:gd name="adj" fmla="val 50000"/>
               </a:avLst>
             </a:prstGeom>
             <a:solidFill>
@@ -7092,12 +6998,12 @@
             </a:ln>
           </p:spPr>
           <p:txBody>
-            <a:bodyPr anchorCtr="0" anchor="ctr" bIns="91425" lIns="91425" spcFirstLastPara="1" rIns="91425" wrap="square" tIns="91425">
+            <a:bodyPr spcFirstLastPara="1" wrap="square" lIns="91425" tIns="91425" rIns="91425" bIns="91425" anchor="ctr" anchorCtr="0">
               <a:noAutofit/>
             </a:bodyPr>
             <a:lstStyle/>
             <a:p>
-              <a:pPr indent="0" lvl="0" marL="0" rtl="0" algn="l">
+              <a:pPr marL="0" lvl="0" indent="0" algn="l" rtl="0">
                 <a:spcBef>
                   <a:spcPts val="0"/>
                 </a:spcBef>
@@ -7106,9 +7012,6 @@
                 </a:spcAft>
                 <a:buNone/>
               </a:pPr>
-              <a:r>
-                <a:t/>
-              </a:r>
               <a:endParaRPr/>
             </a:p>
           </p:txBody>
@@ -7126,7 +7029,7 @@
             </a:xfrm>
             <a:prstGeom prst="diagStripe">
               <a:avLst>
-                <a:gd fmla="val 50000" name="adj"/>
+                <a:gd name="adj" fmla="val 50000"/>
               </a:avLst>
             </a:prstGeom>
             <a:solidFill>
@@ -7137,12 +7040,12 @@
             </a:ln>
           </p:spPr>
           <p:txBody>
-            <a:bodyPr anchorCtr="0" anchor="ctr" bIns="91425" lIns="91425" spcFirstLastPara="1" rIns="91425" wrap="square" tIns="91425">
+            <a:bodyPr spcFirstLastPara="1" wrap="square" lIns="91425" tIns="91425" rIns="91425" bIns="91425" anchor="ctr" anchorCtr="0">
               <a:noAutofit/>
             </a:bodyPr>
             <a:lstStyle/>
             <a:p>
-              <a:pPr indent="0" lvl="0" marL="0" rtl="0" algn="l">
+              <a:pPr marL="0" lvl="0" indent="0" algn="l" rtl="0">
                 <a:spcBef>
                   <a:spcPts val="0"/>
                 </a:spcBef>
@@ -7151,9 +7054,6 @@
                 </a:spcAft>
                 <a:buNone/>
               </a:pPr>
-              <a:r>
-                <a:t/>
-              </a:r>
               <a:endParaRPr/>
             </a:p>
           </p:txBody>
@@ -7162,7 +7062,9 @@
       <p:sp>
         <p:nvSpPr>
           <p:cNvPr id="95" name="Google Shape;95;p9"/>
-          <p:cNvSpPr txBox="1"/>
+          <p:cNvSpPr txBox="1">
+            <a:spLocks noGrp="1"/>
+          </p:cNvSpPr>
           <p:nvPr>
             <p:ph type="title"/>
           </p:nvPr>
@@ -7177,7 +7079,7 @@
           </a:prstGeom>
         </p:spPr>
         <p:txBody>
-          <a:bodyPr anchorCtr="0" anchor="t" bIns="91425" lIns="91425" spcFirstLastPara="1" rIns="91425" wrap="square" tIns="91425">
+          <a:bodyPr spcFirstLastPara="1" wrap="square" lIns="91425" tIns="91425" rIns="91425" bIns="91425" anchor="t" anchorCtr="0">
             <a:normAutofit/>
           </a:bodyPr>
           <a:lstStyle>
@@ -7281,15 +7183,19 @@
               <a:defRPr sz="2400"/>
             </a:lvl9pPr>
           </a:lstStyle>
-          <a:p/>
+          <a:p>
+            <a:endParaRPr/>
+          </a:p>
         </p:txBody>
       </p:sp>
       <p:sp>
         <p:nvSpPr>
           <p:cNvPr id="96" name="Google Shape;96;p9"/>
-          <p:cNvSpPr txBox="1"/>
+          <p:cNvSpPr txBox="1">
+            <a:spLocks noGrp="1"/>
+          </p:cNvSpPr>
           <p:nvPr>
-            <p:ph idx="1" type="subTitle"/>
+            <p:ph type="subTitle" idx="1"/>
           </p:nvPr>
         </p:nvSpPr>
         <p:spPr>
@@ -7302,7 +7208,7 @@
           </a:prstGeom>
         </p:spPr>
         <p:txBody>
-          <a:bodyPr anchorCtr="0" anchor="t" bIns="91425" lIns="91425" spcFirstLastPara="1" rIns="91425" wrap="square" tIns="91425">
+          <a:bodyPr spcFirstLastPara="1" wrap="square" lIns="91425" tIns="91425" rIns="91425" bIns="91425" anchor="t" anchorCtr="0">
             <a:normAutofit/>
           </a:bodyPr>
           <a:lstStyle>
@@ -7433,15 +7339,19 @@
               <a:defRPr sz="1300"/>
             </a:lvl9pPr>
           </a:lstStyle>
-          <a:p/>
+          <a:p>
+            <a:endParaRPr/>
+          </a:p>
         </p:txBody>
       </p:sp>
       <p:sp>
         <p:nvSpPr>
           <p:cNvPr id="97" name="Google Shape;97;p9"/>
-          <p:cNvSpPr txBox="1"/>
+          <p:cNvSpPr txBox="1">
+            <a:spLocks noGrp="1"/>
+          </p:cNvSpPr>
           <p:nvPr>
-            <p:ph idx="2" type="body"/>
+            <p:ph type="body" idx="2"/>
           </p:nvPr>
         </p:nvSpPr>
         <p:spPr>
@@ -7454,11 +7364,11 @@
           </a:prstGeom>
         </p:spPr>
         <p:txBody>
-          <a:bodyPr anchorCtr="0" anchor="t" bIns="91425" lIns="91425" spcFirstLastPara="1" rIns="91425" wrap="square" tIns="91425">
+          <a:bodyPr spcFirstLastPara="1" wrap="square" lIns="91425" tIns="91425" rIns="91425" bIns="91425" anchor="t" anchorCtr="0">
             <a:normAutofit/>
           </a:bodyPr>
           <a:lstStyle>
-            <a:lvl1pPr indent="-311150" lvl="0" marL="457200">
+            <a:lvl1pPr marL="457200" lvl="0" indent="-311150">
               <a:spcBef>
                 <a:spcPts val="0"/>
               </a:spcBef>
@@ -7469,7 +7379,7 @@
               <a:buChar char="●"/>
               <a:defRPr/>
             </a:lvl1pPr>
-            <a:lvl2pPr indent="-298450" lvl="1" marL="914400">
+            <a:lvl2pPr marL="914400" lvl="1" indent="-298450">
               <a:spcBef>
                 <a:spcPts val="0"/>
               </a:spcBef>
@@ -7480,7 +7390,7 @@
               <a:buChar char="○"/>
               <a:defRPr/>
             </a:lvl2pPr>
-            <a:lvl3pPr indent="-298450" lvl="2" marL="1371600">
+            <a:lvl3pPr marL="1371600" lvl="2" indent="-298450">
               <a:spcBef>
                 <a:spcPts val="0"/>
               </a:spcBef>
@@ -7491,7 +7401,7 @@
               <a:buChar char="■"/>
               <a:defRPr/>
             </a:lvl3pPr>
-            <a:lvl4pPr indent="-298450" lvl="3" marL="1828800">
+            <a:lvl4pPr marL="1828800" lvl="3" indent="-298450">
               <a:spcBef>
                 <a:spcPts val="0"/>
               </a:spcBef>
@@ -7502,7 +7412,7 @@
               <a:buChar char="●"/>
               <a:defRPr/>
             </a:lvl4pPr>
-            <a:lvl5pPr indent="-298450" lvl="4" marL="2286000">
+            <a:lvl5pPr marL="2286000" lvl="4" indent="-298450">
               <a:spcBef>
                 <a:spcPts val="0"/>
               </a:spcBef>
@@ -7513,7 +7423,7 @@
               <a:buChar char="○"/>
               <a:defRPr/>
             </a:lvl5pPr>
-            <a:lvl6pPr indent="-298450" lvl="5" marL="2743200">
+            <a:lvl6pPr marL="2743200" lvl="5" indent="-298450">
               <a:spcBef>
                 <a:spcPts val="0"/>
               </a:spcBef>
@@ -7524,7 +7434,7 @@
               <a:buChar char="■"/>
               <a:defRPr/>
             </a:lvl6pPr>
-            <a:lvl7pPr indent="-298450" lvl="6" marL="3200400">
+            <a:lvl7pPr marL="3200400" lvl="6" indent="-298450">
               <a:spcBef>
                 <a:spcPts val="0"/>
               </a:spcBef>
@@ -7535,7 +7445,7 @@
               <a:buChar char="●"/>
               <a:defRPr/>
             </a:lvl7pPr>
-            <a:lvl8pPr indent="-298450" lvl="7" marL="3657600">
+            <a:lvl8pPr marL="3657600" lvl="7" indent="-298450">
               <a:spcBef>
                 <a:spcPts val="0"/>
               </a:spcBef>
@@ -7546,7 +7456,7 @@
               <a:buChar char="○"/>
               <a:defRPr/>
             </a:lvl8pPr>
-            <a:lvl9pPr indent="-298450" lvl="8" marL="4114800">
+            <a:lvl9pPr marL="4114800" lvl="8" indent="-298450">
               <a:spcBef>
                 <a:spcPts val="0"/>
               </a:spcBef>
@@ -7558,15 +7468,19 @@
               <a:defRPr/>
             </a:lvl9pPr>
           </a:lstStyle>
-          <a:p/>
+          <a:p>
+            <a:endParaRPr/>
+          </a:p>
         </p:txBody>
       </p:sp>
       <p:sp>
         <p:nvSpPr>
           <p:cNvPr id="98" name="Google Shape;98;p9"/>
-          <p:cNvSpPr txBox="1"/>
+          <p:cNvSpPr txBox="1">
+            <a:spLocks noGrp="1"/>
+          </p:cNvSpPr>
           <p:nvPr>
-            <p:ph idx="12" type="sldNum"/>
+            <p:ph type="sldNum" idx="12"/>
           </p:nvPr>
         </p:nvSpPr>
         <p:spPr>
@@ -7579,7 +7493,7 @@
           </a:prstGeom>
         </p:spPr>
         <p:txBody>
-          <a:bodyPr anchorCtr="0" anchor="ctr" bIns="91425" lIns="91425" spcFirstLastPara="1" rIns="91425" wrap="square" tIns="91425">
+          <a:bodyPr spcFirstLastPara="1" wrap="square" lIns="91425" tIns="91425" rIns="91425" bIns="91425" anchor="ctr" anchorCtr="0">
             <a:normAutofit/>
           </a:bodyPr>
           <a:lstStyle>
@@ -7621,7 +7535,7 @@
             </a:lvl9pPr>
           </a:lstStyle>
           <a:p>
-            <a:pPr indent="0" lvl="0" marL="0" rtl="0" algn="r">
+            <a:pPr marL="0" lvl="0" indent="0" algn="r" rtl="0">
               <a:spcBef>
                 <a:spcPts val="0"/>
               </a:spcBef>
@@ -7647,11 +7561,11 @@
 </file>
 
 <file path=ppt/slideLayouts/slideLayout9.xml><?xml version="1.0" encoding="utf-8"?>
-<p:sldLayout xmlns:a="http://schemas.openxmlformats.org/drawingml/2006/main" xmlns:r="http://schemas.openxmlformats.org/officeDocument/2006/relationships" xmlns:mc="http://schemas.openxmlformats.org/markup-compatibility/2006" xmlns:mv="urn:schemas-microsoft-com:mac:vml" xmlns:p="http://schemas.openxmlformats.org/presentationml/2006/main" xmlns:c="http://schemas.openxmlformats.org/drawingml/2006/chart" xmlns:dgm="http://schemas.openxmlformats.org/drawingml/2006/diagram" xmlns:o="urn:schemas-microsoft-com:office:office" xmlns:v="urn:schemas-microsoft-com:vml" xmlns:pvml="urn:schemas-microsoft-com:office:powerpoint" xmlns:com="http://schemas.openxmlformats.org/drawingml/2006/compatibility" xmlns:p14="http://schemas.microsoft.com/office/powerpoint/2010/main" xmlns:p15="http://schemas.microsoft.com/office/powerpoint/2012/main" xmlns:ahyp="http://schemas.microsoft.com/office/drawing/2018/hyperlinkcolor" matchingName="Caption">
+<p:sldLayout xmlns:a="http://schemas.openxmlformats.org/drawingml/2006/main" xmlns:r="http://schemas.openxmlformats.org/officeDocument/2006/relationships" xmlns:p="http://schemas.openxmlformats.org/presentationml/2006/main" matchingName="Caption">
   <p:cSld name="CAPTION_ONLY">
     <p:spTree>
       <p:nvGrpSpPr>
-        <p:cNvPr id="99" name="Shape 99"/>
+        <p:cNvPr id="1" name="Shape 99"/>
         <p:cNvGrpSpPr/>
         <p:nvPr/>
       </p:nvGrpSpPr>
@@ -7690,7 +7604,7 @@
             </a:xfrm>
             <a:prstGeom prst="diagStripe">
               <a:avLst>
-                <a:gd fmla="val 50000" name="adj"/>
+                <a:gd name="adj" fmla="val 50000"/>
               </a:avLst>
             </a:prstGeom>
             <a:solidFill>
@@ -7703,12 +7617,12 @@
             </a:ln>
           </p:spPr>
           <p:txBody>
-            <a:bodyPr anchorCtr="0" anchor="ctr" bIns="91425" lIns="91425" spcFirstLastPara="1" rIns="91425" wrap="square" tIns="91425">
+            <a:bodyPr spcFirstLastPara="1" wrap="square" lIns="91425" tIns="91425" rIns="91425" bIns="91425" anchor="ctr" anchorCtr="0">
               <a:noAutofit/>
             </a:bodyPr>
             <a:lstStyle/>
             <a:p>
-              <a:pPr indent="0" lvl="0" marL="0" rtl="0" algn="l">
+              <a:pPr marL="0" lvl="0" indent="0" algn="l" rtl="0">
                 <a:spcBef>
                   <a:spcPts val="0"/>
                 </a:spcBef>
@@ -7717,9 +7631,6 @@
                 </a:spcAft>
                 <a:buNone/>
               </a:pPr>
-              <a:r>
-                <a:t/>
-              </a:r>
               <a:endParaRPr/>
             </a:p>
           </p:txBody>
@@ -7737,7 +7648,7 @@
             </a:xfrm>
             <a:prstGeom prst="diagStripe">
               <a:avLst>
-                <a:gd fmla="val 50000" name="adj"/>
+                <a:gd name="adj" fmla="val 50000"/>
               </a:avLst>
             </a:prstGeom>
             <a:solidFill>
@@ -7750,12 +7661,12 @@
             </a:ln>
           </p:spPr>
           <p:txBody>
-            <a:bodyPr anchorCtr="0" anchor="ctr" bIns="91425" lIns="91425" spcFirstLastPara="1" rIns="91425" wrap="square" tIns="91425">
+            <a:bodyPr spcFirstLastPara="1" wrap="square" lIns="91425" tIns="91425" rIns="91425" bIns="91425" anchor="ctr" anchorCtr="0">
               <a:noAutofit/>
             </a:bodyPr>
             <a:lstStyle/>
             <a:p>
-              <a:pPr indent="0" lvl="0" marL="0" rtl="0" algn="l">
+              <a:pPr marL="0" lvl="0" indent="0" algn="l" rtl="0">
                 <a:spcBef>
                   <a:spcPts val="0"/>
                 </a:spcBef>
@@ -7764,9 +7675,6 @@
                 </a:spcAft>
                 <a:buNone/>
               </a:pPr>
-              <a:r>
-                <a:t/>
-              </a:r>
               <a:endParaRPr/>
             </a:p>
           </p:txBody>
@@ -7775,9 +7683,11 @@
       <p:sp>
         <p:nvSpPr>
           <p:cNvPr id="103" name="Google Shape;103;p10"/>
-          <p:cNvSpPr txBox="1"/>
+          <p:cNvSpPr txBox="1">
+            <a:spLocks noGrp="1"/>
+          </p:cNvSpPr>
           <p:nvPr>
-            <p:ph idx="1" type="body"/>
+            <p:ph type="body" idx="1"/>
           </p:nvPr>
         </p:nvSpPr>
         <p:spPr>
@@ -7790,11 +7700,11 @@
           </a:prstGeom>
         </p:spPr>
         <p:txBody>
-          <a:bodyPr anchorCtr="0" anchor="ctr" bIns="91425" lIns="91425" spcFirstLastPara="1" rIns="91425" wrap="square" tIns="91425">
+          <a:bodyPr spcFirstLastPara="1" wrap="square" lIns="91425" tIns="91425" rIns="91425" bIns="91425" anchor="ctr" anchorCtr="0">
             <a:normAutofit/>
           </a:bodyPr>
           <a:lstStyle>
-            <a:lvl1pPr indent="-228600" lvl="0" marL="457200">
+            <a:lvl1pPr marL="457200" lvl="0" indent="-228600">
               <a:lnSpc>
                 <a:spcPct val="100000"/>
               </a:lnSpc>
@@ -7809,15 +7719,19 @@
               <a:defRPr/>
             </a:lvl1pPr>
           </a:lstStyle>
-          <a:p/>
+          <a:p>
+            <a:endParaRPr/>
+          </a:p>
         </p:txBody>
       </p:sp>
       <p:sp>
         <p:nvSpPr>
           <p:cNvPr id="104" name="Google Shape;104;p10"/>
-          <p:cNvSpPr txBox="1"/>
+          <p:cNvSpPr txBox="1">
+            <a:spLocks noGrp="1"/>
+          </p:cNvSpPr>
           <p:nvPr>
-            <p:ph idx="12" type="sldNum"/>
+            <p:ph type="sldNum" idx="12"/>
           </p:nvPr>
         </p:nvSpPr>
         <p:spPr>
@@ -7830,7 +7744,7 @@
           </a:prstGeom>
         </p:spPr>
         <p:txBody>
-          <a:bodyPr anchorCtr="0" anchor="ctr" bIns="91425" lIns="91425" spcFirstLastPara="1" rIns="91425" wrap="square" tIns="91425">
+          <a:bodyPr spcFirstLastPara="1" wrap="square" lIns="91425" tIns="91425" rIns="91425" bIns="91425" anchor="ctr" anchorCtr="0">
             <a:normAutofit/>
           </a:bodyPr>
           <a:lstStyle>
@@ -7872,7 +7786,7 @@
             </a:lvl9pPr>
           </a:lstStyle>
           <a:p>
-            <a:pPr indent="0" lvl="0" marL="0" rtl="0" algn="r">
+            <a:pPr marL="0" lvl="0" indent="0" algn="r" rtl="0">
               <a:spcBef>
                 <a:spcPts val="0"/>
               </a:spcBef>
@@ -7898,18 +7812,19 @@
 </file>
 
 <file path=ppt/slideMasters/slideMaster1.xml><?xml version="1.0" encoding="utf-8"?>
-<p:sldMaster xmlns:a="http://schemas.openxmlformats.org/drawingml/2006/main" xmlns:r="http://schemas.openxmlformats.org/officeDocument/2006/relationships" xmlns:mc="http://schemas.openxmlformats.org/markup-compatibility/2006" xmlns:mv="urn:schemas-microsoft-com:mac:vml" xmlns:p="http://schemas.openxmlformats.org/presentationml/2006/main" xmlns:c="http://schemas.openxmlformats.org/drawingml/2006/chart" xmlns:dgm="http://schemas.openxmlformats.org/drawingml/2006/diagram" xmlns:o="urn:schemas-microsoft-com:office:office" xmlns:v="urn:schemas-microsoft-com:vml" xmlns:pvml="urn:schemas-microsoft-com:office:powerpoint" xmlns:com="http://schemas.openxmlformats.org/drawingml/2006/compatibility" xmlns:p14="http://schemas.microsoft.com/office/powerpoint/2010/main" xmlns:p15="http://schemas.microsoft.com/office/powerpoint/2012/main" xmlns:ahyp="http://schemas.microsoft.com/office/drawing/2018/hyperlinkcolor">
+<p:sldMaster xmlns:a="http://schemas.openxmlformats.org/drawingml/2006/main" xmlns:r="http://schemas.openxmlformats.org/officeDocument/2006/relationships" xmlns:p="http://schemas.openxmlformats.org/presentationml/2006/main">
   <p:cSld name="focus">
     <p:bg>
       <p:bgPr>
         <a:solidFill>
           <a:schemeClr val="dk1"/>
         </a:solidFill>
+        <a:effectLst/>
       </p:bgPr>
     </p:bg>
     <p:spTree>
       <p:nvGrpSpPr>
-        <p:cNvPr id="5" name="Shape 5"/>
+        <p:cNvPr id="1" name="Shape 5"/>
         <p:cNvGrpSpPr/>
         <p:nvPr/>
       </p:nvGrpSpPr>
@@ -7924,7 +7839,9 @@
       <p:sp>
         <p:nvSpPr>
           <p:cNvPr id="6" name="Google Shape;6;p1"/>
-          <p:cNvSpPr txBox="1"/>
+          <p:cNvSpPr txBox="1">
+            <a:spLocks noGrp="1"/>
+          </p:cNvSpPr>
           <p:nvPr>
             <p:ph type="title"/>
           </p:nvPr>
@@ -7943,7 +7860,7 @@
           </a:ln>
         </p:spPr>
         <p:txBody>
-          <a:bodyPr anchorCtr="0" anchor="t" bIns="91425" lIns="91425" spcFirstLastPara="1" rIns="91425" wrap="square" tIns="91425">
+          <a:bodyPr spcFirstLastPara="1" wrap="square" lIns="91425" tIns="91425" rIns="91425" bIns="91425" anchor="t" anchorCtr="0">
             <a:normAutofit/>
           </a:bodyPr>
           <a:lstStyle>
@@ -8155,15 +8072,19 @@
               </a:defRPr>
             </a:lvl9pPr>
           </a:lstStyle>
-          <a:p/>
+          <a:p>
+            <a:endParaRPr/>
+          </a:p>
         </p:txBody>
       </p:sp>
       <p:sp>
         <p:nvSpPr>
           <p:cNvPr id="7" name="Google Shape;7;p1"/>
-          <p:cNvSpPr txBox="1"/>
+          <p:cNvSpPr txBox="1">
+            <a:spLocks noGrp="1"/>
+          </p:cNvSpPr>
           <p:nvPr>
-            <p:ph idx="1" type="body"/>
+            <p:ph type="body" idx="1"/>
           </p:nvPr>
         </p:nvSpPr>
         <p:spPr>
@@ -8180,11 +8101,11 @@
           </a:ln>
         </p:spPr>
         <p:txBody>
-          <a:bodyPr anchorCtr="0" anchor="t" bIns="91425" lIns="91425" spcFirstLastPara="1" rIns="91425" wrap="square" tIns="91425">
+          <a:bodyPr spcFirstLastPara="1" wrap="square" lIns="91425" tIns="91425" rIns="91425" bIns="91425" anchor="t" anchorCtr="0">
             <a:normAutofit/>
           </a:bodyPr>
           <a:lstStyle>
-            <a:lvl1pPr indent="-311150" lvl="0" marL="457200">
+            <a:lvl1pPr marL="457200" lvl="0" indent="-311150">
               <a:lnSpc>
                 <a:spcPct val="115000"/>
               </a:lnSpc>
@@ -8210,7 +8131,7 @@
                 <a:sym typeface="Lato"/>
               </a:defRPr>
             </a:lvl1pPr>
-            <a:lvl2pPr indent="-298450" lvl="1" marL="914400">
+            <a:lvl2pPr marL="914400" lvl="1" indent="-298450">
               <a:lnSpc>
                 <a:spcPct val="115000"/>
               </a:lnSpc>
@@ -8236,7 +8157,7 @@
                 <a:sym typeface="Lato"/>
               </a:defRPr>
             </a:lvl2pPr>
-            <a:lvl3pPr indent="-298450" lvl="2" marL="1371600">
+            <a:lvl3pPr marL="1371600" lvl="2" indent="-298450">
               <a:lnSpc>
                 <a:spcPct val="115000"/>
               </a:lnSpc>
@@ -8262,7 +8183,7 @@
                 <a:sym typeface="Lato"/>
               </a:defRPr>
             </a:lvl3pPr>
-            <a:lvl4pPr indent="-298450" lvl="3" marL="1828800">
+            <a:lvl4pPr marL="1828800" lvl="3" indent="-298450">
               <a:lnSpc>
                 <a:spcPct val="115000"/>
               </a:lnSpc>
@@ -8288,7 +8209,7 @@
                 <a:sym typeface="Lato"/>
               </a:defRPr>
             </a:lvl4pPr>
-            <a:lvl5pPr indent="-298450" lvl="4" marL="2286000">
+            <a:lvl5pPr marL="2286000" lvl="4" indent="-298450">
               <a:lnSpc>
                 <a:spcPct val="115000"/>
               </a:lnSpc>
@@ -8314,7 +8235,7 @@
                 <a:sym typeface="Lato"/>
               </a:defRPr>
             </a:lvl5pPr>
-            <a:lvl6pPr indent="-298450" lvl="5" marL="2743200">
+            <a:lvl6pPr marL="2743200" lvl="5" indent="-298450">
               <a:lnSpc>
                 <a:spcPct val="115000"/>
               </a:lnSpc>
@@ -8340,7 +8261,7 @@
                 <a:sym typeface="Lato"/>
               </a:defRPr>
             </a:lvl6pPr>
-            <a:lvl7pPr indent="-298450" lvl="6" marL="3200400">
+            <a:lvl7pPr marL="3200400" lvl="6" indent="-298450">
               <a:lnSpc>
                 <a:spcPct val="115000"/>
               </a:lnSpc>
@@ -8366,7 +8287,7 @@
                 <a:sym typeface="Lato"/>
               </a:defRPr>
             </a:lvl7pPr>
-            <a:lvl8pPr indent="-298450" lvl="7" marL="3657600">
+            <a:lvl8pPr marL="3657600" lvl="7" indent="-298450">
               <a:lnSpc>
                 <a:spcPct val="115000"/>
               </a:lnSpc>
@@ -8392,7 +8313,7 @@
                 <a:sym typeface="Lato"/>
               </a:defRPr>
             </a:lvl8pPr>
-            <a:lvl9pPr indent="-298450" lvl="8" marL="4114800">
+            <a:lvl9pPr marL="4114800" lvl="8" indent="-298450">
               <a:lnSpc>
                 <a:spcPct val="115000"/>
               </a:lnSpc>
@@ -8419,15 +8340,19 @@
               </a:defRPr>
             </a:lvl9pPr>
           </a:lstStyle>
-          <a:p/>
+          <a:p>
+            <a:endParaRPr/>
+          </a:p>
         </p:txBody>
       </p:sp>
       <p:sp>
         <p:nvSpPr>
           <p:cNvPr id="8" name="Google Shape;8;p1"/>
-          <p:cNvSpPr txBox="1"/>
+          <p:cNvSpPr txBox="1">
+            <a:spLocks noGrp="1"/>
+          </p:cNvSpPr>
           <p:nvPr>
-            <p:ph idx="12" type="sldNum"/>
+            <p:ph type="sldNum" idx="12"/>
           </p:nvPr>
         </p:nvSpPr>
         <p:spPr>
@@ -8444,7 +8369,7 @@
           </a:ln>
         </p:spPr>
         <p:txBody>
-          <a:bodyPr anchorCtr="0" anchor="ctr" bIns="91425" lIns="91425" spcFirstLastPara="1" rIns="91425" wrap="square" tIns="91425">
+          <a:bodyPr spcFirstLastPara="1" wrap="square" lIns="91425" tIns="91425" rIns="91425" bIns="91425" anchor="ctr" anchorCtr="0">
             <a:normAutofit/>
           </a:bodyPr>
           <a:lstStyle>
@@ -8558,7 +8483,7 @@
             </a:lvl9pPr>
           </a:lstStyle>
           <a:p>
-            <a:pPr indent="0" lvl="0" marL="0" rtl="0" algn="r">
+            <a:pPr marL="0" lvl="0" indent="0" algn="r" rtl="0">
               <a:spcBef>
                 <a:spcPts val="0"/>
               </a:spcBef>
@@ -8577,7 +8502,7 @@
       </p:sp>
     </p:spTree>
   </p:cSld>
-  <p:clrMap accent1="accent1" accent2="accent2" accent3="accent3" accent4="accent4" accent5="accent5" accent6="accent6" bg1="lt1" bg2="dk2" tx1="dk1" tx2="lt2" folHlink="folHlink" hlink="hlink"/>
+  <p:clrMap bg1="lt1" tx1="dk1" bg2="dk2" tx2="lt2" accent1="accent1" accent2="accent2" accent3="accent3" accent4="accent4" accent5="accent5" accent6="accent6" hlink="hlink" folHlink="folHlink"/>
   <p:sldLayoutIdLst>
     <p:sldLayoutId id="2147483648" r:id="rId1"/>
     <p:sldLayoutId id="2147483649" r:id="rId2"/>
@@ -8591,10 +8516,10 @@
     <p:sldLayoutId id="2147483657" r:id="rId10"/>
     <p:sldLayoutId id="2147483658" r:id="rId11"/>
   </p:sldLayoutIdLst>
-  <p:hf dt="0" ftr="0" hdr="0" sldNum="0"/>
+  <p:hf sldNum="0" hdr="0" ftr="0" dt="0"/>
   <p:txStyles>
     <p:titleStyle>
-      <a:defPPr lvl="0" marR="0" rtl="0" algn="l">
+      <a:defPPr marR="0" lvl="0" algn="l" rtl="0">
         <a:lnSpc>
           <a:spcPct val="100000"/>
         </a:lnSpc>
@@ -8605,7 +8530,7 @@
           <a:spcPts val="0"/>
         </a:spcAft>
       </a:defPPr>
-      <a:lvl1pPr lvl="0" marR="0" rtl="0" algn="l">
+      <a:lvl1pPr marR="0" lvl="0" algn="l" rtl="0">
         <a:lnSpc>
           <a:spcPct val="100000"/>
         </a:lnSpc>
@@ -8619,7 +8544,7 @@
           <a:srgbClr val="000000"/>
         </a:buClr>
         <a:buFont typeface="Arial"/>
-        <a:defRPr b="0" i="0" sz="1400" u="none" cap="none" strike="noStrike">
+        <a:defRPr sz="1400" b="0" i="0" u="none" strike="noStrike" cap="none">
           <a:solidFill>
             <a:srgbClr val="000000"/>
           </a:solidFill>
@@ -8629,7 +8554,7 @@
           <a:sym typeface="Arial"/>
         </a:defRPr>
       </a:lvl1pPr>
-      <a:lvl2pPr lvl="1" marR="0" rtl="0" algn="l">
+      <a:lvl2pPr marR="0" lvl="1" algn="l" rtl="0">
         <a:lnSpc>
           <a:spcPct val="100000"/>
         </a:lnSpc>
@@ -8643,7 +8568,7 @@
           <a:srgbClr val="000000"/>
         </a:buClr>
         <a:buFont typeface="Arial"/>
-        <a:defRPr b="0" i="0" sz="1400" u="none" cap="none" strike="noStrike">
+        <a:defRPr sz="1400" b="0" i="0" u="none" strike="noStrike" cap="none">
           <a:solidFill>
             <a:srgbClr val="000000"/>
           </a:solidFill>
@@ -8653,7 +8578,7 @@
           <a:sym typeface="Arial"/>
         </a:defRPr>
       </a:lvl2pPr>
-      <a:lvl3pPr lvl="2" marR="0" rtl="0" algn="l">
+      <a:lvl3pPr marR="0" lvl="2" algn="l" rtl="0">
         <a:lnSpc>
           <a:spcPct val="100000"/>
         </a:lnSpc>
@@ -8667,7 +8592,7 @@
           <a:srgbClr val="000000"/>
         </a:buClr>
         <a:buFont typeface="Arial"/>
-        <a:defRPr b="0" i="0" sz="1400" u="none" cap="none" strike="noStrike">
+        <a:defRPr sz="1400" b="0" i="0" u="none" strike="noStrike" cap="none">
           <a:solidFill>
             <a:srgbClr val="000000"/>
           </a:solidFill>
@@ -8677,7 +8602,7 @@
           <a:sym typeface="Arial"/>
         </a:defRPr>
       </a:lvl3pPr>
-      <a:lvl4pPr lvl="3" marR="0" rtl="0" algn="l">
+      <a:lvl4pPr marR="0" lvl="3" algn="l" rtl="0">
         <a:lnSpc>
           <a:spcPct val="100000"/>
         </a:lnSpc>
@@ -8691,7 +8616,7 @@
           <a:srgbClr val="000000"/>
         </a:buClr>
         <a:buFont typeface="Arial"/>
-        <a:defRPr b="0" i="0" sz="1400" u="none" cap="none" strike="noStrike">
+        <a:defRPr sz="1400" b="0" i="0" u="none" strike="noStrike" cap="none">
           <a:solidFill>
             <a:srgbClr val="000000"/>
           </a:solidFill>
@@ -8701,7 +8626,7 @@
           <a:sym typeface="Arial"/>
         </a:defRPr>
       </a:lvl4pPr>
-      <a:lvl5pPr lvl="4" marR="0" rtl="0" algn="l">
+      <a:lvl5pPr marR="0" lvl="4" algn="l" rtl="0">
         <a:lnSpc>
           <a:spcPct val="100000"/>
         </a:lnSpc>
@@ -8715,7 +8640,7 @@
           <a:srgbClr val="000000"/>
         </a:buClr>
         <a:buFont typeface="Arial"/>
-        <a:defRPr b="0" i="0" sz="1400" u="none" cap="none" strike="noStrike">
+        <a:defRPr sz="1400" b="0" i="0" u="none" strike="noStrike" cap="none">
           <a:solidFill>
             <a:srgbClr val="000000"/>
           </a:solidFill>
@@ -8725,7 +8650,7 @@
           <a:sym typeface="Arial"/>
         </a:defRPr>
       </a:lvl5pPr>
-      <a:lvl6pPr lvl="5" marR="0" rtl="0" algn="l">
+      <a:lvl6pPr marR="0" lvl="5" algn="l" rtl="0">
         <a:lnSpc>
           <a:spcPct val="100000"/>
         </a:lnSpc>
@@ -8739,7 +8664,7 @@
           <a:srgbClr val="000000"/>
         </a:buClr>
         <a:buFont typeface="Arial"/>
-        <a:defRPr b="0" i="0" sz="1400" u="none" cap="none" strike="noStrike">
+        <a:defRPr sz="1400" b="0" i="0" u="none" strike="noStrike" cap="none">
           <a:solidFill>
             <a:srgbClr val="000000"/>
           </a:solidFill>
@@ -8749,7 +8674,7 @@
           <a:sym typeface="Arial"/>
         </a:defRPr>
       </a:lvl6pPr>
-      <a:lvl7pPr lvl="6" marR="0" rtl="0" algn="l">
+      <a:lvl7pPr marR="0" lvl="6" algn="l" rtl="0">
         <a:lnSpc>
           <a:spcPct val="100000"/>
         </a:lnSpc>
@@ -8763,7 +8688,7 @@
           <a:srgbClr val="000000"/>
         </a:buClr>
         <a:buFont typeface="Arial"/>
-        <a:defRPr b="0" i="0" sz="1400" u="none" cap="none" strike="noStrike">
+        <a:defRPr sz="1400" b="0" i="0" u="none" strike="noStrike" cap="none">
           <a:solidFill>
             <a:srgbClr val="000000"/>
           </a:solidFill>
@@ -8773,7 +8698,7 @@
           <a:sym typeface="Arial"/>
         </a:defRPr>
       </a:lvl7pPr>
-      <a:lvl8pPr lvl="7" marR="0" rtl="0" algn="l">
+      <a:lvl8pPr marR="0" lvl="7" algn="l" rtl="0">
         <a:lnSpc>
           <a:spcPct val="100000"/>
         </a:lnSpc>
@@ -8787,7 +8712,7 @@
           <a:srgbClr val="000000"/>
         </a:buClr>
         <a:buFont typeface="Arial"/>
-        <a:defRPr b="0" i="0" sz="1400" u="none" cap="none" strike="noStrike">
+        <a:defRPr sz="1400" b="0" i="0" u="none" strike="noStrike" cap="none">
           <a:solidFill>
             <a:srgbClr val="000000"/>
           </a:solidFill>
@@ -8797,7 +8722,7 @@
           <a:sym typeface="Arial"/>
         </a:defRPr>
       </a:lvl8pPr>
-      <a:lvl9pPr lvl="8" marR="0" rtl="0" algn="l">
+      <a:lvl9pPr marR="0" lvl="8" algn="l" rtl="0">
         <a:lnSpc>
           <a:spcPct val="100000"/>
         </a:lnSpc>
@@ -8811,7 +8736,7 @@
           <a:srgbClr val="000000"/>
         </a:buClr>
         <a:buFont typeface="Arial"/>
-        <a:defRPr b="0" i="0" sz="1400" u="none" cap="none" strike="noStrike">
+        <a:defRPr sz="1400" b="0" i="0" u="none" strike="noStrike" cap="none">
           <a:solidFill>
             <a:srgbClr val="000000"/>
           </a:solidFill>
@@ -8823,7 +8748,7 @@
       </a:lvl9pPr>
     </p:titleStyle>
     <p:bodyStyle>
-      <a:defPPr lvl="0" marR="0" rtl="0" algn="l">
+      <a:defPPr marR="0" lvl="0" algn="l" rtl="0">
         <a:lnSpc>
           <a:spcPct val="100000"/>
         </a:lnSpc>
@@ -8834,7 +8759,7 @@
           <a:spcPts val="0"/>
         </a:spcAft>
       </a:defPPr>
-      <a:lvl1pPr lvl="0" marR="0" rtl="0" algn="l">
+      <a:lvl1pPr marR="0" lvl="0" algn="l" rtl="0">
         <a:lnSpc>
           <a:spcPct val="100000"/>
         </a:lnSpc>
@@ -8848,7 +8773,7 @@
           <a:srgbClr val="000000"/>
         </a:buClr>
         <a:buFont typeface="Arial"/>
-        <a:defRPr b="0" i="0" sz="1400" u="none" cap="none" strike="noStrike">
+        <a:defRPr sz="1400" b="0" i="0" u="none" strike="noStrike" cap="none">
           <a:solidFill>
             <a:srgbClr val="000000"/>
           </a:solidFill>
@@ -8858,7 +8783,7 @@
           <a:sym typeface="Arial"/>
         </a:defRPr>
       </a:lvl1pPr>
-      <a:lvl2pPr lvl="1" marR="0" rtl="0" algn="l">
+      <a:lvl2pPr marR="0" lvl="1" algn="l" rtl="0">
         <a:lnSpc>
           <a:spcPct val="100000"/>
         </a:lnSpc>
@@ -8872,7 +8797,7 @@
           <a:srgbClr val="000000"/>
         </a:buClr>
         <a:buFont typeface="Arial"/>
-        <a:defRPr b="0" i="0" sz="1400" u="none" cap="none" strike="noStrike">
+        <a:defRPr sz="1400" b="0" i="0" u="none" strike="noStrike" cap="none">
           <a:solidFill>
             <a:srgbClr val="000000"/>
           </a:solidFill>
@@ -8882,7 +8807,7 @@
           <a:sym typeface="Arial"/>
         </a:defRPr>
       </a:lvl2pPr>
-      <a:lvl3pPr lvl="2" marR="0" rtl="0" algn="l">
+      <a:lvl3pPr marR="0" lvl="2" algn="l" rtl="0">
         <a:lnSpc>
           <a:spcPct val="100000"/>
         </a:lnSpc>
@@ -8896,7 +8821,7 @@
           <a:srgbClr val="000000"/>
         </a:buClr>
         <a:buFont typeface="Arial"/>
-        <a:defRPr b="0" i="0" sz="1400" u="none" cap="none" strike="noStrike">
+        <a:defRPr sz="1400" b="0" i="0" u="none" strike="noStrike" cap="none">
           <a:solidFill>
             <a:srgbClr val="000000"/>
           </a:solidFill>
@@ -8906,7 +8831,7 @@
           <a:sym typeface="Arial"/>
         </a:defRPr>
       </a:lvl3pPr>
-      <a:lvl4pPr lvl="3" marR="0" rtl="0" algn="l">
+      <a:lvl4pPr marR="0" lvl="3" algn="l" rtl="0">
         <a:lnSpc>
           <a:spcPct val="100000"/>
         </a:lnSpc>
@@ -8920,7 +8845,7 @@
           <a:srgbClr val="000000"/>
         </a:buClr>
         <a:buFont typeface="Arial"/>
-        <a:defRPr b="0" i="0" sz="1400" u="none" cap="none" strike="noStrike">
+        <a:defRPr sz="1400" b="0" i="0" u="none" strike="noStrike" cap="none">
           <a:solidFill>
             <a:srgbClr val="000000"/>
           </a:solidFill>
@@ -8930,7 +8855,7 @@
           <a:sym typeface="Arial"/>
         </a:defRPr>
       </a:lvl4pPr>
-      <a:lvl5pPr lvl="4" marR="0" rtl="0" algn="l">
+      <a:lvl5pPr marR="0" lvl="4" algn="l" rtl="0">
         <a:lnSpc>
           <a:spcPct val="100000"/>
         </a:lnSpc>
@@ -8944,7 +8869,7 @@
           <a:srgbClr val="000000"/>
         </a:buClr>
         <a:buFont typeface="Arial"/>
-        <a:defRPr b="0" i="0" sz="1400" u="none" cap="none" strike="noStrike">
+        <a:defRPr sz="1400" b="0" i="0" u="none" strike="noStrike" cap="none">
           <a:solidFill>
             <a:srgbClr val="000000"/>
           </a:solidFill>
@@ -8954,7 +8879,7 @@
           <a:sym typeface="Arial"/>
         </a:defRPr>
       </a:lvl5pPr>
-      <a:lvl6pPr lvl="5" marR="0" rtl="0" algn="l">
+      <a:lvl6pPr marR="0" lvl="5" algn="l" rtl="0">
         <a:lnSpc>
           <a:spcPct val="100000"/>
         </a:lnSpc>
@@ -8968,7 +8893,7 @@
           <a:srgbClr val="000000"/>
         </a:buClr>
         <a:buFont typeface="Arial"/>
-        <a:defRPr b="0" i="0" sz="1400" u="none" cap="none" strike="noStrike">
+        <a:defRPr sz="1400" b="0" i="0" u="none" strike="noStrike" cap="none">
           <a:solidFill>
             <a:srgbClr val="000000"/>
           </a:solidFill>
@@ -8978,7 +8903,7 @@
           <a:sym typeface="Arial"/>
         </a:defRPr>
       </a:lvl6pPr>
-      <a:lvl7pPr lvl="6" marR="0" rtl="0" algn="l">
+      <a:lvl7pPr marR="0" lvl="6" algn="l" rtl="0">
         <a:lnSpc>
           <a:spcPct val="100000"/>
         </a:lnSpc>
@@ -8992,7 +8917,7 @@
           <a:srgbClr val="000000"/>
         </a:buClr>
         <a:buFont typeface="Arial"/>
-        <a:defRPr b="0" i="0" sz="1400" u="none" cap="none" strike="noStrike">
+        <a:defRPr sz="1400" b="0" i="0" u="none" strike="noStrike" cap="none">
           <a:solidFill>
             <a:srgbClr val="000000"/>
           </a:solidFill>
@@ -9002,7 +8927,7 @@
           <a:sym typeface="Arial"/>
         </a:defRPr>
       </a:lvl7pPr>
-      <a:lvl8pPr lvl="7" marR="0" rtl="0" algn="l">
+      <a:lvl8pPr marR="0" lvl="7" algn="l" rtl="0">
         <a:lnSpc>
           <a:spcPct val="100000"/>
         </a:lnSpc>
@@ -9016,7 +8941,7 @@
           <a:srgbClr val="000000"/>
         </a:buClr>
         <a:buFont typeface="Arial"/>
-        <a:defRPr b="0" i="0" sz="1400" u="none" cap="none" strike="noStrike">
+        <a:defRPr sz="1400" b="0" i="0" u="none" strike="noStrike" cap="none">
           <a:solidFill>
             <a:srgbClr val="000000"/>
           </a:solidFill>
@@ -9026,7 +8951,7 @@
           <a:sym typeface="Arial"/>
         </a:defRPr>
       </a:lvl8pPr>
-      <a:lvl9pPr lvl="8" marR="0" rtl="0" algn="l">
+      <a:lvl9pPr marR="0" lvl="8" algn="l" rtl="0">
         <a:lnSpc>
           <a:spcPct val="100000"/>
         </a:lnSpc>
@@ -9040,7 +8965,7 @@
           <a:srgbClr val="000000"/>
         </a:buClr>
         <a:buFont typeface="Arial"/>
-        <a:defRPr b="0" i="0" sz="1400" u="none" cap="none" strike="noStrike">
+        <a:defRPr sz="1400" b="0" i="0" u="none" strike="noStrike" cap="none">
           <a:solidFill>
             <a:srgbClr val="000000"/>
           </a:solidFill>
@@ -9052,7 +8977,7 @@
       </a:lvl9pPr>
     </p:bodyStyle>
     <p:otherStyle>
-      <a:defPPr lvl="0" marR="0" rtl="0" algn="l">
+      <a:defPPr marR="0" lvl="0" algn="l" rtl="0">
         <a:lnSpc>
           <a:spcPct val="100000"/>
         </a:lnSpc>
@@ -9063,7 +8988,7 @@
           <a:spcPts val="0"/>
         </a:spcAft>
       </a:defPPr>
-      <a:lvl1pPr lvl="0" marR="0" rtl="0" algn="l">
+      <a:lvl1pPr marR="0" lvl="0" algn="l" rtl="0">
         <a:lnSpc>
           <a:spcPct val="100000"/>
         </a:lnSpc>
@@ -9077,7 +9002,7 @@
           <a:srgbClr val="000000"/>
         </a:buClr>
         <a:buFont typeface="Arial"/>
-        <a:defRPr b="0" i="0" sz="1400" u="none" cap="none" strike="noStrike">
+        <a:defRPr sz="1400" b="0" i="0" u="none" strike="noStrike" cap="none">
           <a:solidFill>
             <a:srgbClr val="000000"/>
           </a:solidFill>
@@ -9087,7 +9012,7 @@
           <a:sym typeface="Arial"/>
         </a:defRPr>
       </a:lvl1pPr>
-      <a:lvl2pPr lvl="1" marR="0" rtl="0" algn="l">
+      <a:lvl2pPr marR="0" lvl="1" algn="l" rtl="0">
         <a:lnSpc>
           <a:spcPct val="100000"/>
         </a:lnSpc>
@@ -9101,7 +9026,7 @@
           <a:srgbClr val="000000"/>
         </a:buClr>
         <a:buFont typeface="Arial"/>
-        <a:defRPr b="0" i="0" sz="1400" u="none" cap="none" strike="noStrike">
+        <a:defRPr sz="1400" b="0" i="0" u="none" strike="noStrike" cap="none">
           <a:solidFill>
             <a:srgbClr val="000000"/>
           </a:solidFill>
@@ -9111,7 +9036,7 @@
           <a:sym typeface="Arial"/>
         </a:defRPr>
       </a:lvl2pPr>
-      <a:lvl3pPr lvl="2" marR="0" rtl="0" algn="l">
+      <a:lvl3pPr marR="0" lvl="2" algn="l" rtl="0">
         <a:lnSpc>
           <a:spcPct val="100000"/>
         </a:lnSpc>
@@ -9125,7 +9050,7 @@
           <a:srgbClr val="000000"/>
         </a:buClr>
         <a:buFont typeface="Arial"/>
-        <a:defRPr b="0" i="0" sz="1400" u="none" cap="none" strike="noStrike">
+        <a:defRPr sz="1400" b="0" i="0" u="none" strike="noStrike" cap="none">
           <a:solidFill>
             <a:srgbClr val="000000"/>
           </a:solidFill>
@@ -9135,7 +9060,7 @@
           <a:sym typeface="Arial"/>
         </a:defRPr>
       </a:lvl3pPr>
-      <a:lvl4pPr lvl="3" marR="0" rtl="0" algn="l">
+      <a:lvl4pPr marR="0" lvl="3" algn="l" rtl="0">
         <a:lnSpc>
           <a:spcPct val="100000"/>
         </a:lnSpc>
@@ -9149,7 +9074,7 @@
           <a:srgbClr val="000000"/>
         </a:buClr>
         <a:buFont typeface="Arial"/>
-        <a:defRPr b="0" i="0" sz="1400" u="none" cap="none" strike="noStrike">
+        <a:defRPr sz="1400" b="0" i="0" u="none" strike="noStrike" cap="none">
           <a:solidFill>
             <a:srgbClr val="000000"/>
           </a:solidFill>
@@ -9159,7 +9084,7 @@
           <a:sym typeface="Arial"/>
         </a:defRPr>
       </a:lvl4pPr>
-      <a:lvl5pPr lvl="4" marR="0" rtl="0" algn="l">
+      <a:lvl5pPr marR="0" lvl="4" algn="l" rtl="0">
         <a:lnSpc>
           <a:spcPct val="100000"/>
         </a:lnSpc>
@@ -9173,7 +9098,7 @@
           <a:srgbClr val="000000"/>
         </a:buClr>
         <a:buFont typeface="Arial"/>
-        <a:defRPr b="0" i="0" sz="1400" u="none" cap="none" strike="noStrike">
+        <a:defRPr sz="1400" b="0" i="0" u="none" strike="noStrike" cap="none">
           <a:solidFill>
             <a:srgbClr val="000000"/>
           </a:solidFill>
@@ -9183,7 +9108,7 @@
           <a:sym typeface="Arial"/>
         </a:defRPr>
       </a:lvl5pPr>
-      <a:lvl6pPr lvl="5" marR="0" rtl="0" algn="l">
+      <a:lvl6pPr marR="0" lvl="5" algn="l" rtl="0">
         <a:lnSpc>
           <a:spcPct val="100000"/>
         </a:lnSpc>
@@ -9197,7 +9122,7 @@
           <a:srgbClr val="000000"/>
         </a:buClr>
         <a:buFont typeface="Arial"/>
-        <a:defRPr b="0" i="0" sz="1400" u="none" cap="none" strike="noStrike">
+        <a:defRPr sz="1400" b="0" i="0" u="none" strike="noStrike" cap="none">
           <a:solidFill>
             <a:srgbClr val="000000"/>
           </a:solidFill>
@@ -9207,7 +9132,7 @@
           <a:sym typeface="Arial"/>
         </a:defRPr>
       </a:lvl6pPr>
-      <a:lvl7pPr lvl="6" marR="0" rtl="0" algn="l">
+      <a:lvl7pPr marR="0" lvl="6" algn="l" rtl="0">
         <a:lnSpc>
           <a:spcPct val="100000"/>
         </a:lnSpc>
@@ -9221,7 +9146,7 @@
           <a:srgbClr val="000000"/>
         </a:buClr>
         <a:buFont typeface="Arial"/>
-        <a:defRPr b="0" i="0" sz="1400" u="none" cap="none" strike="noStrike">
+        <a:defRPr sz="1400" b="0" i="0" u="none" strike="noStrike" cap="none">
           <a:solidFill>
             <a:srgbClr val="000000"/>
           </a:solidFill>
@@ -9231,7 +9156,7 @@
           <a:sym typeface="Arial"/>
         </a:defRPr>
       </a:lvl7pPr>
-      <a:lvl8pPr lvl="7" marR="0" rtl="0" algn="l">
+      <a:lvl8pPr marR="0" lvl="7" algn="l" rtl="0">
         <a:lnSpc>
           <a:spcPct val="100000"/>
         </a:lnSpc>
@@ -9245,7 +9170,7 @@
           <a:srgbClr val="000000"/>
         </a:buClr>
         <a:buFont typeface="Arial"/>
-        <a:defRPr b="0" i="0" sz="1400" u="none" cap="none" strike="noStrike">
+        <a:defRPr sz="1400" b="0" i="0" u="none" strike="noStrike" cap="none">
           <a:solidFill>
             <a:srgbClr val="000000"/>
           </a:solidFill>
@@ -9255,7 +9180,7 @@
           <a:sym typeface="Arial"/>
         </a:defRPr>
       </a:lvl8pPr>
-      <a:lvl9pPr lvl="8" marR="0" rtl="0" algn="l">
+      <a:lvl9pPr marR="0" lvl="8" algn="l" rtl="0">
         <a:lnSpc>
           <a:spcPct val="100000"/>
         </a:lnSpc>
@@ -9269,7 +9194,7 @@
           <a:srgbClr val="000000"/>
         </a:buClr>
         <a:buFont typeface="Arial"/>
-        <a:defRPr b="0" i="0" sz="1400" u="none" cap="none" strike="noStrike">
+        <a:defRPr sz="1400" b="0" i="0" u="none" strike="noStrike" cap="none">
           <a:solidFill>
             <a:srgbClr val="000000"/>
           </a:solidFill>
@@ -9285,18 +9210,19 @@
 </file>
 
 <file path=ppt/slides/slide1.xml><?xml version="1.0" encoding="utf-8"?>
-<p:sld xmlns:a="http://schemas.openxmlformats.org/drawingml/2006/main" xmlns:r="http://schemas.openxmlformats.org/officeDocument/2006/relationships" xmlns:mc="http://schemas.openxmlformats.org/markup-compatibility/2006" xmlns:mv="urn:schemas-microsoft-com:mac:vml" xmlns:p="http://schemas.openxmlformats.org/presentationml/2006/main" xmlns:c="http://schemas.openxmlformats.org/drawingml/2006/chart" xmlns:dgm="http://schemas.openxmlformats.org/drawingml/2006/diagram" xmlns:o="urn:schemas-microsoft-com:office:office" xmlns:v="urn:schemas-microsoft-com:vml" xmlns:pvml="urn:schemas-microsoft-com:office:powerpoint" xmlns:com="http://schemas.openxmlformats.org/drawingml/2006/compatibility" xmlns:p14="http://schemas.microsoft.com/office/powerpoint/2010/main" xmlns:p15="http://schemas.microsoft.com/office/powerpoint/2012/main" xmlns:ahyp="http://schemas.microsoft.com/office/drawing/2018/hyperlinkcolor">
+<p:sld xmlns:a="http://schemas.openxmlformats.org/drawingml/2006/main" xmlns:r="http://schemas.openxmlformats.org/officeDocument/2006/relationships" xmlns:p="http://schemas.openxmlformats.org/presentationml/2006/main">
   <p:cSld>
     <p:bg>
       <p:bgPr>
         <a:solidFill>
           <a:srgbClr val="CFE2F3"/>
         </a:solidFill>
+        <a:effectLst/>
       </p:bgPr>
     </p:bg>
     <p:spTree>
       <p:nvGrpSpPr>
-        <p:cNvPr id="133" name="Shape 133"/>
+        <p:cNvPr id="1" name="Shape 133"/>
         <p:cNvGrpSpPr/>
         <p:nvPr/>
       </p:nvGrpSpPr>
@@ -9311,7 +9237,9 @@
       <p:sp>
         <p:nvSpPr>
           <p:cNvPr id="134" name="Google Shape;134;p13"/>
-          <p:cNvSpPr txBox="1"/>
+          <p:cNvSpPr txBox="1">
+            <a:spLocks noGrp="1"/>
+          </p:cNvSpPr>
           <p:nvPr>
             <p:ph type="title"/>
           </p:nvPr>
@@ -9326,12 +9254,12 @@
           </a:prstGeom>
         </p:spPr>
         <p:txBody>
-          <a:bodyPr anchorCtr="0" anchor="t" bIns="91425" lIns="91425" spcFirstLastPara="1" rIns="91425" wrap="square" tIns="91425">
+          <a:bodyPr spcFirstLastPara="1" wrap="square" lIns="91425" tIns="91425" rIns="91425" bIns="91425" anchor="t" anchorCtr="0">
             <a:noAutofit/>
           </a:bodyPr>
           <a:lstStyle/>
           <a:p>
-            <a:pPr indent="0" lvl="0" marL="0" rtl="0" algn="l">
+            <a:pPr marL="0" lvl="0" indent="0" algn="l" rtl="0">
               <a:spcBef>
                 <a:spcPts val="0"/>
               </a:spcBef>
@@ -9341,14 +9269,14 @@
               <a:buNone/>
             </a:pPr>
             <a:r>
-              <a:rPr b="1" lang="en-GB" sz="3400" u="sng">
+              <a:rPr lang="en-GB" sz="3400" b="1" u="sng">
                 <a:solidFill>
                   <a:srgbClr val="6D9EEB"/>
                 </a:solidFill>
               </a:rPr>
               <a:t>SearchIBM</a:t>
             </a:r>
-            <a:endParaRPr b="1" sz="3400" u="sng">
+            <a:endParaRPr sz="3400" b="1" u="sng">
               <a:solidFill>
                 <a:srgbClr val="6D9EEB"/>
               </a:solidFill>
@@ -9358,7 +9286,7 @@
       </p:sp>
       <p:sp>
         <p:nvSpPr>
-          <p:cNvPr descr="Search on IBM" id="135" name="Google Shape;135;p13"/>
+          <p:cNvPr id="135" name="Google Shape;135;p13" descr="Search on IBM"/>
           <p:cNvSpPr/>
           <p:nvPr/>
         </p:nvSpPr>
@@ -9369,37 +9297,37 @@
           </a:xfrm>
           <a:prstGeom prst="roundRect">
             <a:avLst>
-              <a:gd fmla="val 50000" name="adj"/>
+              <a:gd name="adj" fmla="val 50000"/>
             </a:avLst>
           </a:prstGeom>
           <a:solidFill>
             <a:schemeClr val="lt1"/>
           </a:solidFill>
-          <a:ln cap="flat" cmpd="sng" w="9525">
+          <a:ln w="9525" cap="flat" cmpd="sng">
             <a:solidFill>
               <a:schemeClr val="dk1"/>
             </a:solidFill>
             <a:prstDash val="solid"/>
             <a:round/>
-            <a:headEnd len="sm" w="sm" type="none"/>
-            <a:tailEnd len="sm" w="sm" type="none"/>
+            <a:headEnd type="none" w="sm" len="sm"/>
+            <a:tailEnd type="none" w="sm" len="sm"/>
           </a:ln>
           <a:effectLst>
-            <a:outerShdw rotWithShape="0" algn="bl" dir="5400000" dist="19050">
+            <a:outerShdw dist="19050" dir="5400000" algn="bl" rotWithShape="0">
               <a:srgbClr val="000000">
                 <a:alpha val="54000"/>
               </a:srgbClr>
             </a:outerShdw>
-            <a:reflection blurRad="0" dir="5400000" dist="38100" endA="0" endPos="30000" fadeDir="5400012" kx="0" rotWithShape="0" algn="bl" stA="0" stPos="0" sy="-100000" ky="0"/>
+            <a:reflection stA="0" endPos="30000" dist="38100" dir="5400000" fadeDir="5400012" sy="-100000" algn="bl" rotWithShape="0"/>
           </a:effectLst>
         </p:spPr>
         <p:txBody>
-          <a:bodyPr anchorCtr="0" anchor="ctr" bIns="91425" lIns="91425" spcFirstLastPara="1" rIns="91425" wrap="square" tIns="91425">
+          <a:bodyPr spcFirstLastPara="1" wrap="square" lIns="91425" tIns="91425" rIns="91425" bIns="91425" anchor="ctr" anchorCtr="0">
             <a:noAutofit/>
           </a:bodyPr>
           <a:lstStyle/>
           <a:p>
-            <a:pPr indent="0" lvl="0" marL="0" rtl="0" algn="l">
+            <a:pPr marL="0" lvl="0" indent="0" algn="l" rtl="0">
               <a:spcBef>
                 <a:spcPts val="0"/>
               </a:spcBef>
@@ -9434,7 +9362,7 @@
       </p:sp>
       <p:sp>
         <p:nvSpPr>
-          <p:cNvPr descr="Search on IBM" id="136" name="Google Shape;136;p13"/>
+          <p:cNvPr id="136" name="Google Shape;136;p13" descr="Search on IBM"/>
           <p:cNvSpPr/>
           <p:nvPr/>
         </p:nvSpPr>
@@ -9445,37 +9373,37 @@
           </a:xfrm>
           <a:prstGeom prst="roundRect">
             <a:avLst>
-              <a:gd fmla="val 50000" name="adj"/>
+              <a:gd name="adj" fmla="val 50000"/>
             </a:avLst>
           </a:prstGeom>
           <a:solidFill>
             <a:srgbClr val="4A86E8"/>
           </a:solidFill>
-          <a:ln cap="flat" cmpd="sng" w="9525">
+          <a:ln w="9525" cap="flat" cmpd="sng">
             <a:solidFill>
               <a:schemeClr val="dk1"/>
             </a:solidFill>
             <a:prstDash val="solid"/>
             <a:round/>
-            <a:headEnd len="sm" w="sm" type="none"/>
-            <a:tailEnd len="sm" w="sm" type="none"/>
+            <a:headEnd type="none" w="sm" len="sm"/>
+            <a:tailEnd type="none" w="sm" len="sm"/>
           </a:ln>
           <a:effectLst>
-            <a:outerShdw rotWithShape="0" algn="bl" dir="5400000" dist="19050">
+            <a:outerShdw dist="19050" dir="5400000" algn="bl" rotWithShape="0">
               <a:srgbClr val="000000">
                 <a:alpha val="54000"/>
               </a:srgbClr>
             </a:outerShdw>
-            <a:reflection blurRad="0" dir="5400000" dist="38100" endA="0" endPos="30000" fadeDir="5400012" kx="0" rotWithShape="0" algn="bl" stA="0" stPos="0" sy="-100000" ky="0"/>
+            <a:reflection stA="0" endPos="30000" dist="38100" dir="5400000" fadeDir="5400012" sy="-100000" algn="bl" rotWithShape="0"/>
           </a:effectLst>
         </p:spPr>
         <p:txBody>
-          <a:bodyPr anchorCtr="0" anchor="ctr" bIns="91425" lIns="91425" spcFirstLastPara="1" rIns="91425" wrap="square" tIns="91425">
+          <a:bodyPr spcFirstLastPara="1" wrap="square" lIns="91425" tIns="91425" rIns="91425" bIns="91425" anchor="ctr" anchorCtr="0">
             <a:noAutofit/>
           </a:bodyPr>
           <a:lstStyle/>
           <a:p>
-            <a:pPr indent="0" lvl="0" marL="0" rtl="0" algn="ctr">
+            <a:pPr marL="0" lvl="0" indent="0" algn="ctr" rtl="0">
               <a:spcBef>
                 <a:spcPts val="0"/>
               </a:spcBef>
@@ -9484,9 +9412,6 @@
               </a:spcAft>
               <a:buNone/>
             </a:pPr>
-            <a:r>
-              <a:t/>
-            </a:r>
             <a:endParaRPr>
               <a:latin typeface="Lato"/>
               <a:ea typeface="Lato"/>
@@ -9498,7 +9423,7 @@
       </p:sp>
       <p:pic>
         <p:nvPicPr>
-          <p:cNvPr descr="Magnifying glass pictogram vector image | Free SVG" id="137" name="Google Shape;137;p13"/>
+          <p:cNvPr id="137" name="Google Shape;137;p13" descr="Magnifying glass pictogram vector image | Free SVG"/>
           <p:cNvPicPr preferRelativeResize="0"/>
           <p:nvPr/>
         </p:nvPicPr>
@@ -9551,7 +9476,7 @@
             <a:noFill/>
           </a:ln>
           <a:effectLst>
-            <a:outerShdw blurRad="57150" rotWithShape="0" algn="bl" dir="5400000" dist="19050">
+            <a:outerShdw blurRad="57150" dist="19050" dir="5400000" algn="bl" rotWithShape="0">
               <a:srgbClr val="000000">
                 <a:alpha val="50000"/>
               </a:srgbClr>
@@ -9590,7 +9515,7 @@
       <p:sp>
         <p:nvSpPr>
           <p:cNvPr id="140" name="Google Shape;140;p13">
-            <a:hlinkClick action="ppaction://hlinkshowjump?jump=nextslide"/>
+            <a:hlinkClick r:id="" action="ppaction://hlinkshowjump?jump=nextslide"/>
           </p:cNvPr>
           <p:cNvSpPr/>
           <p:nvPr/>
@@ -9602,29 +9527,29 @@
           </a:xfrm>
           <a:prstGeom prst="roundRect">
             <a:avLst>
-              <a:gd fmla="val 16667" name="adj"/>
+              <a:gd name="adj" fmla="val 16667"/>
             </a:avLst>
           </a:prstGeom>
           <a:solidFill>
             <a:srgbClr val="6D9EEB"/>
           </a:solidFill>
-          <a:ln cap="flat" cmpd="sng" w="9525">
+          <a:ln w="9525" cap="flat" cmpd="sng">
             <a:solidFill>
               <a:schemeClr val="dk2"/>
             </a:solidFill>
             <a:prstDash val="solid"/>
             <a:round/>
-            <a:headEnd len="sm" w="sm" type="none"/>
-            <a:tailEnd len="sm" w="sm" type="none"/>
+            <a:headEnd type="none" w="sm" len="sm"/>
+            <a:tailEnd type="none" w="sm" len="sm"/>
           </a:ln>
         </p:spPr>
         <p:txBody>
-          <a:bodyPr anchorCtr="0" anchor="ctr" bIns="91425" lIns="91425" spcFirstLastPara="1" rIns="91425" wrap="square" tIns="91425">
+          <a:bodyPr spcFirstLastPara="1" wrap="square" lIns="91425" tIns="91425" rIns="91425" bIns="91425" anchor="ctr" anchorCtr="0">
             <a:noAutofit/>
           </a:bodyPr>
           <a:lstStyle/>
           <a:p>
-            <a:pPr indent="0" lvl="0" marL="0" rtl="0" algn="ctr">
+            <a:pPr marL="0" lvl="0" indent="0" algn="ctr" rtl="0">
               <a:spcBef>
                 <a:spcPts val="0"/>
               </a:spcBef>
@@ -9634,7 +9559,7 @@
               <a:buNone/>
             </a:pPr>
             <a:r>
-              <a:rPr b="1" lang="en-GB" sz="1300">
+              <a:rPr lang="en-GB" sz="1300" b="1">
                 <a:solidFill>
                   <a:schemeClr val="dk1"/>
                 </a:solidFill>
@@ -9657,7 +9582,7 @@
       <p:sp>
         <p:nvSpPr>
           <p:cNvPr id="141" name="Google Shape;141;p13">
-            <a:hlinkClick action="ppaction://hlinkshowjump?jump=nextslide"/>
+            <a:hlinkClick r:id="" action="ppaction://hlinkshowjump?jump=nextslide"/>
           </p:cNvPr>
           <p:cNvSpPr/>
           <p:nvPr/>
@@ -9669,29 +9594,29 @@
           </a:xfrm>
           <a:prstGeom prst="roundRect">
             <a:avLst>
-              <a:gd fmla="val 16667" name="adj"/>
+              <a:gd name="adj" fmla="val 16667"/>
             </a:avLst>
           </a:prstGeom>
           <a:solidFill>
             <a:srgbClr val="6D9EEB"/>
           </a:solidFill>
-          <a:ln cap="flat" cmpd="sng" w="9525">
+          <a:ln w="9525" cap="flat" cmpd="sng">
             <a:solidFill>
               <a:schemeClr val="dk2"/>
             </a:solidFill>
             <a:prstDash val="solid"/>
             <a:round/>
-            <a:headEnd len="sm" w="sm" type="none"/>
-            <a:tailEnd len="sm" w="sm" type="none"/>
+            <a:headEnd type="none" w="sm" len="sm"/>
+            <a:tailEnd type="none" w="sm" len="sm"/>
           </a:ln>
         </p:spPr>
         <p:txBody>
-          <a:bodyPr anchorCtr="0" anchor="ctr" bIns="91425" lIns="91425" spcFirstLastPara="1" rIns="91425" wrap="square" tIns="91425">
+          <a:bodyPr spcFirstLastPara="1" wrap="square" lIns="91425" tIns="91425" rIns="91425" bIns="91425" anchor="ctr" anchorCtr="0">
             <a:noAutofit/>
           </a:bodyPr>
           <a:lstStyle/>
           <a:p>
-            <a:pPr indent="0" lvl="0" marL="0" rtl="0" algn="ctr">
+            <a:pPr marL="0" lvl="0" indent="0" algn="ctr" rtl="0">
               <a:spcBef>
                 <a:spcPts val="0"/>
               </a:spcBef>
@@ -9701,7 +9626,7 @@
               <a:buNone/>
             </a:pPr>
             <a:r>
-              <a:rPr b="1" lang="en-GB" sz="1300">
+              <a:rPr lang="en-GB" sz="1300" b="1">
                 <a:solidFill>
                   <a:schemeClr val="dk1"/>
                 </a:solidFill>
@@ -9712,7 +9637,7 @@
               </a:rPr>
               <a:t>Progress</a:t>
             </a:r>
-            <a:endParaRPr b="1" sz="1300">
+            <a:endParaRPr sz="1300" b="1">
               <a:solidFill>
                 <a:schemeClr val="dk1"/>
               </a:solidFill>
@@ -9727,7 +9652,7 @@
       <p:sp>
         <p:nvSpPr>
           <p:cNvPr id="142" name="Google Shape;142;p13">
-            <a:hlinkClick action="ppaction://hlinkshowjump?jump=nextslide"/>
+            <a:hlinkClick r:id="" action="ppaction://hlinkshowjump?jump=nextslide"/>
           </p:cNvPr>
           <p:cNvSpPr/>
           <p:nvPr/>
@@ -9739,29 +9664,29 @@
           </a:xfrm>
           <a:prstGeom prst="roundRect">
             <a:avLst>
-              <a:gd fmla="val 16667" name="adj"/>
+              <a:gd name="adj" fmla="val 16667"/>
             </a:avLst>
           </a:prstGeom>
           <a:solidFill>
             <a:srgbClr val="6D9EEB"/>
           </a:solidFill>
-          <a:ln cap="flat" cmpd="sng" w="9525">
+          <a:ln w="9525" cap="flat" cmpd="sng">
             <a:solidFill>
               <a:schemeClr val="dk2"/>
             </a:solidFill>
             <a:prstDash val="solid"/>
             <a:round/>
-            <a:headEnd len="sm" w="sm" type="none"/>
-            <a:tailEnd len="sm" w="sm" type="none"/>
+            <a:headEnd type="none" w="sm" len="sm"/>
+            <a:tailEnd type="none" w="sm" len="sm"/>
           </a:ln>
         </p:spPr>
         <p:txBody>
-          <a:bodyPr anchorCtr="0" anchor="ctr" bIns="91425" lIns="91425" spcFirstLastPara="1" rIns="91425" wrap="square" tIns="91425">
+          <a:bodyPr spcFirstLastPara="1" wrap="square" lIns="91425" tIns="91425" rIns="91425" bIns="91425" anchor="ctr" anchorCtr="0">
             <a:noAutofit/>
           </a:bodyPr>
           <a:lstStyle/>
           <a:p>
-            <a:pPr indent="0" lvl="0" marL="0" rtl="0" algn="ctr">
+            <a:pPr marL="0" lvl="0" indent="0" algn="ctr" rtl="0">
               <a:spcBef>
                 <a:spcPts val="0"/>
               </a:spcBef>
@@ -9771,7 +9696,7 @@
               <a:buNone/>
             </a:pPr>
             <a:r>
-              <a:rPr b="1" lang="en-GB" sz="1300">
+              <a:rPr lang="en-GB" sz="1300" b="1">
                 <a:solidFill>
                   <a:schemeClr val="dk1"/>
                 </a:solidFill>
@@ -9782,7 +9707,7 @@
               </a:rPr>
               <a:t>Favorites</a:t>
             </a:r>
-            <a:endParaRPr b="1" sz="1300">
+            <a:endParaRPr sz="1300" b="1">
               <a:solidFill>
                 <a:schemeClr val="dk1"/>
               </a:solidFill>
@@ -9803,18 +9728,19 @@
 </file>
 
 <file path=ppt/slides/slide2.xml><?xml version="1.0" encoding="utf-8"?>
-<p:sld xmlns:a="http://schemas.openxmlformats.org/drawingml/2006/main" xmlns:r="http://schemas.openxmlformats.org/officeDocument/2006/relationships" xmlns:mc="http://schemas.openxmlformats.org/markup-compatibility/2006" xmlns:mv="urn:schemas-microsoft-com:mac:vml" xmlns:p="http://schemas.openxmlformats.org/presentationml/2006/main" xmlns:c="http://schemas.openxmlformats.org/drawingml/2006/chart" xmlns:dgm="http://schemas.openxmlformats.org/drawingml/2006/diagram" xmlns:o="urn:schemas-microsoft-com:office:office" xmlns:v="urn:schemas-microsoft-com:vml" xmlns:pvml="urn:schemas-microsoft-com:office:powerpoint" xmlns:com="http://schemas.openxmlformats.org/drawingml/2006/compatibility" xmlns:p14="http://schemas.microsoft.com/office/powerpoint/2010/main" xmlns:p15="http://schemas.microsoft.com/office/powerpoint/2012/main" xmlns:ahyp="http://schemas.microsoft.com/office/drawing/2018/hyperlinkcolor">
+<p:sld xmlns:a="http://schemas.openxmlformats.org/drawingml/2006/main" xmlns:r="http://schemas.openxmlformats.org/officeDocument/2006/relationships" xmlns:p="http://schemas.openxmlformats.org/presentationml/2006/main">
   <p:cSld>
     <p:bg>
       <p:bgPr>
         <a:solidFill>
           <a:srgbClr val="CFE2F3"/>
         </a:solidFill>
+        <a:effectLst/>
       </p:bgPr>
     </p:bg>
     <p:spTree>
       <p:nvGrpSpPr>
-        <p:cNvPr id="146" name="Shape 146"/>
+        <p:cNvPr id="1" name="Shape 146"/>
         <p:cNvGrpSpPr/>
         <p:nvPr/>
       </p:nvGrpSpPr>
@@ -9829,7 +9755,9 @@
       <p:sp>
         <p:nvSpPr>
           <p:cNvPr id="147" name="Google Shape;147;p14"/>
-          <p:cNvSpPr txBox="1"/>
+          <p:cNvSpPr txBox="1">
+            <a:spLocks noGrp="1"/>
+          </p:cNvSpPr>
           <p:nvPr>
             <p:ph type="title"/>
           </p:nvPr>
@@ -9844,12 +9772,12 @@
           </a:prstGeom>
         </p:spPr>
         <p:txBody>
-          <a:bodyPr anchorCtr="0" anchor="t" bIns="91425" lIns="91425" spcFirstLastPara="1" rIns="91425" wrap="square" tIns="91425">
+          <a:bodyPr spcFirstLastPara="1" wrap="square" lIns="91425" tIns="91425" rIns="91425" bIns="91425" anchor="t" anchorCtr="0">
             <a:noAutofit/>
           </a:bodyPr>
           <a:lstStyle/>
           <a:p>
-            <a:pPr indent="0" lvl="0" marL="0" rtl="0" algn="l">
+            <a:pPr marL="0" lvl="0" indent="0" algn="l" rtl="0">
               <a:spcBef>
                 <a:spcPts val="0"/>
               </a:spcBef>
@@ -9859,14 +9787,14 @@
               <a:buNone/>
             </a:pPr>
             <a:r>
-              <a:rPr b="1" lang="en-GB" sz="3400" u="sng">
+              <a:rPr lang="en-GB" sz="3400" b="1" u="sng" dirty="0" err="1">
                 <a:solidFill>
                   <a:srgbClr val="6D9EEB"/>
                 </a:solidFill>
               </a:rPr>
               <a:t>SearchIBM</a:t>
             </a:r>
-            <a:endParaRPr b="1" sz="3400" u="sng">
+            <a:endParaRPr sz="3400" b="1" u="sng" dirty="0">
               <a:solidFill>
                 <a:srgbClr val="6D9EEB"/>
               </a:solidFill>
@@ -9876,7 +9804,7 @@
       </p:sp>
       <p:sp>
         <p:nvSpPr>
-          <p:cNvPr descr="Search on IBM" id="148" name="Google Shape;148;p14"/>
+          <p:cNvPr id="148" name="Google Shape;148;p14" descr="Search on IBM"/>
           <p:cNvSpPr/>
           <p:nvPr/>
         </p:nvSpPr>
@@ -9887,37 +9815,37 @@
           </a:xfrm>
           <a:prstGeom prst="roundRect">
             <a:avLst>
-              <a:gd fmla="val 50000" name="adj"/>
+              <a:gd name="adj" fmla="val 50000"/>
             </a:avLst>
           </a:prstGeom>
           <a:solidFill>
             <a:schemeClr val="lt1"/>
           </a:solidFill>
-          <a:ln cap="flat" cmpd="sng" w="9525">
+          <a:ln w="9525" cap="flat" cmpd="sng">
             <a:solidFill>
               <a:schemeClr val="dk1"/>
             </a:solidFill>
             <a:prstDash val="solid"/>
             <a:round/>
-            <a:headEnd len="sm" w="sm" type="none"/>
-            <a:tailEnd len="sm" w="sm" type="none"/>
+            <a:headEnd type="none" w="sm" len="sm"/>
+            <a:tailEnd type="none" w="sm" len="sm"/>
           </a:ln>
           <a:effectLst>
-            <a:outerShdw rotWithShape="0" algn="bl" dir="5400000" dist="19050">
+            <a:outerShdw dist="19050" dir="5400000" algn="bl" rotWithShape="0">
               <a:srgbClr val="000000">
                 <a:alpha val="54000"/>
               </a:srgbClr>
             </a:outerShdw>
-            <a:reflection blurRad="0" dir="5400000" dist="38100" endA="0" endPos="30000" fadeDir="5400012" kx="0" rotWithShape="0" algn="bl" stA="0" stPos="0" sy="-100000" ky="0"/>
+            <a:reflection stA="0" endPos="30000" dist="38100" dir="5400000" fadeDir="5400012" sy="-100000" algn="bl" rotWithShape="0"/>
           </a:effectLst>
         </p:spPr>
         <p:txBody>
-          <a:bodyPr anchorCtr="0" anchor="ctr" bIns="91425" lIns="91425" spcFirstLastPara="1" rIns="91425" wrap="square" tIns="91425">
+          <a:bodyPr spcFirstLastPara="1" wrap="square" lIns="91425" tIns="91425" rIns="91425" bIns="91425" anchor="ctr" anchorCtr="0">
             <a:noAutofit/>
           </a:bodyPr>
           <a:lstStyle/>
           <a:p>
-            <a:pPr indent="0" lvl="0" marL="0" rtl="0" algn="l">
+            <a:pPr marL="0" lvl="0" indent="0" algn="l" rtl="0">
               <a:spcBef>
                 <a:spcPts val="0"/>
               </a:spcBef>
@@ -9976,7 +9904,7 @@
       </p:sp>
       <p:sp>
         <p:nvSpPr>
-          <p:cNvPr descr="Search on IBM" id="149" name="Google Shape;149;p14"/>
+          <p:cNvPr id="149" name="Google Shape;149;p14" descr="Search on IBM"/>
           <p:cNvSpPr/>
           <p:nvPr/>
         </p:nvSpPr>
@@ -9987,37 +9915,37 @@
           </a:xfrm>
           <a:prstGeom prst="roundRect">
             <a:avLst>
-              <a:gd fmla="val 50000" name="adj"/>
+              <a:gd name="adj" fmla="val 50000"/>
             </a:avLst>
           </a:prstGeom>
           <a:solidFill>
             <a:srgbClr val="4A86E8"/>
           </a:solidFill>
-          <a:ln cap="flat" cmpd="sng" w="9525">
+          <a:ln w="9525" cap="flat" cmpd="sng">
             <a:solidFill>
               <a:schemeClr val="dk1"/>
             </a:solidFill>
             <a:prstDash val="solid"/>
             <a:round/>
-            <a:headEnd len="sm" w="sm" type="none"/>
-            <a:tailEnd len="sm" w="sm" type="none"/>
+            <a:headEnd type="none" w="sm" len="sm"/>
+            <a:tailEnd type="none" w="sm" len="sm"/>
           </a:ln>
           <a:effectLst>
-            <a:outerShdw rotWithShape="0" algn="bl" dir="5400000" dist="19050">
+            <a:outerShdw dist="19050" dir="5400000" algn="bl" rotWithShape="0">
               <a:srgbClr val="000000">
                 <a:alpha val="54000"/>
               </a:srgbClr>
             </a:outerShdw>
-            <a:reflection blurRad="0" dir="5400000" dist="38100" endA="0" endPos="30000" fadeDir="5400012" kx="0" rotWithShape="0" algn="bl" stA="0" stPos="0" sy="-100000" ky="0"/>
+            <a:reflection stA="0" endPos="30000" dist="38100" dir="5400000" fadeDir="5400012" sy="-100000" algn="bl" rotWithShape="0"/>
           </a:effectLst>
         </p:spPr>
         <p:txBody>
-          <a:bodyPr anchorCtr="0" anchor="ctr" bIns="91425" lIns="91425" spcFirstLastPara="1" rIns="91425" wrap="square" tIns="91425">
+          <a:bodyPr spcFirstLastPara="1" wrap="square" lIns="91425" tIns="91425" rIns="91425" bIns="91425" anchor="ctr" anchorCtr="0">
             <a:noAutofit/>
           </a:bodyPr>
           <a:lstStyle/>
           <a:p>
-            <a:pPr indent="0" lvl="0" marL="0" rtl="0" algn="ctr">
+            <a:pPr marL="0" lvl="0" indent="0" algn="ctr" rtl="0">
               <a:spcBef>
                 <a:spcPts val="0"/>
               </a:spcBef>
@@ -10026,9 +9954,6 @@
               </a:spcAft>
               <a:buNone/>
             </a:pPr>
-            <a:r>
-              <a:t/>
-            </a:r>
             <a:endParaRPr>
               <a:latin typeface="Lato"/>
               <a:ea typeface="Lato"/>
@@ -10040,7 +9965,7 @@
       </p:sp>
       <p:pic>
         <p:nvPicPr>
-          <p:cNvPr descr="Magnifying glass pictogram vector image | Free SVG" id="150" name="Google Shape;150;p14"/>
+          <p:cNvPr id="150" name="Google Shape;150;p14" descr="Magnifying glass pictogram vector image | Free SVG"/>
           <p:cNvPicPr preferRelativeResize="0"/>
           <p:nvPr/>
         </p:nvPicPr>
@@ -10079,23 +10004,23 @@
           </a:xfrm>
           <a:prstGeom prst="roundRect">
             <a:avLst>
-              <a:gd fmla="val 16667" name="adj"/>
+              <a:gd name="adj" fmla="val 16667"/>
             </a:avLst>
           </a:prstGeom>
           <a:solidFill>
             <a:srgbClr val="3C78D8"/>
           </a:solidFill>
-          <a:ln cap="flat" cmpd="sng" w="9525">
+          <a:ln w="9525" cap="flat" cmpd="sng">
             <a:solidFill>
               <a:schemeClr val="dk2"/>
             </a:solidFill>
             <a:prstDash val="solid"/>
             <a:round/>
-            <a:headEnd len="sm" w="sm" type="none"/>
-            <a:tailEnd len="sm" w="sm" type="none"/>
+            <a:headEnd type="none" w="sm" len="sm"/>
+            <a:tailEnd type="none" w="sm" len="sm"/>
           </a:ln>
           <a:effectLst>
-            <a:outerShdw blurRad="57150" rotWithShape="0" algn="bl" dir="5400000" dist="19050">
+            <a:outerShdw blurRad="57150" dist="19050" dir="5400000" algn="bl" rotWithShape="0">
               <a:srgbClr val="000000">
                 <a:alpha val="50000"/>
               </a:srgbClr>
@@ -10103,12 +10028,12 @@
           </a:effectLst>
         </p:spPr>
         <p:txBody>
-          <a:bodyPr anchorCtr="0" anchor="ctr" bIns="91425" lIns="91425" spcFirstLastPara="1" rIns="91425" wrap="square" tIns="91425">
+          <a:bodyPr spcFirstLastPara="1" wrap="square" lIns="91425" tIns="91425" rIns="91425" bIns="91425" anchor="ctr" anchorCtr="0">
             <a:noAutofit/>
           </a:bodyPr>
           <a:lstStyle/>
           <a:p>
-            <a:pPr indent="0" lvl="0" marL="0" rtl="0" algn="ctr">
+            <a:pPr marL="0" lvl="0" indent="0" algn="ctr" rtl="0">
               <a:spcBef>
                 <a:spcPts val="0"/>
               </a:spcBef>
@@ -10117,9 +10042,6 @@
               </a:spcAft>
               <a:buNone/>
             </a:pPr>
-            <a:r>
-              <a:t/>
-            </a:r>
             <a:endParaRPr>
               <a:latin typeface="Lato"/>
               <a:ea typeface="Lato"/>
@@ -10132,7 +10054,7 @@
       <p:sp>
         <p:nvSpPr>
           <p:cNvPr id="152" name="Google Shape;152;p14">
-            <a:hlinkClick action="ppaction://hlinkshowjump?jump=nextslide"/>
+            <a:hlinkClick r:id="" action="ppaction://hlinkshowjump?jump=nextslide"/>
           </p:cNvPr>
           <p:cNvSpPr/>
           <p:nvPr/>
@@ -10144,29 +10066,29 @@
           </a:xfrm>
           <a:prstGeom prst="roundRect">
             <a:avLst>
-              <a:gd fmla="val 16667" name="adj"/>
+              <a:gd name="adj" fmla="val 16667"/>
             </a:avLst>
           </a:prstGeom>
           <a:solidFill>
             <a:srgbClr val="6D9EEB"/>
           </a:solidFill>
-          <a:ln cap="flat" cmpd="sng" w="9525">
+          <a:ln w="9525" cap="flat" cmpd="sng">
             <a:solidFill>
               <a:schemeClr val="dk2"/>
             </a:solidFill>
             <a:prstDash val="solid"/>
             <a:round/>
-            <a:headEnd len="sm" w="sm" type="none"/>
-            <a:tailEnd len="sm" w="sm" type="none"/>
+            <a:headEnd type="none" w="sm" len="sm"/>
+            <a:tailEnd type="none" w="sm" len="sm"/>
           </a:ln>
         </p:spPr>
         <p:txBody>
-          <a:bodyPr anchorCtr="0" anchor="ctr" bIns="91425" lIns="91425" spcFirstLastPara="1" rIns="91425" wrap="square" tIns="91425">
+          <a:bodyPr spcFirstLastPara="1" wrap="square" lIns="91425" tIns="91425" rIns="91425" bIns="91425" anchor="ctr" anchorCtr="0">
             <a:noAutofit/>
           </a:bodyPr>
           <a:lstStyle/>
           <a:p>
-            <a:pPr indent="0" lvl="0" marL="0" rtl="0" algn="l">
+            <a:pPr marL="0" lvl="0" indent="0" algn="l" rtl="0">
               <a:spcBef>
                 <a:spcPts val="0"/>
               </a:spcBef>
@@ -10176,7 +10098,7 @@
               <a:buNone/>
             </a:pPr>
             <a:r>
-              <a:rPr b="1" lang="en-GB" sz="1300">
+              <a:rPr lang="en-GB" sz="1300" b="1">
                 <a:solidFill>
                   <a:schemeClr val="dk1"/>
                 </a:solidFill>
@@ -10187,7 +10109,7 @@
               </a:rPr>
               <a:t>Transferring information on the global network</a:t>
             </a:r>
-            <a:endParaRPr b="1" sz="1300">
+            <a:endParaRPr sz="1300" b="1">
               <a:solidFill>
                 <a:schemeClr val="dk1"/>
               </a:solidFill>
@@ -10198,7 +10120,7 @@
             </a:endParaRPr>
           </a:p>
           <a:p>
-            <a:pPr indent="0" lvl="0" marL="0" rtl="1" algn="ctr">
+            <a:pPr marL="0" lvl="0" indent="0" algn="ctr" rtl="1">
               <a:spcBef>
                 <a:spcPts val="0"/>
               </a:spcBef>
@@ -10207,9 +10129,6 @@
               </a:spcAft>
               <a:buNone/>
             </a:pPr>
-            <a:r>
-              <a:t/>
-            </a:r>
             <a:endParaRPr sz="1200">
               <a:latin typeface="Lato"/>
               <a:ea typeface="Lato"/>
@@ -10222,7 +10141,7 @@
       <p:sp>
         <p:nvSpPr>
           <p:cNvPr id="153" name="Google Shape;153;p14">
-            <a:hlinkClick/>
+            <a:hlinkClick r:id=""/>
           </p:cNvPr>
           <p:cNvSpPr/>
           <p:nvPr/>
@@ -10234,29 +10153,29 @@
           </a:xfrm>
           <a:prstGeom prst="roundRect">
             <a:avLst>
-              <a:gd fmla="val 16667" name="adj"/>
+              <a:gd name="adj" fmla="val 16667"/>
             </a:avLst>
           </a:prstGeom>
           <a:solidFill>
             <a:srgbClr val="6D9EEB"/>
           </a:solidFill>
-          <a:ln cap="flat" cmpd="sng" w="9525">
+          <a:ln w="9525" cap="flat" cmpd="sng">
             <a:solidFill>
               <a:schemeClr val="dk2"/>
             </a:solidFill>
             <a:prstDash val="solid"/>
             <a:round/>
-            <a:headEnd len="sm" w="sm" type="none"/>
-            <a:tailEnd len="sm" w="sm" type="none"/>
+            <a:headEnd type="none" w="sm" len="sm"/>
+            <a:tailEnd type="none" w="sm" len="sm"/>
           </a:ln>
         </p:spPr>
         <p:txBody>
-          <a:bodyPr anchorCtr="0" anchor="ctr" bIns="91425" lIns="91425" spcFirstLastPara="1" rIns="91425" wrap="square" tIns="91425">
+          <a:bodyPr spcFirstLastPara="1" wrap="square" lIns="91425" tIns="91425" rIns="91425" bIns="91425" anchor="ctr" anchorCtr="0">
             <a:noAutofit/>
           </a:bodyPr>
           <a:lstStyle/>
           <a:p>
-            <a:pPr indent="0" lvl="0" marL="0" rtl="0" algn="l">
+            <a:pPr marL="0" lvl="0" indent="0" algn="l" rtl="0">
               <a:spcBef>
                 <a:spcPts val="0"/>
               </a:spcBef>
@@ -10266,7 +10185,7 @@
               <a:buNone/>
             </a:pPr>
             <a:r>
-              <a:rPr b="1" lang="en-GB" sz="1300">
+              <a:rPr lang="en-GB" sz="1300" b="1">
                 <a:solidFill>
                   <a:schemeClr val="dk1"/>
                 </a:solidFill>
@@ -10277,7 +10196,7 @@
               </a:rPr>
               <a:t>Transferring information on the local network</a:t>
             </a:r>
-            <a:endParaRPr b="1" sz="1300">
+            <a:endParaRPr sz="1300" b="1">
               <a:solidFill>
                 <a:schemeClr val="dk1"/>
               </a:solidFill>
@@ -10288,7 +10207,7 @@
             </a:endParaRPr>
           </a:p>
           <a:p>
-            <a:pPr indent="0" lvl="0" marL="0" rtl="0" algn="ctr">
+            <a:pPr marL="0" lvl="0" indent="0" algn="ctr" rtl="0">
               <a:spcBef>
                 <a:spcPts val="0"/>
               </a:spcBef>
@@ -10297,9 +10216,6 @@
               </a:spcAft>
               <a:buNone/>
             </a:pPr>
-            <a:r>
-              <a:t/>
-            </a:r>
             <a:endParaRPr sz="1200">
               <a:latin typeface="Lato"/>
               <a:ea typeface="Lato"/>
@@ -10312,7 +10228,7 @@
       <p:sp>
         <p:nvSpPr>
           <p:cNvPr id="154" name="Google Shape;154;p14">
-            <a:hlinkClick/>
+            <a:hlinkClick r:id=""/>
           </p:cNvPr>
           <p:cNvSpPr/>
           <p:nvPr/>
@@ -10324,29 +10240,29 @@
           </a:xfrm>
           <a:prstGeom prst="roundRect">
             <a:avLst>
-              <a:gd fmla="val 16667" name="adj"/>
+              <a:gd name="adj" fmla="val 16667"/>
             </a:avLst>
           </a:prstGeom>
           <a:solidFill>
             <a:srgbClr val="6D9EEB"/>
           </a:solidFill>
-          <a:ln cap="flat" cmpd="sng" w="9525">
+          <a:ln w="9525" cap="flat" cmpd="sng">
             <a:solidFill>
               <a:schemeClr val="dk2"/>
             </a:solidFill>
             <a:prstDash val="solid"/>
             <a:round/>
-            <a:headEnd len="sm" w="sm" type="none"/>
-            <a:tailEnd len="sm" w="sm" type="none"/>
+            <a:headEnd type="none" w="sm" len="sm"/>
+            <a:tailEnd type="none" w="sm" len="sm"/>
           </a:ln>
         </p:spPr>
         <p:txBody>
-          <a:bodyPr anchorCtr="0" anchor="ctr" bIns="91425" lIns="91425" spcFirstLastPara="1" rIns="91425" wrap="square" tIns="91425">
+          <a:bodyPr spcFirstLastPara="1" wrap="square" lIns="91425" tIns="91425" rIns="91425" bIns="91425" anchor="ctr" anchorCtr="0">
             <a:noAutofit/>
           </a:bodyPr>
           <a:lstStyle/>
           <a:p>
-            <a:pPr indent="0" lvl="0" marL="0" rtl="0" algn="l">
+            <a:pPr marL="0" lvl="0" indent="0" algn="l" rtl="0">
               <a:spcBef>
                 <a:spcPts val="0"/>
               </a:spcBef>
@@ -10356,33 +10272,15 @@
               <a:buNone/>
             </a:pPr>
             <a:r>
-              <a:rPr b="1" lang="en-GB" sz="1300">
+              <a:rPr lang="en-GB" sz="1300" b="1">
                 <a:latin typeface="Lato"/>
                 <a:ea typeface="Lato"/>
                 <a:cs typeface="Lato"/>
                 <a:sym typeface="Lato"/>
               </a:rPr>
-              <a:t>T</a:t>
+              <a:t>Transferring information to new phone</a:t>
             </a:r>
-            <a:r>
-              <a:rPr b="1" lang="en-GB" sz="1300">
-                <a:latin typeface="Lato"/>
-                <a:ea typeface="Lato"/>
-                <a:cs typeface="Lato"/>
-                <a:sym typeface="Lato"/>
-              </a:rPr>
-              <a:t>ransferring information to new phon</a:t>
-            </a:r>
-            <a:r>
-              <a:rPr b="1" lang="en-GB" sz="1300">
-                <a:latin typeface="Lato"/>
-                <a:ea typeface="Lato"/>
-                <a:cs typeface="Lato"/>
-                <a:sym typeface="Lato"/>
-              </a:rPr>
-              <a:t>e</a:t>
-            </a:r>
-            <a:endParaRPr b="1" sz="1300">
+            <a:endParaRPr sz="1300" b="1">
               <a:latin typeface="Lato"/>
               <a:ea typeface="Lato"/>
               <a:cs typeface="Lato"/>
@@ -10411,12 +10309,12 @@
           </a:ln>
         </p:spPr>
         <p:txBody>
-          <a:bodyPr anchorCtr="0" anchor="t" bIns="91425" lIns="91425" spcFirstLastPara="1" rIns="91425" wrap="square" tIns="91425">
+          <a:bodyPr spcFirstLastPara="1" wrap="square" lIns="91425" tIns="91425" rIns="91425" bIns="91425" anchor="t" anchorCtr="0">
             <a:noAutofit/>
           </a:bodyPr>
           <a:lstStyle/>
           <a:p>
-            <a:pPr indent="0" lvl="0" marL="0" rtl="0" algn="l">
+            <a:pPr marL="0" lvl="0" indent="0" algn="l" rtl="0">
               <a:spcBef>
                 <a:spcPts val="0"/>
               </a:spcBef>
@@ -10425,9 +10323,6 @@
               </a:spcAft>
               <a:buNone/>
             </a:pPr>
-            <a:r>
-              <a:t/>
-            </a:r>
             <a:endParaRPr sz="1300">
               <a:solidFill>
                 <a:srgbClr val="FFFFFF"/>
@@ -10467,7 +10362,7 @@
             <a:noFill/>
           </a:ln>
           <a:effectLst>
-            <a:outerShdw blurRad="57150" rotWithShape="0" algn="bl" dir="5400000" dist="19050">
+            <a:outerShdw blurRad="57150" dist="19050" dir="5400000" algn="bl" rotWithShape="0">
               <a:srgbClr val="000000">
                 <a:alpha val="50000"/>
               </a:srgbClr>
@@ -10512,18 +10407,19 @@
 </file>
 
 <file path=ppt/slides/slide3.xml><?xml version="1.0" encoding="utf-8"?>
-<p:sld xmlns:a="http://schemas.openxmlformats.org/drawingml/2006/main" xmlns:r="http://schemas.openxmlformats.org/officeDocument/2006/relationships" xmlns:mc="http://schemas.openxmlformats.org/markup-compatibility/2006" xmlns:mv="urn:schemas-microsoft-com:mac:vml" xmlns:p="http://schemas.openxmlformats.org/presentationml/2006/main" xmlns:c="http://schemas.openxmlformats.org/drawingml/2006/chart" xmlns:dgm="http://schemas.openxmlformats.org/drawingml/2006/diagram" xmlns:o="urn:schemas-microsoft-com:office:office" xmlns:v="urn:schemas-microsoft-com:vml" xmlns:pvml="urn:schemas-microsoft-com:office:powerpoint" xmlns:com="http://schemas.openxmlformats.org/drawingml/2006/compatibility" xmlns:p14="http://schemas.microsoft.com/office/powerpoint/2010/main" xmlns:p15="http://schemas.microsoft.com/office/powerpoint/2012/main" xmlns:ahyp="http://schemas.microsoft.com/office/drawing/2018/hyperlinkcolor">
+<p:sld xmlns:a="http://schemas.openxmlformats.org/drawingml/2006/main" xmlns:r="http://schemas.openxmlformats.org/officeDocument/2006/relationships" xmlns:p="http://schemas.openxmlformats.org/presentationml/2006/main">
   <p:cSld>
     <p:bg>
       <p:bgPr>
         <a:solidFill>
           <a:srgbClr val="CFE2F3"/>
         </a:solidFill>
+        <a:effectLst/>
       </p:bgPr>
     </p:bg>
     <p:spTree>
       <p:nvGrpSpPr>
-        <p:cNvPr id="161" name="Shape 161"/>
+        <p:cNvPr id="1" name="Shape 161"/>
         <p:cNvGrpSpPr/>
         <p:nvPr/>
       </p:nvGrpSpPr>
@@ -10537,59 +10433,12 @@
       </p:grpSpPr>
       <p:sp>
         <p:nvSpPr>
-          <p:cNvPr id="162" name="Google Shape;162;p15"/>
-          <p:cNvSpPr txBox="1"/>
+          <p:cNvPr id="163" name="Google Shape;163;p15"/>
+          <p:cNvSpPr txBox="1">
+            <a:spLocks noGrp="1"/>
+          </p:cNvSpPr>
           <p:nvPr>
-            <p:ph type="title"/>
-          </p:nvPr>
-        </p:nvSpPr>
-        <p:spPr>
-          <a:xfrm>
-            <a:off x="1771175" y="205550"/>
-            <a:ext cx="7259400" cy="914100"/>
-          </a:xfrm>
-          <a:prstGeom prst="rect">
-            <a:avLst/>
-          </a:prstGeom>
-        </p:spPr>
-        <p:txBody>
-          <a:bodyPr anchorCtr="0" anchor="t" bIns="91425" lIns="91425" spcFirstLastPara="1" rIns="91425" wrap="square" tIns="91425">
-            <a:noAutofit/>
-          </a:bodyPr>
-          <a:lstStyle/>
-          <a:p>
-            <a:pPr indent="0" lvl="0" marL="0" rtl="0" algn="l">
-              <a:spcBef>
-                <a:spcPts val="0"/>
-              </a:spcBef>
-              <a:spcAft>
-                <a:spcPts val="0"/>
-              </a:spcAft>
-              <a:buSzPts val="990"/>
-              <a:buNone/>
-            </a:pPr>
-            <a:r>
-              <a:rPr b="1" lang="en-GB" sz="3400">
-                <a:solidFill>
-                  <a:srgbClr val="6D9EEB"/>
-                </a:solidFill>
-              </a:rPr>
-              <a:t>Search result - Cataloging</a:t>
-            </a:r>
-            <a:endParaRPr b="1" sz="3400">
-              <a:solidFill>
-                <a:srgbClr val="6D9EEB"/>
-              </a:solidFill>
-            </a:endParaRPr>
-          </a:p>
-        </p:txBody>
-      </p:sp>
-      <p:sp>
-        <p:nvSpPr>
-          <p:cNvPr id="163" name="Google Shape;163;p15"/>
-          <p:cNvSpPr txBox="1"/>
-          <p:nvPr>
-            <p:ph idx="1" type="body"/>
+            <p:ph type="body" idx="1"/>
           </p:nvPr>
         </p:nvSpPr>
         <p:spPr>
@@ -10605,12 +10454,12 @@
           </a:solidFill>
         </p:spPr>
         <p:txBody>
-          <a:bodyPr anchorCtr="0" anchor="t" bIns="91425" lIns="91425" spcFirstLastPara="1" rIns="91425" wrap="square" tIns="91425">
-            <a:normAutofit fontScale="47500"/>
+          <a:bodyPr spcFirstLastPara="1" wrap="square" lIns="91425" tIns="91425" rIns="91425" bIns="91425" anchor="t" anchorCtr="0">
+            <a:normAutofit fontScale="25000" lnSpcReduction="20000"/>
           </a:bodyPr>
           <a:lstStyle/>
           <a:p>
-            <a:pPr indent="0" lvl="0" marL="0" rtl="0" algn="l">
+            <a:pPr marL="0" lvl="0" indent="0" algn="l" rtl="0">
               <a:spcBef>
                 <a:spcPts val="0"/>
               </a:spcBef>
@@ -10637,7 +10486,7 @@
       </p:sp>
       <p:sp>
         <p:nvSpPr>
-          <p:cNvPr descr="Search on IBM" id="164" name="Google Shape;164;p15"/>
+          <p:cNvPr id="164" name="Google Shape;164;p15" descr="Search on IBM"/>
           <p:cNvSpPr/>
           <p:nvPr/>
         </p:nvSpPr>
@@ -10648,37 +10497,37 @@
           </a:xfrm>
           <a:prstGeom prst="roundRect">
             <a:avLst>
-              <a:gd fmla="val 50000" name="adj"/>
+              <a:gd name="adj" fmla="val 50000"/>
             </a:avLst>
           </a:prstGeom>
           <a:solidFill>
             <a:schemeClr val="lt1"/>
           </a:solidFill>
-          <a:ln cap="flat" cmpd="sng" w="9525">
+          <a:ln w="9525" cap="flat" cmpd="sng">
             <a:solidFill>
               <a:schemeClr val="dk1"/>
             </a:solidFill>
             <a:prstDash val="solid"/>
             <a:round/>
-            <a:headEnd len="sm" w="sm" type="none"/>
-            <a:tailEnd len="sm" w="sm" type="none"/>
+            <a:headEnd type="none" w="sm" len="sm"/>
+            <a:tailEnd type="none" w="sm" len="sm"/>
           </a:ln>
           <a:effectLst>
-            <a:outerShdw rotWithShape="0" algn="bl" dir="5400000" dist="19050">
+            <a:outerShdw dist="19050" dir="5400000" algn="bl" rotWithShape="0">
               <a:srgbClr val="000000">
                 <a:alpha val="54000"/>
               </a:srgbClr>
             </a:outerShdw>
-            <a:reflection blurRad="0" dir="5400000" dist="38100" endA="0" endPos="30000" fadeDir="5400012" kx="0" rotWithShape="0" algn="bl" stA="0" stPos="0" sy="-100000" ky="0"/>
+            <a:reflection stA="0" endPos="30000" dist="38100" dir="5400000" fadeDir="5400012" sy="-100000" algn="bl" rotWithShape="0"/>
           </a:effectLst>
         </p:spPr>
         <p:txBody>
-          <a:bodyPr anchorCtr="0" anchor="ctr" bIns="91425" lIns="91425" spcFirstLastPara="1" rIns="91425" wrap="square" tIns="91425">
+          <a:bodyPr spcFirstLastPara="1" wrap="square" lIns="91425" tIns="91425" rIns="91425" bIns="91425" anchor="ctr" anchorCtr="0">
             <a:noAutofit/>
           </a:bodyPr>
           <a:lstStyle/>
           <a:p>
-            <a:pPr indent="0" lvl="0" marL="0" rtl="0" algn="l">
+            <a:pPr marL="0" lvl="0" indent="0" algn="l" rtl="0">
               <a:spcBef>
                 <a:spcPts val="0"/>
               </a:spcBef>
@@ -10713,7 +10562,7 @@
       </p:sp>
       <p:sp>
         <p:nvSpPr>
-          <p:cNvPr descr="Search on IBM" id="165" name="Google Shape;165;p15"/>
+          <p:cNvPr id="165" name="Google Shape;165;p15" descr="Search on IBM"/>
           <p:cNvSpPr/>
           <p:nvPr/>
         </p:nvSpPr>
@@ -10724,37 +10573,37 @@
           </a:xfrm>
           <a:prstGeom prst="roundRect">
             <a:avLst>
-              <a:gd fmla="val 50000" name="adj"/>
+              <a:gd name="adj" fmla="val 50000"/>
             </a:avLst>
           </a:prstGeom>
           <a:solidFill>
             <a:srgbClr val="4A86E8"/>
           </a:solidFill>
-          <a:ln cap="flat" cmpd="sng" w="9525">
+          <a:ln w="9525" cap="flat" cmpd="sng">
             <a:solidFill>
               <a:schemeClr val="dk1"/>
             </a:solidFill>
             <a:prstDash val="solid"/>
             <a:round/>
-            <a:headEnd len="sm" w="sm" type="none"/>
-            <a:tailEnd len="sm" w="sm" type="none"/>
+            <a:headEnd type="none" w="sm" len="sm"/>
+            <a:tailEnd type="none" w="sm" len="sm"/>
           </a:ln>
           <a:effectLst>
-            <a:outerShdw rotWithShape="0" algn="bl" dir="5400000" dist="19050">
+            <a:outerShdw dist="19050" dir="5400000" algn="bl" rotWithShape="0">
               <a:srgbClr val="000000">
                 <a:alpha val="54000"/>
               </a:srgbClr>
             </a:outerShdw>
-            <a:reflection blurRad="0" dir="5400000" dist="38100" endA="0" endPos="30000" fadeDir="5400012" kx="0" rotWithShape="0" algn="bl" stA="0" stPos="0" sy="-100000" ky="0"/>
+            <a:reflection stA="0" endPos="30000" dist="38100" dir="5400000" fadeDir="5400012" sy="-100000" algn="bl" rotWithShape="0"/>
           </a:effectLst>
         </p:spPr>
         <p:txBody>
-          <a:bodyPr anchorCtr="0" anchor="ctr" bIns="91425" lIns="91425" spcFirstLastPara="1" rIns="91425" wrap="square" tIns="91425">
+          <a:bodyPr spcFirstLastPara="1" wrap="square" lIns="91425" tIns="91425" rIns="91425" bIns="91425" anchor="ctr" anchorCtr="0">
             <a:noAutofit/>
           </a:bodyPr>
           <a:lstStyle/>
           <a:p>
-            <a:pPr indent="0" lvl="0" marL="0" rtl="0" algn="ctr">
+            <a:pPr marL="0" lvl="0" indent="0" algn="ctr" rtl="0">
               <a:spcBef>
                 <a:spcPts val="0"/>
               </a:spcBef>
@@ -10763,9 +10612,6 @@
               </a:spcAft>
               <a:buNone/>
             </a:pPr>
-            <a:r>
-              <a:t/>
-            </a:r>
             <a:endParaRPr>
               <a:latin typeface="Lato"/>
               <a:ea typeface="Lato"/>
@@ -10777,7 +10623,7 @@
       </p:sp>
       <p:pic>
         <p:nvPicPr>
-          <p:cNvPr descr="Magnifying glass pictogram vector image | Free SVG" id="166" name="Google Shape;166;p15"/>
+          <p:cNvPr id="166" name="Google Shape;166;p15" descr="Magnifying glass pictogram vector image | Free SVG"/>
           <p:cNvPicPr preferRelativeResize="0"/>
           <p:nvPr/>
         </p:nvPicPr>
@@ -10830,7 +10676,7 @@
             <a:noFill/>
           </a:ln>
           <a:effectLst>
-            <a:outerShdw blurRad="57150" rotWithShape="0" algn="bl" dir="5400000" dist="19050">
+            <a:outerShdw blurRad="57150" dist="19050" dir="5400000" algn="bl" rotWithShape="0">
               <a:srgbClr val="000000">
                 <a:alpha val="50000"/>
               </a:srgbClr>
@@ -10886,12 +10732,12 @@
           </a:ln>
         </p:spPr>
         <p:txBody>
-          <a:bodyPr anchorCtr="0" anchor="t" bIns="91425" lIns="91425" spcFirstLastPara="1" rIns="91425" wrap="square" tIns="91425">
+          <a:bodyPr spcFirstLastPara="1" wrap="square" lIns="91425" tIns="91425" rIns="91425" bIns="91425" anchor="t" anchorCtr="0">
             <a:noAutofit/>
           </a:bodyPr>
           <a:lstStyle/>
           <a:p>
-            <a:pPr indent="0" lvl="0" marL="0" rtl="0" algn="l">
+            <a:pPr marL="0" lvl="0" indent="0" algn="l" rtl="0">
               <a:spcBef>
                 <a:spcPts val="0"/>
               </a:spcBef>
@@ -10937,23 +10783,23 @@
           </a:xfrm>
           <a:prstGeom prst="roundRect">
             <a:avLst>
-              <a:gd fmla="val 16667" name="adj"/>
+              <a:gd name="adj" fmla="val 16667"/>
             </a:avLst>
           </a:prstGeom>
           <a:solidFill>
             <a:srgbClr val="3C78D8"/>
           </a:solidFill>
-          <a:ln cap="flat" cmpd="sng" w="9525">
+          <a:ln w="9525" cap="flat" cmpd="sng">
             <a:solidFill>
               <a:schemeClr val="dk2"/>
             </a:solidFill>
             <a:prstDash val="solid"/>
             <a:round/>
-            <a:headEnd len="sm" w="sm" type="none"/>
-            <a:tailEnd len="sm" w="sm" type="none"/>
+            <a:headEnd type="none" w="sm" len="sm"/>
+            <a:tailEnd type="none" w="sm" len="sm"/>
           </a:ln>
           <a:effectLst>
-            <a:outerShdw blurRad="57150" rotWithShape="0" algn="bl" dir="5400000" dist="19050">
+            <a:outerShdw blurRad="57150" dist="19050" dir="5400000" algn="bl" rotWithShape="0">
               <a:srgbClr val="000000">
                 <a:alpha val="50000"/>
               </a:srgbClr>
@@ -10961,12 +10807,12 @@
           </a:effectLst>
         </p:spPr>
         <p:txBody>
-          <a:bodyPr anchorCtr="0" anchor="ctr" bIns="91425" lIns="91425" spcFirstLastPara="1" rIns="91425" wrap="square" tIns="91425">
+          <a:bodyPr spcFirstLastPara="1" wrap="square" lIns="91425" tIns="91425" rIns="91425" bIns="91425" anchor="ctr" anchorCtr="0">
             <a:noAutofit/>
           </a:bodyPr>
           <a:lstStyle/>
           <a:p>
-            <a:pPr indent="0" lvl="0" marL="0" rtl="0" algn="ctr">
+            <a:pPr marL="0" lvl="0" indent="0" algn="ctr" rtl="0">
               <a:spcBef>
                 <a:spcPts val="0"/>
               </a:spcBef>
@@ -10975,9 +10821,6 @@
               </a:spcAft>
               <a:buNone/>
             </a:pPr>
-            <a:r>
-              <a:t/>
-            </a:r>
             <a:endParaRPr>
               <a:latin typeface="Lato"/>
               <a:ea typeface="Lato"/>
@@ -10990,7 +10833,7 @@
       <p:sp>
         <p:nvSpPr>
           <p:cNvPr id="171" name="Google Shape;171;p15">
-            <a:hlinkClick action="ppaction://hlinkshowjump?jump=nextslide"/>
+            <a:hlinkClick r:id="" action="ppaction://hlinkshowjump?jump=nextslide"/>
           </p:cNvPr>
           <p:cNvSpPr/>
           <p:nvPr/>
@@ -11002,29 +10845,29 @@
           </a:xfrm>
           <a:prstGeom prst="roundRect">
             <a:avLst>
-              <a:gd fmla="val 16667" name="adj"/>
+              <a:gd name="adj" fmla="val 16667"/>
             </a:avLst>
           </a:prstGeom>
           <a:solidFill>
             <a:srgbClr val="F3F3F3"/>
           </a:solidFill>
-          <a:ln cap="flat" cmpd="sng" w="9525">
+          <a:ln w="9525" cap="flat" cmpd="sng">
             <a:solidFill>
               <a:schemeClr val="dk2"/>
             </a:solidFill>
             <a:prstDash val="solid"/>
             <a:round/>
-            <a:headEnd len="sm" w="sm" type="none"/>
-            <a:tailEnd len="sm" w="sm" type="none"/>
+            <a:headEnd type="none" w="sm" len="sm"/>
+            <a:tailEnd type="none" w="sm" len="sm"/>
           </a:ln>
         </p:spPr>
         <p:txBody>
-          <a:bodyPr anchorCtr="0" anchor="ctr" bIns="91425" lIns="91425" spcFirstLastPara="1" rIns="91425" wrap="square" tIns="91425">
+          <a:bodyPr spcFirstLastPara="1" wrap="square" lIns="91425" tIns="91425" rIns="91425" bIns="91425" anchor="ctr" anchorCtr="0">
             <a:noAutofit/>
           </a:bodyPr>
           <a:lstStyle/>
           <a:p>
-            <a:pPr indent="0" lvl="0" marL="0" rtl="0" algn="l">
+            <a:pPr marL="0" lvl="0" indent="0" algn="l" rtl="0">
               <a:spcBef>
                 <a:spcPts val="0"/>
               </a:spcBef>
@@ -11034,7 +10877,7 @@
               <a:buNone/>
             </a:pPr>
             <a:r>
-              <a:rPr b="1" lang="en-GB" sz="1200" u="sng">
+              <a:rPr lang="en-GB" sz="1200" b="1" u="sng">
                 <a:solidFill>
                   <a:srgbClr val="4A86E8"/>
                 </a:solidFill>
@@ -11084,31 +10927,31 @@
             </a:xfrm>
             <a:prstGeom prst="star5">
               <a:avLst>
-                <a:gd fmla="val 19098" name="adj"/>
-                <a:gd fmla="val 105146" name="hf"/>
-                <a:gd fmla="val 110557" name="vf"/>
+                <a:gd name="adj" fmla="val 19098"/>
+                <a:gd name="hf" fmla="val 105146"/>
+                <a:gd name="vf" fmla="val 110557"/>
               </a:avLst>
             </a:prstGeom>
             <a:solidFill>
               <a:srgbClr val="FFFF00"/>
             </a:solidFill>
-            <a:ln cap="flat" cmpd="sng" w="19050">
+            <a:ln w="19050" cap="flat" cmpd="sng">
               <a:solidFill>
                 <a:schemeClr val="dk1"/>
               </a:solidFill>
               <a:prstDash val="solid"/>
               <a:round/>
-              <a:headEnd len="sm" w="sm" type="none"/>
-              <a:tailEnd len="sm" w="sm" type="none"/>
+              <a:headEnd type="none" w="sm" len="sm"/>
+              <a:tailEnd type="none" w="sm" len="sm"/>
             </a:ln>
           </p:spPr>
           <p:txBody>
-            <a:bodyPr anchorCtr="0" anchor="ctr" bIns="91425" lIns="91425" spcFirstLastPara="1" rIns="91425" wrap="square" tIns="91425">
+            <a:bodyPr spcFirstLastPara="1" wrap="square" lIns="91425" tIns="91425" rIns="91425" bIns="91425" anchor="ctr" anchorCtr="0">
               <a:noAutofit/>
             </a:bodyPr>
             <a:lstStyle/>
             <a:p>
-              <a:pPr indent="0" lvl="0" marL="0" rtl="0" algn="ctr">
+              <a:pPr marL="0" lvl="0" indent="0" algn="ctr" rtl="0">
                 <a:spcBef>
                   <a:spcPts val="0"/>
                 </a:spcBef>
@@ -11117,9 +10960,6 @@
                 </a:spcAft>
                 <a:buNone/>
               </a:pPr>
-              <a:r>
-                <a:t/>
-              </a:r>
               <a:endParaRPr>
                 <a:latin typeface="Lato"/>
                 <a:ea typeface="Lato"/>
@@ -11149,12 +10989,12 @@
             </a:ln>
           </p:spPr>
           <p:txBody>
-            <a:bodyPr anchorCtr="0" anchor="t" bIns="91425" lIns="91425" spcFirstLastPara="1" rIns="91425" wrap="square" tIns="91425">
+            <a:bodyPr spcFirstLastPara="1" wrap="square" lIns="91425" tIns="91425" rIns="91425" bIns="91425" anchor="t" anchorCtr="0">
               <a:noAutofit/>
             </a:bodyPr>
             <a:lstStyle/>
             <a:p>
-              <a:pPr indent="0" lvl="0" marL="0" rtl="0" algn="l">
+              <a:pPr marL="0" lvl="0" indent="0" algn="l" rtl="0">
                 <a:spcBef>
                   <a:spcPts val="0"/>
                 </a:spcBef>
@@ -11191,7 +11031,7 @@
       <p:sp>
         <p:nvSpPr>
           <p:cNvPr id="175" name="Google Shape;175;p15">
-            <a:hlinkClick action="ppaction://hlinkshowjump?jump=nextslide"/>
+            <a:hlinkClick r:id="" action="ppaction://hlinkshowjump?jump=nextslide"/>
           </p:cNvPr>
           <p:cNvSpPr/>
           <p:nvPr/>
@@ -11203,29 +11043,29 @@
           </a:xfrm>
           <a:prstGeom prst="roundRect">
             <a:avLst>
-              <a:gd fmla="val 16667" name="adj"/>
+              <a:gd name="adj" fmla="val 16667"/>
             </a:avLst>
           </a:prstGeom>
           <a:solidFill>
             <a:srgbClr val="F3F3F3"/>
           </a:solidFill>
-          <a:ln cap="flat" cmpd="sng" w="9525">
+          <a:ln w="9525" cap="flat" cmpd="sng">
             <a:solidFill>
               <a:schemeClr val="dk2"/>
             </a:solidFill>
             <a:prstDash val="solid"/>
             <a:round/>
-            <a:headEnd len="sm" w="sm" type="none"/>
-            <a:tailEnd len="sm" w="sm" type="none"/>
+            <a:headEnd type="none" w="sm" len="sm"/>
+            <a:tailEnd type="none" w="sm" len="sm"/>
           </a:ln>
         </p:spPr>
         <p:txBody>
-          <a:bodyPr anchorCtr="0" anchor="ctr" bIns="91425" lIns="91425" spcFirstLastPara="1" rIns="91425" wrap="square" tIns="91425">
+          <a:bodyPr spcFirstLastPara="1" wrap="square" lIns="91425" tIns="91425" rIns="91425" bIns="91425" anchor="ctr" anchorCtr="0">
             <a:noAutofit/>
           </a:bodyPr>
           <a:lstStyle/>
           <a:p>
-            <a:pPr indent="0" lvl="0" marL="0" rtl="0" algn="l">
+            <a:pPr marL="0" lvl="0" indent="0" algn="l" rtl="0">
               <a:spcBef>
                 <a:spcPts val="0"/>
               </a:spcBef>
@@ -11235,7 +11075,7 @@
               <a:buNone/>
             </a:pPr>
             <a:r>
-              <a:rPr b="1" lang="en-GB" sz="1200" u="sng">
+              <a:rPr lang="en-GB" sz="1200" b="1" u="sng">
                 <a:solidFill>
                   <a:srgbClr val="4A86E8"/>
                 </a:solidFill>
@@ -11285,29 +11125,29 @@
             </a:xfrm>
             <a:prstGeom prst="star5">
               <a:avLst>
-                <a:gd fmla="val 19098" name="adj"/>
-                <a:gd fmla="val 105146" name="hf"/>
-                <a:gd fmla="val 110557" name="vf"/>
+                <a:gd name="adj" fmla="val 19098"/>
+                <a:gd name="hf" fmla="val 105146"/>
+                <a:gd name="vf" fmla="val 110557"/>
               </a:avLst>
             </a:prstGeom>
             <a:noFill/>
-            <a:ln cap="flat" cmpd="sng" w="19050">
+            <a:ln w="19050" cap="flat" cmpd="sng">
               <a:solidFill>
                 <a:schemeClr val="dk1"/>
               </a:solidFill>
               <a:prstDash val="solid"/>
               <a:round/>
-              <a:headEnd len="sm" w="sm" type="none"/>
-              <a:tailEnd len="sm" w="sm" type="none"/>
+              <a:headEnd type="none" w="sm" len="sm"/>
+              <a:tailEnd type="none" w="sm" len="sm"/>
             </a:ln>
           </p:spPr>
           <p:txBody>
-            <a:bodyPr anchorCtr="0" anchor="ctr" bIns="91425" lIns="91425" spcFirstLastPara="1" rIns="91425" wrap="square" tIns="91425">
+            <a:bodyPr spcFirstLastPara="1" wrap="square" lIns="91425" tIns="91425" rIns="91425" bIns="91425" anchor="ctr" anchorCtr="0">
               <a:noAutofit/>
             </a:bodyPr>
             <a:lstStyle/>
             <a:p>
-              <a:pPr indent="0" lvl="0" marL="0" rtl="0" algn="ctr">
+              <a:pPr marL="0" lvl="0" indent="0" algn="ctr" rtl="0">
                 <a:spcBef>
                   <a:spcPts val="0"/>
                 </a:spcBef>
@@ -11316,9 +11156,6 @@
                 </a:spcAft>
                 <a:buNone/>
               </a:pPr>
-              <a:r>
-                <a:t/>
-              </a:r>
               <a:endParaRPr>
                 <a:latin typeface="Lato"/>
                 <a:ea typeface="Lato"/>
@@ -11348,12 +11185,12 @@
             </a:ln>
           </p:spPr>
           <p:txBody>
-            <a:bodyPr anchorCtr="0" anchor="t" bIns="91425" lIns="91425" spcFirstLastPara="1" rIns="91425" wrap="square" tIns="91425">
+            <a:bodyPr spcFirstLastPara="1" wrap="square" lIns="91425" tIns="91425" rIns="91425" bIns="91425" anchor="t" anchorCtr="0">
               <a:noAutofit/>
             </a:bodyPr>
             <a:lstStyle/>
             <a:p>
-              <a:pPr indent="0" lvl="0" marL="0" rtl="0" algn="l">
+              <a:pPr marL="0" lvl="0" indent="0" algn="l" rtl="0">
                 <a:spcBef>
                   <a:spcPts val="0"/>
                 </a:spcBef>
@@ -11385,7 +11222,7 @@
               </a:endParaRPr>
             </a:p>
             <a:p>
-              <a:pPr indent="0" lvl="0" marL="0" rtl="0" algn="l">
+              <a:pPr marL="0" lvl="0" indent="0" algn="l" rtl="0">
                 <a:spcBef>
                   <a:spcPts val="0"/>
                 </a:spcBef>
@@ -11394,9 +11231,6 @@
                 </a:spcAft>
                 <a:buNone/>
               </a:pPr>
-              <a:r>
-                <a:t/>
-              </a:r>
               <a:endParaRPr sz="1300">
                 <a:solidFill>
                   <a:schemeClr val="dk1"/>
@@ -11413,7 +11247,7 @@
       <p:sp>
         <p:nvSpPr>
           <p:cNvPr id="179" name="Google Shape;179;p15">
-            <a:hlinkClick action="ppaction://hlinkshowjump?jump=nextslide"/>
+            <a:hlinkClick r:id="" action="ppaction://hlinkshowjump?jump=nextslide"/>
           </p:cNvPr>
           <p:cNvSpPr/>
           <p:nvPr/>
@@ -11425,29 +11259,29 @@
           </a:xfrm>
           <a:prstGeom prst="roundRect">
             <a:avLst>
-              <a:gd fmla="val 16667" name="adj"/>
+              <a:gd name="adj" fmla="val 16667"/>
             </a:avLst>
           </a:prstGeom>
           <a:solidFill>
             <a:srgbClr val="F3F3F3"/>
           </a:solidFill>
-          <a:ln cap="flat" cmpd="sng" w="9525">
+          <a:ln w="9525" cap="flat" cmpd="sng">
             <a:solidFill>
               <a:schemeClr val="dk2"/>
             </a:solidFill>
             <a:prstDash val="solid"/>
             <a:round/>
-            <a:headEnd len="sm" w="sm" type="none"/>
-            <a:tailEnd len="sm" w="sm" type="none"/>
+            <a:headEnd type="none" w="sm" len="sm"/>
+            <a:tailEnd type="none" w="sm" len="sm"/>
           </a:ln>
         </p:spPr>
         <p:txBody>
-          <a:bodyPr anchorCtr="0" anchor="ctr" bIns="91425" lIns="91425" spcFirstLastPara="1" rIns="91425" wrap="square" tIns="91425">
+          <a:bodyPr spcFirstLastPara="1" wrap="square" lIns="91425" tIns="91425" rIns="91425" bIns="91425" anchor="ctr" anchorCtr="0">
             <a:noAutofit/>
           </a:bodyPr>
           <a:lstStyle/>
           <a:p>
-            <a:pPr indent="0" lvl="0" marL="0" rtl="0" algn="l">
+            <a:pPr marL="0" lvl="0" indent="0" algn="l" rtl="0">
               <a:spcBef>
                 <a:spcPts val="0"/>
               </a:spcBef>
@@ -11457,7 +11291,7 @@
               <a:buNone/>
             </a:pPr>
             <a:r>
-              <a:rPr b="1" lang="en-GB" sz="1200" u="sng">
+              <a:rPr lang="en-GB" sz="1200" b="1" u="sng">
                 <a:solidFill>
                   <a:srgbClr val="4A86E8"/>
                 </a:solidFill>
@@ -11507,29 +11341,29 @@
             </a:xfrm>
             <a:prstGeom prst="star5">
               <a:avLst>
-                <a:gd fmla="val 19098" name="adj"/>
-                <a:gd fmla="val 105146" name="hf"/>
-                <a:gd fmla="val 110557" name="vf"/>
+                <a:gd name="adj" fmla="val 19098"/>
+                <a:gd name="hf" fmla="val 105146"/>
+                <a:gd name="vf" fmla="val 110557"/>
               </a:avLst>
             </a:prstGeom>
             <a:noFill/>
-            <a:ln cap="flat" cmpd="sng" w="19050">
+            <a:ln w="19050" cap="flat" cmpd="sng">
               <a:solidFill>
                 <a:schemeClr val="dk1"/>
               </a:solidFill>
               <a:prstDash val="solid"/>
               <a:round/>
-              <a:headEnd len="sm" w="sm" type="none"/>
-              <a:tailEnd len="sm" w="sm" type="none"/>
+              <a:headEnd type="none" w="sm" len="sm"/>
+              <a:tailEnd type="none" w="sm" len="sm"/>
             </a:ln>
           </p:spPr>
           <p:txBody>
-            <a:bodyPr anchorCtr="0" anchor="ctr" bIns="91425" lIns="91425" spcFirstLastPara="1" rIns="91425" wrap="square" tIns="91425">
+            <a:bodyPr spcFirstLastPara="1" wrap="square" lIns="91425" tIns="91425" rIns="91425" bIns="91425" anchor="ctr" anchorCtr="0">
               <a:noAutofit/>
             </a:bodyPr>
             <a:lstStyle/>
             <a:p>
-              <a:pPr indent="0" lvl="0" marL="0" rtl="0" algn="ctr">
+              <a:pPr marL="0" lvl="0" indent="0" algn="ctr" rtl="0">
                 <a:spcBef>
                   <a:spcPts val="0"/>
                 </a:spcBef>
@@ -11538,9 +11372,6 @@
                 </a:spcAft>
                 <a:buNone/>
               </a:pPr>
-              <a:r>
-                <a:t/>
-              </a:r>
               <a:endParaRPr>
                 <a:latin typeface="Lato"/>
                 <a:ea typeface="Lato"/>
@@ -11570,12 +11401,12 @@
             </a:ln>
           </p:spPr>
           <p:txBody>
-            <a:bodyPr anchorCtr="0" anchor="t" bIns="91425" lIns="91425" spcFirstLastPara="1" rIns="91425" wrap="square" tIns="91425">
+            <a:bodyPr spcFirstLastPara="1" wrap="square" lIns="91425" tIns="91425" rIns="91425" bIns="91425" anchor="t" anchorCtr="0">
               <a:noAutofit/>
             </a:bodyPr>
             <a:lstStyle/>
             <a:p>
-              <a:pPr indent="0" lvl="0" marL="0" rtl="0" algn="l">
+              <a:pPr marL="0" lvl="0" indent="0" algn="l" rtl="0">
                 <a:spcBef>
                   <a:spcPts val="0"/>
                 </a:spcBef>
@@ -11607,7 +11438,7 @@
               </a:endParaRPr>
             </a:p>
             <a:p>
-              <a:pPr indent="0" lvl="0" marL="0" rtl="0" algn="l">
+              <a:pPr marL="0" lvl="0" indent="0" algn="l" rtl="0">
                 <a:spcBef>
                   <a:spcPts val="0"/>
                 </a:spcBef>
@@ -11616,9 +11447,6 @@
                 </a:spcAft>
                 <a:buNone/>
               </a:pPr>
-              <a:r>
-                <a:t/>
-              </a:r>
               <a:endParaRPr sz="1300">
                 <a:solidFill>
                   <a:schemeClr val="dk1"/>
@@ -11632,6 +11460,56 @@
           </p:txBody>
         </p:sp>
       </p:grpSp>
+      <p:sp>
+        <p:nvSpPr>
+          <p:cNvPr id="24" name="Google Shape;147;p14"/>
+          <p:cNvSpPr txBox="1">
+            <a:spLocks noGrp="1"/>
+          </p:cNvSpPr>
+          <p:nvPr>
+            <p:ph type="title"/>
+          </p:nvPr>
+        </p:nvSpPr>
+        <p:spPr>
+          <a:xfrm>
+            <a:off x="3424800" y="303875"/>
+            <a:ext cx="2689800" cy="914100"/>
+          </a:xfrm>
+          <a:prstGeom prst="rect">
+            <a:avLst/>
+          </a:prstGeom>
+        </p:spPr>
+        <p:txBody>
+          <a:bodyPr spcFirstLastPara="1" wrap="square" lIns="91425" tIns="91425" rIns="91425" bIns="91425" anchor="t" anchorCtr="0">
+            <a:noAutofit/>
+          </a:bodyPr>
+          <a:lstStyle/>
+          <a:p>
+            <a:pPr marL="0" lvl="0" indent="0" algn="l" rtl="0">
+              <a:spcBef>
+                <a:spcPts val="0"/>
+              </a:spcBef>
+              <a:spcAft>
+                <a:spcPts val="0"/>
+              </a:spcAft>
+              <a:buNone/>
+            </a:pPr>
+            <a:r>
+              <a:rPr lang="en-GB" sz="3400" b="1" u="sng" dirty="0" err="1">
+                <a:solidFill>
+                  <a:srgbClr val="6D9EEB"/>
+                </a:solidFill>
+              </a:rPr>
+              <a:t>SearchIBM</a:t>
+            </a:r>
+            <a:endParaRPr sz="3400" b="1" u="sng" dirty="0">
+              <a:solidFill>
+                <a:srgbClr val="6D9EEB"/>
+              </a:solidFill>
+            </a:endParaRPr>
+          </a:p>
+        </p:txBody>
+      </p:sp>
     </p:spTree>
   </p:cSld>
   <p:clrMapOvr>
@@ -11641,18 +11519,19 @@
 </file>
 
 <file path=ppt/slides/slide4.xml><?xml version="1.0" encoding="utf-8"?>
-<p:sld xmlns:a="http://schemas.openxmlformats.org/drawingml/2006/main" xmlns:r="http://schemas.openxmlformats.org/officeDocument/2006/relationships" xmlns:mc="http://schemas.openxmlformats.org/markup-compatibility/2006" xmlns:mv="urn:schemas-microsoft-com:mac:vml" xmlns:p="http://schemas.openxmlformats.org/presentationml/2006/main" xmlns:c="http://schemas.openxmlformats.org/drawingml/2006/chart" xmlns:dgm="http://schemas.openxmlformats.org/drawingml/2006/diagram" xmlns:o="urn:schemas-microsoft-com:office:office" xmlns:v="urn:schemas-microsoft-com:vml" xmlns:pvml="urn:schemas-microsoft-com:office:powerpoint" xmlns:com="http://schemas.openxmlformats.org/drawingml/2006/compatibility" xmlns:p14="http://schemas.microsoft.com/office/powerpoint/2010/main" xmlns:p15="http://schemas.microsoft.com/office/powerpoint/2012/main" xmlns:ahyp="http://schemas.microsoft.com/office/drawing/2018/hyperlinkcolor">
+<p:sld xmlns:a="http://schemas.openxmlformats.org/drawingml/2006/main" xmlns:r="http://schemas.openxmlformats.org/officeDocument/2006/relationships" xmlns:p="http://schemas.openxmlformats.org/presentationml/2006/main">
   <p:cSld>
     <p:bg>
       <p:bgPr>
         <a:solidFill>
           <a:srgbClr val="CFE2F3"/>
         </a:solidFill>
+        <a:effectLst/>
       </p:bgPr>
     </p:bg>
     <p:spTree>
       <p:nvGrpSpPr>
-        <p:cNvPr id="186" name="Shape 186"/>
+        <p:cNvPr id="1" name="Shape 186"/>
         <p:cNvGrpSpPr/>
         <p:nvPr/>
       </p:nvGrpSpPr>
@@ -11667,7 +11546,9 @@
       <p:sp>
         <p:nvSpPr>
           <p:cNvPr id="187" name="Google Shape;187;p16"/>
-          <p:cNvSpPr txBox="1"/>
+          <p:cNvSpPr txBox="1">
+            <a:spLocks noGrp="1"/>
+          </p:cNvSpPr>
           <p:nvPr>
             <p:ph type="title"/>
           </p:nvPr>
@@ -11682,12 +11563,12 @@
           </a:prstGeom>
         </p:spPr>
         <p:txBody>
-          <a:bodyPr anchorCtr="0" anchor="t" bIns="91425" lIns="91425" spcFirstLastPara="1" rIns="91425" wrap="square" tIns="91425">
+          <a:bodyPr spcFirstLastPara="1" wrap="square" lIns="91425" tIns="91425" rIns="91425" bIns="91425" anchor="t" anchorCtr="0">
             <a:noAutofit/>
           </a:bodyPr>
           <a:lstStyle/>
           <a:p>
-            <a:pPr indent="0" lvl="0" marL="0" rtl="0" algn="l">
+            <a:pPr marL="0" lvl="0" indent="0" algn="l" rtl="0">
               <a:spcBef>
                 <a:spcPts val="0"/>
               </a:spcBef>
@@ -11698,14 +11579,14 @@
               <a:buNone/>
             </a:pPr>
             <a:r>
-              <a:rPr b="1" lang="en-GB" sz="3400">
+              <a:rPr lang="en-GB" sz="3400" b="1">
                 <a:solidFill>
                   <a:srgbClr val="6D9EEB"/>
                 </a:solidFill>
               </a:rPr>
               <a:t>Your Progress</a:t>
             </a:r>
-            <a:endParaRPr b="1" sz="3400">
+            <a:endParaRPr sz="3400" b="1">
               <a:solidFill>
                 <a:srgbClr val="6D9EEB"/>
               </a:solidFill>
@@ -11716,9 +11597,11 @@
       <p:sp>
         <p:nvSpPr>
           <p:cNvPr id="188" name="Google Shape;188;p16"/>
-          <p:cNvSpPr txBox="1"/>
+          <p:cNvSpPr txBox="1">
+            <a:spLocks noGrp="1"/>
+          </p:cNvSpPr>
           <p:nvPr>
-            <p:ph idx="1" type="body"/>
+            <p:ph type="body" idx="1"/>
           </p:nvPr>
         </p:nvSpPr>
         <p:spPr>
@@ -11734,12 +11617,12 @@
           </a:solidFill>
         </p:spPr>
         <p:txBody>
-          <a:bodyPr anchorCtr="0" anchor="t" bIns="91425" lIns="91425" spcFirstLastPara="1" rIns="91425" wrap="square" tIns="91425">
-            <a:normAutofit fontScale="47500"/>
+          <a:bodyPr spcFirstLastPara="1" wrap="square" lIns="91425" tIns="91425" rIns="91425" bIns="91425" anchor="t" anchorCtr="0">
+            <a:normAutofit fontScale="25000" lnSpcReduction="20000"/>
           </a:bodyPr>
           <a:lstStyle/>
           <a:p>
-            <a:pPr indent="0" lvl="0" marL="0" rtl="0" algn="l">
+            <a:pPr marL="0" lvl="0" indent="0" algn="l" rtl="0">
               <a:spcBef>
                 <a:spcPts val="0"/>
               </a:spcBef>
@@ -11791,7 +11674,7 @@
             <a:noFill/>
           </a:ln>
           <a:effectLst>
-            <a:outerShdw blurRad="57150" rotWithShape="0" algn="bl" dir="5400000" dist="19050">
+            <a:outerShdw blurRad="57150" dist="19050" dir="5400000" algn="bl" rotWithShape="0">
               <a:srgbClr val="000000">
                 <a:alpha val="50000"/>
               </a:srgbClr>
@@ -11892,7 +11775,288 @@
 </file>
 
 <file path=ppt/theme/theme1.xml><?xml version="1.0" encoding="utf-8"?>
-<a:theme xmlns:a="http://schemas.openxmlformats.org/drawingml/2006/main" xmlns:r="http://schemas.openxmlformats.org/officeDocument/2006/relationships">
+<a:theme xmlns:a="http://schemas.openxmlformats.org/drawingml/2006/main" name="Focus">
+  <a:themeElements>
+    <a:clrScheme name="Focus">
+      <a:dk1>
+        <a:srgbClr val="1B212C"/>
+      </a:dk1>
+      <a:lt1>
+        <a:srgbClr val="FFFFFF"/>
+      </a:lt1>
+      <a:dk2>
+        <a:srgbClr val="D9D9D9"/>
+      </a:dk2>
+      <a:lt2>
+        <a:srgbClr val="82C7A5"/>
+      </a:lt2>
+      <a:accent1>
+        <a:srgbClr val="0145AC"/>
+      </a:accent1>
+      <a:accent2>
+        <a:srgbClr val="EECE1A"/>
+      </a:accent2>
+      <a:accent3>
+        <a:srgbClr val="4E5567"/>
+      </a:accent3>
+      <a:accent4>
+        <a:srgbClr val="F4D6AD"/>
+      </a:accent4>
+      <a:accent5>
+        <a:srgbClr val="7890CD"/>
+      </a:accent5>
+      <a:accent6>
+        <a:srgbClr val="F15E22"/>
+      </a:accent6>
+      <a:hlink>
+        <a:srgbClr val="7890CD"/>
+      </a:hlink>
+      <a:folHlink>
+        <a:srgbClr val="7890CD"/>
+      </a:folHlink>
+    </a:clrScheme>
+    <a:fontScheme name="Office">
+      <a:majorFont>
+        <a:latin typeface="Arial"/>
+        <a:ea typeface=""/>
+        <a:cs typeface=""/>
+        <a:font script="Jpan" typeface="ＭＳ Ｐゴシック"/>
+        <a:font script="Hang" typeface="맑은 고딕"/>
+        <a:font script="Hans" typeface="宋体"/>
+        <a:font script="Hant" typeface="新細明體"/>
+        <a:font script="Arab" typeface="Times New Roman"/>
+        <a:font script="Hebr" typeface="Times New Roman"/>
+        <a:font script="Thai" typeface="Angsana New"/>
+        <a:font script="Ethi" typeface="Nyala"/>
+        <a:font script="Beng" typeface="Vrinda"/>
+        <a:font script="Gujr" typeface="Shruti"/>
+        <a:font script="Khmr" typeface="MoolBoran"/>
+        <a:font script="Knda" typeface="Tunga"/>
+        <a:font script="Guru" typeface="Raavi"/>
+        <a:font script="Cans" typeface="Euphemia"/>
+        <a:font script="Cher" typeface="Plantagenet Cherokee"/>
+        <a:font script="Yiii" typeface="Microsoft Yi Baiti"/>
+        <a:font script="Tibt" typeface="Microsoft Himalaya"/>
+        <a:font script="Thaa" typeface="MV Boli"/>
+        <a:font script="Deva" typeface="Mangal"/>
+        <a:font script="Telu" typeface="Gautami"/>
+        <a:font script="Taml" typeface="Latha"/>
+        <a:font script="Syrc" typeface="Estrangelo Edessa"/>
+        <a:font script="Orya" typeface="Kalinga"/>
+        <a:font script="Mlym" typeface="Kartika"/>
+        <a:font script="Laoo" typeface="DokChampa"/>
+        <a:font script="Sinh" typeface="Iskoola Pota"/>
+        <a:font script="Mong" typeface="Mongolian Baiti"/>
+        <a:font script="Viet" typeface="Times New Roman"/>
+        <a:font script="Uigh" typeface="Microsoft Uighur"/>
+        <a:font script="Geor" typeface="Sylfaen"/>
+      </a:majorFont>
+      <a:minorFont>
+        <a:latin typeface="Arial"/>
+        <a:ea typeface=""/>
+        <a:cs typeface=""/>
+        <a:font script="Jpan" typeface="ＭＳ Ｐゴシック"/>
+        <a:font script="Hang" typeface="맑은 고딕"/>
+        <a:font script="Hans" typeface="宋体"/>
+        <a:font script="Hant" typeface="新細明體"/>
+        <a:font script="Arab" typeface="Arial"/>
+        <a:font script="Hebr" typeface="Arial"/>
+        <a:font script="Thai" typeface="Cordia New"/>
+        <a:font script="Ethi" typeface="Nyala"/>
+        <a:font script="Beng" typeface="Vrinda"/>
+        <a:font script="Gujr" typeface="Shruti"/>
+        <a:font script="Khmr" typeface="DaunPenh"/>
+        <a:font script="Knda" typeface="Tunga"/>
+        <a:font script="Guru" typeface="Raavi"/>
+        <a:font script="Cans" typeface="Euphemia"/>
+        <a:font script="Cher" typeface="Plantagenet Cherokee"/>
+        <a:font script="Yiii" typeface="Microsoft Yi Baiti"/>
+        <a:font script="Tibt" typeface="Microsoft Himalaya"/>
+        <a:font script="Thaa" typeface="MV Boli"/>
+        <a:font script="Deva" typeface="Mangal"/>
+        <a:font script="Telu" typeface="Gautami"/>
+        <a:font script="Taml" typeface="Latha"/>
+        <a:font script="Syrc" typeface="Estrangelo Edessa"/>
+        <a:font script="Orya" typeface="Kalinga"/>
+        <a:font script="Mlym" typeface="Kartika"/>
+        <a:font script="Laoo" typeface="DokChampa"/>
+        <a:font script="Sinh" typeface="Iskoola Pota"/>
+        <a:font script="Mong" typeface="Mongolian Baiti"/>
+        <a:font script="Viet" typeface="Arial"/>
+        <a:font script="Uigh" typeface="Microsoft Uighur"/>
+        <a:font script="Geor" typeface="Sylfaen"/>
+      </a:minorFont>
+    </a:fontScheme>
+    <a:fmtScheme name="Office">
+      <a:fillStyleLst>
+        <a:solidFill>
+          <a:schemeClr val="phClr"/>
+        </a:solidFill>
+        <a:gradFill rotWithShape="1">
+          <a:gsLst>
+            <a:gs pos="0">
+              <a:schemeClr val="phClr">
+                <a:tint val="50000"/>
+                <a:satMod val="300000"/>
+              </a:schemeClr>
+            </a:gs>
+            <a:gs pos="35000">
+              <a:schemeClr val="phClr">
+                <a:tint val="37000"/>
+                <a:satMod val="300000"/>
+              </a:schemeClr>
+            </a:gs>
+            <a:gs pos="100000">
+              <a:schemeClr val="phClr">
+                <a:tint val="15000"/>
+                <a:satMod val="350000"/>
+              </a:schemeClr>
+            </a:gs>
+          </a:gsLst>
+          <a:lin ang="16200000" scaled="1"/>
+        </a:gradFill>
+        <a:gradFill rotWithShape="1">
+          <a:gsLst>
+            <a:gs pos="0">
+              <a:schemeClr val="phClr">
+                <a:tint val="100000"/>
+                <a:shade val="100000"/>
+                <a:satMod val="130000"/>
+              </a:schemeClr>
+            </a:gs>
+            <a:gs pos="100000">
+              <a:schemeClr val="phClr">
+                <a:tint val="50000"/>
+                <a:shade val="100000"/>
+                <a:satMod val="350000"/>
+              </a:schemeClr>
+            </a:gs>
+          </a:gsLst>
+          <a:lin ang="16200000" scaled="0"/>
+        </a:gradFill>
+      </a:fillStyleLst>
+      <a:lnStyleLst>
+        <a:ln w="9525" cap="flat" cmpd="sng" algn="ctr">
+          <a:solidFill>
+            <a:schemeClr val="phClr">
+              <a:shade val="95000"/>
+              <a:satMod val="105000"/>
+            </a:schemeClr>
+          </a:solidFill>
+          <a:prstDash val="solid"/>
+        </a:ln>
+        <a:ln w="25400" cap="flat" cmpd="sng" algn="ctr">
+          <a:solidFill>
+            <a:schemeClr val="phClr"/>
+          </a:solidFill>
+          <a:prstDash val="solid"/>
+        </a:ln>
+        <a:ln w="38100" cap="flat" cmpd="sng" algn="ctr">
+          <a:solidFill>
+            <a:schemeClr val="phClr"/>
+          </a:solidFill>
+          <a:prstDash val="solid"/>
+        </a:ln>
+      </a:lnStyleLst>
+      <a:effectStyleLst>
+        <a:effectStyle>
+          <a:effectLst>
+            <a:outerShdw blurRad="40000" dist="20000" dir="5400000" rotWithShape="0">
+              <a:srgbClr val="000000">
+                <a:alpha val="38000"/>
+              </a:srgbClr>
+            </a:outerShdw>
+          </a:effectLst>
+        </a:effectStyle>
+        <a:effectStyle>
+          <a:effectLst>
+            <a:outerShdw blurRad="40000" dist="23000" dir="5400000" rotWithShape="0">
+              <a:srgbClr val="000000">
+                <a:alpha val="35000"/>
+              </a:srgbClr>
+            </a:outerShdw>
+          </a:effectLst>
+        </a:effectStyle>
+        <a:effectStyle>
+          <a:effectLst>
+            <a:outerShdw blurRad="40000" dist="23000" dir="5400000" rotWithShape="0">
+              <a:srgbClr val="000000">
+                <a:alpha val="35000"/>
+              </a:srgbClr>
+            </a:outerShdw>
+          </a:effectLst>
+          <a:scene3d>
+            <a:camera prst="orthographicFront">
+              <a:rot lat="0" lon="0" rev="0"/>
+            </a:camera>
+            <a:lightRig rig="threePt" dir="t">
+              <a:rot lat="0" lon="0" rev="1200000"/>
+            </a:lightRig>
+          </a:scene3d>
+          <a:sp3d>
+            <a:bevelT w="63500" h="25400"/>
+          </a:sp3d>
+        </a:effectStyle>
+      </a:effectStyleLst>
+      <a:bgFillStyleLst>
+        <a:solidFill>
+          <a:schemeClr val="phClr"/>
+        </a:solidFill>
+        <a:gradFill rotWithShape="1">
+          <a:gsLst>
+            <a:gs pos="0">
+              <a:schemeClr val="phClr">
+                <a:tint val="40000"/>
+                <a:satMod val="350000"/>
+              </a:schemeClr>
+            </a:gs>
+            <a:gs pos="40000">
+              <a:schemeClr val="phClr">
+                <a:tint val="45000"/>
+                <a:shade val="99000"/>
+                <a:satMod val="350000"/>
+              </a:schemeClr>
+            </a:gs>
+            <a:gs pos="100000">
+              <a:schemeClr val="phClr">
+                <a:shade val="20000"/>
+                <a:satMod val="255000"/>
+              </a:schemeClr>
+            </a:gs>
+          </a:gsLst>
+          <a:path path="circle">
+            <a:fillToRect l="50000" t="-80000" r="50000" b="180000"/>
+          </a:path>
+        </a:gradFill>
+        <a:gradFill rotWithShape="1">
+          <a:gsLst>
+            <a:gs pos="0">
+              <a:schemeClr val="phClr">
+                <a:tint val="80000"/>
+                <a:satMod val="300000"/>
+              </a:schemeClr>
+            </a:gs>
+            <a:gs pos="100000">
+              <a:schemeClr val="phClr">
+                <a:shade val="30000"/>
+                <a:satMod val="200000"/>
+              </a:schemeClr>
+            </a:gs>
+          </a:gsLst>
+          <a:path path="circle">
+            <a:fillToRect l="50000" t="50000" r="50000" b="50000"/>
+          </a:path>
+        </a:gradFill>
+      </a:bgFillStyleLst>
+    </a:fmtScheme>
+  </a:themeElements>
+  <a:objectDefaults/>
+  <a:extraClrSchemeLst/>
+</a:theme>
+</file>
+
+<file path=ppt/theme/theme2.xml><?xml version="1.0" encoding="utf-8"?>
+<a:theme xmlns:a="http://schemas.openxmlformats.org/drawingml/2006/main">
   <a:themeElements>
     <a:clrScheme name="Default">
       <a:dk1>
@@ -12167,284 +12331,7 @@
       </a:bgFillStyleLst>
     </a:fmtScheme>
   </a:themeElements>
-</a:theme>
-</file>
-
-<file path=ppt/theme/theme2.xml><?xml version="1.0" encoding="utf-8"?>
-<a:theme xmlns:a="http://schemas.openxmlformats.org/drawingml/2006/main" xmlns:r="http://schemas.openxmlformats.org/officeDocument/2006/relationships" name="Focus">
-  <a:themeElements>
-    <a:clrScheme name="Focus">
-      <a:dk1>
-        <a:srgbClr val="1B212C"/>
-      </a:dk1>
-      <a:lt1>
-        <a:srgbClr val="FFFFFF"/>
-      </a:lt1>
-      <a:dk2>
-        <a:srgbClr val="D9D9D9"/>
-      </a:dk2>
-      <a:lt2>
-        <a:srgbClr val="82C7A5"/>
-      </a:lt2>
-      <a:accent1>
-        <a:srgbClr val="0145AC"/>
-      </a:accent1>
-      <a:accent2>
-        <a:srgbClr val="EECE1A"/>
-      </a:accent2>
-      <a:accent3>
-        <a:srgbClr val="4E5567"/>
-      </a:accent3>
-      <a:accent4>
-        <a:srgbClr val="F4D6AD"/>
-      </a:accent4>
-      <a:accent5>
-        <a:srgbClr val="7890CD"/>
-      </a:accent5>
-      <a:accent6>
-        <a:srgbClr val="F15E22"/>
-      </a:accent6>
-      <a:hlink>
-        <a:srgbClr val="7890CD"/>
-      </a:hlink>
-      <a:folHlink>
-        <a:srgbClr val="7890CD"/>
-      </a:folHlink>
-    </a:clrScheme>
-    <a:fontScheme name="Office">
-      <a:majorFont>
-        <a:latin typeface="Arial"/>
-        <a:ea typeface=""/>
-        <a:cs typeface=""/>
-        <a:font script="Jpan" typeface="ＭＳ Ｐゴシック"/>
-        <a:font script="Hang" typeface="맑은 고딕"/>
-        <a:font script="Hans" typeface="宋体"/>
-        <a:font script="Hant" typeface="新細明體"/>
-        <a:font script="Arab" typeface="Times New Roman"/>
-        <a:font script="Hebr" typeface="Times New Roman"/>
-        <a:font script="Thai" typeface="Angsana New"/>
-        <a:font script="Ethi" typeface="Nyala"/>
-        <a:font script="Beng" typeface="Vrinda"/>
-        <a:font script="Gujr" typeface="Shruti"/>
-        <a:font script="Khmr" typeface="MoolBoran"/>
-        <a:font script="Knda" typeface="Tunga"/>
-        <a:font script="Guru" typeface="Raavi"/>
-        <a:font script="Cans" typeface="Euphemia"/>
-        <a:font script="Cher" typeface="Plantagenet Cherokee"/>
-        <a:font script="Yiii" typeface="Microsoft Yi Baiti"/>
-        <a:font script="Tibt" typeface="Microsoft Himalaya"/>
-        <a:font script="Thaa" typeface="MV Boli"/>
-        <a:font script="Deva" typeface="Mangal"/>
-        <a:font script="Telu" typeface="Gautami"/>
-        <a:font script="Taml" typeface="Latha"/>
-        <a:font script="Syrc" typeface="Estrangelo Edessa"/>
-        <a:font script="Orya" typeface="Kalinga"/>
-        <a:font script="Mlym" typeface="Kartika"/>
-        <a:font script="Laoo" typeface="DokChampa"/>
-        <a:font script="Sinh" typeface="Iskoola Pota"/>
-        <a:font script="Mong" typeface="Mongolian Baiti"/>
-        <a:font script="Viet" typeface="Times New Roman"/>
-        <a:font script="Uigh" typeface="Microsoft Uighur"/>
-        <a:font script="Geor" typeface="Sylfaen"/>
-      </a:majorFont>
-      <a:minorFont>
-        <a:latin typeface="Arial"/>
-        <a:ea typeface=""/>
-        <a:cs typeface=""/>
-        <a:font script="Jpan" typeface="ＭＳ Ｐゴシック"/>
-        <a:font script="Hang" typeface="맑은 고딕"/>
-        <a:font script="Hans" typeface="宋体"/>
-        <a:font script="Hant" typeface="新細明體"/>
-        <a:font script="Arab" typeface="Arial"/>
-        <a:font script="Hebr" typeface="Arial"/>
-        <a:font script="Thai" typeface="Cordia New"/>
-        <a:font script="Ethi" typeface="Nyala"/>
-        <a:font script="Beng" typeface="Vrinda"/>
-        <a:font script="Gujr" typeface="Shruti"/>
-        <a:font script="Khmr" typeface="DaunPenh"/>
-        <a:font script="Knda" typeface="Tunga"/>
-        <a:font script="Guru" typeface="Raavi"/>
-        <a:font script="Cans" typeface="Euphemia"/>
-        <a:font script="Cher" typeface="Plantagenet Cherokee"/>
-        <a:font script="Yiii" typeface="Microsoft Yi Baiti"/>
-        <a:font script="Tibt" typeface="Microsoft Himalaya"/>
-        <a:font script="Thaa" typeface="MV Boli"/>
-        <a:font script="Deva" typeface="Mangal"/>
-        <a:font script="Telu" typeface="Gautami"/>
-        <a:font script="Taml" typeface="Latha"/>
-        <a:font script="Syrc" typeface="Estrangelo Edessa"/>
-        <a:font script="Orya" typeface="Kalinga"/>
-        <a:font script="Mlym" typeface="Kartika"/>
-        <a:font script="Laoo" typeface="DokChampa"/>
-        <a:font script="Sinh" typeface="Iskoola Pota"/>
-        <a:font script="Mong" typeface="Mongolian Baiti"/>
-        <a:font script="Viet" typeface="Arial"/>
-        <a:font script="Uigh" typeface="Microsoft Uighur"/>
-        <a:font script="Geor" typeface="Sylfaen"/>
-      </a:minorFont>
-    </a:fontScheme>
-    <a:fmtScheme name="Office">
-      <a:fillStyleLst>
-        <a:solidFill>
-          <a:schemeClr val="phClr"/>
-        </a:solidFill>
-        <a:gradFill rotWithShape="1">
-          <a:gsLst>
-            <a:gs pos="0">
-              <a:schemeClr val="phClr">
-                <a:tint val="50000"/>
-                <a:satMod val="300000"/>
-              </a:schemeClr>
-            </a:gs>
-            <a:gs pos="35000">
-              <a:schemeClr val="phClr">
-                <a:tint val="37000"/>
-                <a:satMod val="300000"/>
-              </a:schemeClr>
-            </a:gs>
-            <a:gs pos="100000">
-              <a:schemeClr val="phClr">
-                <a:tint val="15000"/>
-                <a:satMod val="350000"/>
-              </a:schemeClr>
-            </a:gs>
-          </a:gsLst>
-          <a:lin ang="16200000" scaled="1"/>
-        </a:gradFill>
-        <a:gradFill rotWithShape="1">
-          <a:gsLst>
-            <a:gs pos="0">
-              <a:schemeClr val="phClr">
-                <a:tint val="100000"/>
-                <a:shade val="100000"/>
-                <a:satMod val="130000"/>
-              </a:schemeClr>
-            </a:gs>
-            <a:gs pos="100000">
-              <a:schemeClr val="phClr">
-                <a:tint val="50000"/>
-                <a:shade val="100000"/>
-                <a:satMod val="350000"/>
-              </a:schemeClr>
-            </a:gs>
-          </a:gsLst>
-          <a:lin ang="16200000" scaled="0"/>
-        </a:gradFill>
-      </a:fillStyleLst>
-      <a:lnStyleLst>
-        <a:ln w="9525" cap="flat" cmpd="sng" algn="ctr">
-          <a:solidFill>
-            <a:schemeClr val="phClr">
-              <a:shade val="95000"/>
-              <a:satMod val="105000"/>
-            </a:schemeClr>
-          </a:solidFill>
-          <a:prstDash val="solid"/>
-        </a:ln>
-        <a:ln w="25400" cap="flat" cmpd="sng" algn="ctr">
-          <a:solidFill>
-            <a:schemeClr val="phClr"/>
-          </a:solidFill>
-          <a:prstDash val="solid"/>
-        </a:ln>
-        <a:ln w="38100" cap="flat" cmpd="sng" algn="ctr">
-          <a:solidFill>
-            <a:schemeClr val="phClr"/>
-          </a:solidFill>
-          <a:prstDash val="solid"/>
-        </a:ln>
-      </a:lnStyleLst>
-      <a:effectStyleLst>
-        <a:effectStyle>
-          <a:effectLst>
-            <a:outerShdw blurRad="40000" dist="20000" dir="5400000" rotWithShape="0">
-              <a:srgbClr val="000000">
-                <a:alpha val="38000"/>
-              </a:srgbClr>
-            </a:outerShdw>
-          </a:effectLst>
-        </a:effectStyle>
-        <a:effectStyle>
-          <a:effectLst>
-            <a:outerShdw blurRad="40000" dist="23000" dir="5400000" rotWithShape="0">
-              <a:srgbClr val="000000">
-                <a:alpha val="35000"/>
-              </a:srgbClr>
-            </a:outerShdw>
-          </a:effectLst>
-        </a:effectStyle>
-        <a:effectStyle>
-          <a:effectLst>
-            <a:outerShdw blurRad="40000" dist="23000" dir="5400000" rotWithShape="0">
-              <a:srgbClr val="000000">
-                <a:alpha val="35000"/>
-              </a:srgbClr>
-            </a:outerShdw>
-          </a:effectLst>
-          <a:scene3d>
-            <a:camera prst="orthographicFront">
-              <a:rot lat="0" lon="0" rev="0"/>
-            </a:camera>
-            <a:lightRig rig="threePt" dir="t">
-              <a:rot lat="0" lon="0" rev="1200000"/>
-            </a:lightRig>
-          </a:scene3d>
-          <a:sp3d>
-            <a:bevelT w="63500" h="25400"/>
-          </a:sp3d>
-        </a:effectStyle>
-      </a:effectStyleLst>
-      <a:bgFillStyleLst>
-        <a:solidFill>
-          <a:schemeClr val="phClr"/>
-        </a:solidFill>
-        <a:gradFill rotWithShape="1">
-          <a:gsLst>
-            <a:gs pos="0">
-              <a:schemeClr val="phClr">
-                <a:tint val="40000"/>
-                <a:satMod val="350000"/>
-              </a:schemeClr>
-            </a:gs>
-            <a:gs pos="40000">
-              <a:schemeClr val="phClr">
-                <a:tint val="45000"/>
-                <a:shade val="99000"/>
-                <a:satMod val="350000"/>
-              </a:schemeClr>
-            </a:gs>
-            <a:gs pos="100000">
-              <a:schemeClr val="phClr">
-                <a:shade val="20000"/>
-                <a:satMod val="255000"/>
-              </a:schemeClr>
-            </a:gs>
-          </a:gsLst>
-          <a:path path="circle">
-            <a:fillToRect l="50000" t="-80000" r="50000" b="180000"/>
-          </a:path>
-        </a:gradFill>
-        <a:gradFill rotWithShape="1">
-          <a:gsLst>
-            <a:gs pos="0">
-              <a:schemeClr val="phClr">
-                <a:tint val="80000"/>
-                <a:satMod val="300000"/>
-              </a:schemeClr>
-            </a:gs>
-            <a:gs pos="100000">
-              <a:schemeClr val="phClr">
-                <a:shade val="30000"/>
-                <a:satMod val="200000"/>
-              </a:schemeClr>
-            </a:gs>
-          </a:gsLst>
-          <a:path path="circle">
-            <a:fillToRect l="50000" t="50000" r="50000" b="50000"/>
-          </a:path>
-        </a:gradFill>
-      </a:bgFillStyleLst>
-    </a:fmtScheme>
-  </a:themeElements>
+  <a:objectDefaults/>
+  <a:extraClrSchemeLst/>
 </a:theme>
 </file>